--- a/DOC/PRESENTACION.pptx
+++ b/DOC/PRESENTACION.pptx
@@ -1,6 +1,6 @@
 
 <file path=ppt/presentation.xml><?xml version="1.0" encoding="utf-8"?>
-<p:presentation xmlns:a="http://schemas.openxmlformats.org/drawingml/2006/main" xmlns:r="http://schemas.openxmlformats.org/officeDocument/2006/relationships" xmlns:mc="http://schemas.openxmlformats.org/markup-compatibility/2006" xmlns:mv="urn:schemas-microsoft-com:mac:vml" xmlns:p="http://schemas.openxmlformats.org/presentationml/2006/main" xmlns:c="http://schemas.openxmlformats.org/drawingml/2006/chart" xmlns:dgm="http://schemas.openxmlformats.org/drawingml/2006/diagram" xmlns:o="urn:schemas-microsoft-com:office:office" xmlns:v="urn:schemas-microsoft-com:vml" xmlns:pvml="urn:schemas-microsoft-com:office:powerpoint" xmlns:com="http://schemas.openxmlformats.org/drawingml/2006/compatibility" xmlns:p14="http://schemas.microsoft.com/office/powerpoint/2010/main" xmlns:p15="http://schemas.microsoft.com/office/powerpoint/2012/main" xmlns:ahyp="http://schemas.microsoft.com/office/drawing/2018/hyperlinkcolor" autoCompressPictures="0" strictFirstAndLastChars="0" saveSubsetFonts="1">
+<p:presentation xmlns:a="http://schemas.openxmlformats.org/drawingml/2006/main" xmlns:r="http://schemas.openxmlformats.org/officeDocument/2006/relationships" xmlns:mc="http://schemas.openxmlformats.org/markup-compatibility/2006" xmlns:mv="urn:schemas-microsoft-com:mac:vml" xmlns:p="http://schemas.openxmlformats.org/presentationml/2006/main" xmlns:c="http://schemas.openxmlformats.org/drawingml/2006/chart" xmlns:dgm="http://schemas.openxmlformats.org/drawingml/2006/diagram" xmlns:o="urn:schemas-microsoft-com:office:office" xmlns:v="urn:schemas-microsoft-com:vml" xmlns:pvml="urn:schemas-microsoft-com:office:powerpoint" xmlns:com="http://schemas.openxmlformats.org/drawingml/2006/compatibility" xmlns:p14="http://schemas.microsoft.com/office/powerpoint/2010/main" xmlns:p15="http://schemas.microsoft.com/office/powerpoint/2012/main" xmlns:ahyp="http://schemas.microsoft.com/office/drawing/2018/hyperlinkcolor" autoCompressPictures="0" embedTrueTypeFonts="1" strictFirstAndLastChars="0" saveSubsetFonts="1">
   <p:sldMasterIdLst>
     <p:sldMasterId id="2147483659" r:id="rId5"/>
   </p:sldMasterIdLst>
@@ -19,9 +19,27 @@
     <p:sldId id="264" r:id="rId15"/>
     <p:sldId id="265" r:id="rId16"/>
     <p:sldId id="266" r:id="rId17"/>
+    <p:sldId id="267" r:id="rId18"/>
+    <p:sldId id="268" r:id="rId19"/>
   </p:sldIdLst>
   <p:sldSz cy="5143500" cx="9144000"/>
   <p:notesSz cx="6858000" cy="9144000"/>
+  <p:embeddedFontLst>
+    <p:embeddedFont>
+      <p:font typeface="Raleway"/>
+      <p:regular r:id="rId20"/>
+      <p:bold r:id="rId21"/>
+      <p:italic r:id="rId22"/>
+      <p:boldItalic r:id="rId23"/>
+    </p:embeddedFont>
+    <p:embeddedFont>
+      <p:font typeface="Lato"/>
+      <p:regular r:id="rId24"/>
+      <p:bold r:id="rId25"/>
+      <p:italic r:id="rId26"/>
+      <p:boldItalic r:id="rId27"/>
+    </p:embeddedFont>
+  </p:embeddedFontLst>
   <p:defaultTextStyle>
     <a:defPPr lvl="0" marR="0" rtl="0" algn="l">
       <a:lnSpc>
@@ -701,7 +719,7 @@
   <p:cSld>
     <p:spTree>
       <p:nvGrpSpPr>
-        <p:cNvPr id="50" name="Shape 50"/>
+        <p:cNvPr id="82" name="Shape 82"/>
         <p:cNvGrpSpPr/>
         <p:nvPr/>
       </p:nvGrpSpPr>
@@ -715,7 +733,7 @@
       </p:grpSpPr>
       <p:sp>
         <p:nvSpPr>
-          <p:cNvPr id="51" name="Google Shape;51;p:notes"/>
+          <p:cNvPr id="83" name="Google Shape;83;p:notes"/>
           <p:cNvSpPr/>
           <p:nvPr>
             <p:ph idx="2" type="sldImg"/>
@@ -750,7 +768,7 @@
       </p:sp>
       <p:sp>
         <p:nvSpPr>
-          <p:cNvPr id="52" name="Google Shape;52;p:notes"/>
+          <p:cNvPr id="84" name="Google Shape;84;p:notes"/>
           <p:cNvSpPr txBox="1"/>
           <p:nvPr>
             <p:ph idx="1" type="body"/>
@@ -800,7 +818,7 @@
   <p:cSld>
     <p:spTree>
       <p:nvGrpSpPr>
-        <p:cNvPr id="117" name="Shape 117"/>
+        <p:cNvPr id="143" name="Shape 143"/>
         <p:cNvGrpSpPr/>
         <p:nvPr/>
       </p:nvGrpSpPr>
@@ -814,7 +832,7 @@
       </p:grpSpPr>
       <p:sp>
         <p:nvSpPr>
-          <p:cNvPr id="118" name="Google Shape;118;g305925b8eb7_1_7:notes"/>
+          <p:cNvPr id="144" name="Google Shape;144;g305925b8eb7_3_0:notes"/>
           <p:cNvSpPr/>
           <p:nvPr>
             <p:ph idx="2" type="sldImg"/>
@@ -849,7 +867,7 @@
       </p:sp>
       <p:sp>
         <p:nvSpPr>
-          <p:cNvPr id="119" name="Google Shape;119;g305925b8eb7_1_7:notes"/>
+          <p:cNvPr id="145" name="Google Shape;145;g305925b8eb7_3_0:notes"/>
           <p:cNvSpPr txBox="1"/>
           <p:nvPr>
             <p:ph idx="1" type="body"/>
@@ -899,7 +917,7 @@
   <p:cSld>
     <p:spTree>
       <p:nvGrpSpPr>
-        <p:cNvPr id="124" name="Shape 124"/>
+        <p:cNvPr id="155" name="Shape 155"/>
         <p:cNvGrpSpPr/>
         <p:nvPr/>
       </p:nvGrpSpPr>
@@ -913,7 +931,7 @@
       </p:grpSpPr>
       <p:sp>
         <p:nvSpPr>
-          <p:cNvPr id="125" name="Google Shape;125;g305925b8eb7_1_23:notes"/>
+          <p:cNvPr id="156" name="Google Shape;156;g30592abe833_1_28:notes"/>
           <p:cNvSpPr/>
           <p:nvPr>
             <p:ph idx="2" type="sldImg"/>
@@ -948,7 +966,7 @@
       </p:sp>
       <p:sp>
         <p:nvSpPr>
-          <p:cNvPr id="126" name="Google Shape;126;g305925b8eb7_1_23:notes"/>
+          <p:cNvPr id="157" name="Google Shape;157;g30592abe833_1_28:notes"/>
           <p:cNvSpPr txBox="1"/>
           <p:nvPr>
             <p:ph idx="1" type="body"/>
@@ -993,12 +1011,12 @@
 </p:notes>
 </file>
 
-<file path=ppt/notesSlides/notesSlide2.xml><?xml version="1.0" encoding="utf-8"?>
+<file path=ppt/notesSlides/notesSlide12.xml><?xml version="1.0" encoding="utf-8"?>
 <p:notes xmlns:a="http://schemas.openxmlformats.org/drawingml/2006/main" xmlns:r="http://schemas.openxmlformats.org/officeDocument/2006/relationships" xmlns:mc="http://schemas.openxmlformats.org/markup-compatibility/2006" xmlns:mv="urn:schemas-microsoft-com:mac:vml" xmlns:p="http://schemas.openxmlformats.org/presentationml/2006/main" xmlns:c="http://schemas.openxmlformats.org/drawingml/2006/chart" xmlns:dgm="http://schemas.openxmlformats.org/drawingml/2006/diagram" xmlns:o="urn:schemas-microsoft-com:office:office" xmlns:v="urn:schemas-microsoft-com:vml" xmlns:pvml="urn:schemas-microsoft-com:office:powerpoint" xmlns:com="http://schemas.openxmlformats.org/drawingml/2006/compatibility" xmlns:p14="http://schemas.microsoft.com/office/powerpoint/2010/main" xmlns:p15="http://schemas.microsoft.com/office/powerpoint/2012/main" xmlns:ahyp="http://schemas.microsoft.com/office/drawing/2018/hyperlinkcolor" showMasterPhAnim="0" showMasterSp="0">
   <p:cSld>
     <p:spTree>
       <p:nvGrpSpPr>
-        <p:cNvPr id="60" name="Shape 60"/>
+        <p:cNvPr id="161" name="Shape 161"/>
         <p:cNvGrpSpPr/>
         <p:nvPr/>
       </p:nvGrpSpPr>
@@ -1012,7 +1030,7 @@
       </p:grpSpPr>
       <p:sp>
         <p:nvSpPr>
-          <p:cNvPr id="61" name="Google Shape;61;g305925b8eb7_3_26:notes"/>
+          <p:cNvPr id="162" name="Google Shape;162;g305925b8eb7_1_7:notes"/>
           <p:cNvSpPr/>
           <p:nvPr>
             <p:ph idx="2" type="sldImg"/>
@@ -1047,7 +1065,7 @@
       </p:sp>
       <p:sp>
         <p:nvSpPr>
-          <p:cNvPr id="62" name="Google Shape;62;g305925b8eb7_3_26:notes"/>
+          <p:cNvPr id="163" name="Google Shape;163;g305925b8eb7_1_7:notes"/>
           <p:cNvSpPr txBox="1"/>
           <p:nvPr>
             <p:ph idx="1" type="body"/>
@@ -1092,12 +1110,12 @@
 </p:notes>
 </file>
 
-<file path=ppt/notesSlides/notesSlide3.xml><?xml version="1.0" encoding="utf-8"?>
+<file path=ppt/notesSlides/notesSlide13.xml><?xml version="1.0" encoding="utf-8"?>
 <p:notes xmlns:a="http://schemas.openxmlformats.org/drawingml/2006/main" xmlns:r="http://schemas.openxmlformats.org/officeDocument/2006/relationships" xmlns:mc="http://schemas.openxmlformats.org/markup-compatibility/2006" xmlns:mv="urn:schemas-microsoft-com:mac:vml" xmlns:p="http://schemas.openxmlformats.org/presentationml/2006/main" xmlns:c="http://schemas.openxmlformats.org/drawingml/2006/chart" xmlns:dgm="http://schemas.openxmlformats.org/drawingml/2006/diagram" xmlns:o="urn:schemas-microsoft-com:office:office" xmlns:v="urn:schemas-microsoft-com:vml" xmlns:pvml="urn:schemas-microsoft-com:office:powerpoint" xmlns:com="http://schemas.openxmlformats.org/drawingml/2006/compatibility" xmlns:p14="http://schemas.microsoft.com/office/powerpoint/2010/main" xmlns:p15="http://schemas.microsoft.com/office/powerpoint/2012/main" xmlns:ahyp="http://schemas.microsoft.com/office/drawing/2018/hyperlinkcolor" showMasterPhAnim="0" showMasterSp="0">
   <p:cSld>
     <p:spTree>
       <p:nvGrpSpPr>
-        <p:cNvPr id="67" name="Shape 67"/>
+        <p:cNvPr id="168" name="Shape 168"/>
         <p:cNvGrpSpPr/>
         <p:nvPr/>
       </p:nvGrpSpPr>
@@ -1111,7 +1129,7 @@
       </p:grpSpPr>
       <p:sp>
         <p:nvSpPr>
-          <p:cNvPr id="68" name="Google Shape;68;g30592abe833_1_15:notes"/>
+          <p:cNvPr id="169" name="Google Shape;169;g305925b8eb7_1_23:notes"/>
           <p:cNvSpPr/>
           <p:nvPr>
             <p:ph idx="2" type="sldImg"/>
@@ -1146,7 +1164,7 @@
       </p:sp>
       <p:sp>
         <p:nvSpPr>
-          <p:cNvPr id="69" name="Google Shape;69;g30592abe833_1_15:notes"/>
+          <p:cNvPr id="170" name="Google Shape;170;g305925b8eb7_1_23:notes"/>
           <p:cNvSpPr txBox="1"/>
           <p:nvPr>
             <p:ph idx="1" type="body"/>
@@ -1191,12 +1209,12 @@
 </p:notes>
 </file>
 
-<file path=ppt/notesSlides/notesSlide4.xml><?xml version="1.0" encoding="utf-8"?>
+<file path=ppt/notesSlides/notesSlide2.xml><?xml version="1.0" encoding="utf-8"?>
 <p:notes xmlns:a="http://schemas.openxmlformats.org/drawingml/2006/main" xmlns:r="http://schemas.openxmlformats.org/officeDocument/2006/relationships" xmlns:mc="http://schemas.openxmlformats.org/markup-compatibility/2006" xmlns:mv="urn:schemas-microsoft-com:mac:vml" xmlns:p="http://schemas.openxmlformats.org/presentationml/2006/main" xmlns:c="http://schemas.openxmlformats.org/drawingml/2006/chart" xmlns:dgm="http://schemas.openxmlformats.org/drawingml/2006/diagram" xmlns:o="urn:schemas-microsoft-com:office:office" xmlns:v="urn:schemas-microsoft-com:vml" xmlns:pvml="urn:schemas-microsoft-com:office:powerpoint" xmlns:com="http://schemas.openxmlformats.org/drawingml/2006/compatibility" xmlns:p14="http://schemas.microsoft.com/office/powerpoint/2010/main" xmlns:p15="http://schemas.microsoft.com/office/powerpoint/2012/main" xmlns:ahyp="http://schemas.microsoft.com/office/drawing/2018/hyperlinkcolor" showMasterPhAnim="0" showMasterSp="0">
   <p:cSld>
     <p:spTree>
       <p:nvGrpSpPr>
-        <p:cNvPr id="74" name="Shape 74"/>
+        <p:cNvPr id="92" name="Shape 92"/>
         <p:cNvGrpSpPr/>
         <p:nvPr/>
       </p:nvGrpSpPr>
@@ -1210,7 +1228,7 @@
       </p:grpSpPr>
       <p:sp>
         <p:nvSpPr>
-          <p:cNvPr id="75" name="Google Shape;75;g30592abe833_1_0:notes"/>
+          <p:cNvPr id="93" name="Google Shape;93;g319e2409d53_0_0:notes"/>
           <p:cNvSpPr/>
           <p:nvPr>
             <p:ph idx="2" type="sldImg"/>
@@ -1245,7 +1263,7 @@
       </p:sp>
       <p:sp>
         <p:nvSpPr>
-          <p:cNvPr id="76" name="Google Shape;76;g30592abe833_1_0:notes"/>
+          <p:cNvPr id="94" name="Google Shape;94;g319e2409d53_0_0:notes"/>
           <p:cNvSpPr txBox="1"/>
           <p:nvPr>
             <p:ph idx="1" type="body"/>
@@ -1290,12 +1308,12 @@
 </p:notes>
 </file>
 
-<file path=ppt/notesSlides/notesSlide5.xml><?xml version="1.0" encoding="utf-8"?>
+<file path=ppt/notesSlides/notesSlide3.xml><?xml version="1.0" encoding="utf-8"?>
 <p:notes xmlns:a="http://schemas.openxmlformats.org/drawingml/2006/main" xmlns:r="http://schemas.openxmlformats.org/officeDocument/2006/relationships" xmlns:mc="http://schemas.openxmlformats.org/markup-compatibility/2006" xmlns:mv="urn:schemas-microsoft-com:mac:vml" xmlns:p="http://schemas.openxmlformats.org/presentationml/2006/main" xmlns:c="http://schemas.openxmlformats.org/drawingml/2006/chart" xmlns:dgm="http://schemas.openxmlformats.org/drawingml/2006/diagram" xmlns:o="urn:schemas-microsoft-com:office:office" xmlns:v="urn:schemas-microsoft-com:vml" xmlns:pvml="urn:schemas-microsoft-com:office:powerpoint" xmlns:com="http://schemas.openxmlformats.org/drawingml/2006/compatibility" xmlns:p14="http://schemas.microsoft.com/office/powerpoint/2010/main" xmlns:p15="http://schemas.microsoft.com/office/powerpoint/2012/main" xmlns:ahyp="http://schemas.microsoft.com/office/drawing/2018/hyperlinkcolor" showMasterPhAnim="0" showMasterSp="0">
   <p:cSld>
     <p:spTree>
       <p:nvGrpSpPr>
-        <p:cNvPr id="81" name="Shape 81"/>
+        <p:cNvPr id="98" name="Shape 98"/>
         <p:cNvGrpSpPr/>
         <p:nvPr/>
       </p:nvGrpSpPr>
@@ -1309,7 +1327,7 @@
       </p:grpSpPr>
       <p:sp>
         <p:nvSpPr>
-          <p:cNvPr id="82" name="Google Shape;82;g30592abe833_1_5:notes"/>
+          <p:cNvPr id="99" name="Google Shape;99;g319e2409d53_0_953:notes"/>
           <p:cNvSpPr/>
           <p:nvPr>
             <p:ph idx="2" type="sldImg"/>
@@ -1344,7 +1362,7 @@
       </p:sp>
       <p:sp>
         <p:nvSpPr>
-          <p:cNvPr id="83" name="Google Shape;83;g30592abe833_1_5:notes"/>
+          <p:cNvPr id="100" name="Google Shape;100;g319e2409d53_0_953:notes"/>
           <p:cNvSpPr txBox="1"/>
           <p:nvPr>
             <p:ph idx="1" type="body"/>
@@ -1389,12 +1407,12 @@
 </p:notes>
 </file>
 
-<file path=ppt/notesSlides/notesSlide6.xml><?xml version="1.0" encoding="utf-8"?>
+<file path=ppt/notesSlides/notesSlide4.xml><?xml version="1.0" encoding="utf-8"?>
 <p:notes xmlns:a="http://schemas.openxmlformats.org/drawingml/2006/main" xmlns:r="http://schemas.openxmlformats.org/officeDocument/2006/relationships" xmlns:mc="http://schemas.openxmlformats.org/markup-compatibility/2006" xmlns:mv="urn:schemas-microsoft-com:mac:vml" xmlns:p="http://schemas.openxmlformats.org/presentationml/2006/main" xmlns:c="http://schemas.openxmlformats.org/drawingml/2006/chart" xmlns:dgm="http://schemas.openxmlformats.org/drawingml/2006/diagram" xmlns:o="urn:schemas-microsoft-com:office:office" xmlns:v="urn:schemas-microsoft-com:vml" xmlns:pvml="urn:schemas-microsoft-com:office:powerpoint" xmlns:com="http://schemas.openxmlformats.org/drawingml/2006/compatibility" xmlns:p14="http://schemas.microsoft.com/office/powerpoint/2010/main" xmlns:p15="http://schemas.microsoft.com/office/powerpoint/2012/main" xmlns:ahyp="http://schemas.microsoft.com/office/drawing/2018/hyperlinkcolor" showMasterPhAnim="0" showMasterSp="0">
   <p:cSld>
     <p:spTree>
       <p:nvGrpSpPr>
-        <p:cNvPr id="88" name="Shape 88"/>
+        <p:cNvPr id="104" name="Shape 104"/>
         <p:cNvGrpSpPr/>
         <p:nvPr/>
       </p:nvGrpSpPr>
@@ -1408,7 +1426,7 @@
       </p:grpSpPr>
       <p:sp>
         <p:nvSpPr>
-          <p:cNvPr id="89" name="Google Shape;89;g305925b8eb7_1_1:notes"/>
+          <p:cNvPr id="105" name="Google Shape;105;g305925b8eb7_3_26:notes"/>
           <p:cNvSpPr/>
           <p:nvPr>
             <p:ph idx="2" type="sldImg"/>
@@ -1443,7 +1461,7 @@
       </p:sp>
       <p:sp>
         <p:nvSpPr>
-          <p:cNvPr id="90" name="Google Shape;90;g305925b8eb7_1_1:notes"/>
+          <p:cNvPr id="106" name="Google Shape;106;g305925b8eb7_3_26:notes"/>
           <p:cNvSpPr txBox="1"/>
           <p:nvPr>
             <p:ph idx="1" type="body"/>
@@ -1488,12 +1506,12 @@
 </p:notes>
 </file>
 
-<file path=ppt/notesSlides/notesSlide7.xml><?xml version="1.0" encoding="utf-8"?>
+<file path=ppt/notesSlides/notesSlide5.xml><?xml version="1.0" encoding="utf-8"?>
 <p:notes xmlns:a="http://schemas.openxmlformats.org/drawingml/2006/main" xmlns:r="http://schemas.openxmlformats.org/officeDocument/2006/relationships" xmlns:mc="http://schemas.openxmlformats.org/markup-compatibility/2006" xmlns:mv="urn:schemas-microsoft-com:mac:vml" xmlns:p="http://schemas.openxmlformats.org/presentationml/2006/main" xmlns:c="http://schemas.openxmlformats.org/drawingml/2006/chart" xmlns:dgm="http://schemas.openxmlformats.org/drawingml/2006/diagram" xmlns:o="urn:schemas-microsoft-com:office:office" xmlns:v="urn:schemas-microsoft-com:vml" xmlns:pvml="urn:schemas-microsoft-com:office:powerpoint" xmlns:com="http://schemas.openxmlformats.org/drawingml/2006/compatibility" xmlns:p14="http://schemas.microsoft.com/office/powerpoint/2010/main" xmlns:p15="http://schemas.microsoft.com/office/powerpoint/2012/main" xmlns:ahyp="http://schemas.microsoft.com/office/drawing/2018/hyperlinkcolor" showMasterPhAnim="0" showMasterSp="0">
   <p:cSld>
     <p:spTree>
       <p:nvGrpSpPr>
-        <p:cNvPr id="93" name="Shape 93"/>
+        <p:cNvPr id="111" name="Shape 111"/>
         <p:cNvGrpSpPr/>
         <p:nvPr/>
       </p:nvGrpSpPr>
@@ -1507,7 +1525,7 @@
       </p:grpSpPr>
       <p:sp>
         <p:nvSpPr>
-          <p:cNvPr id="94" name="Google Shape;94;g30592abe833_1_10:notes"/>
+          <p:cNvPr id="112" name="Google Shape;112;g30592abe833_1_15:notes"/>
           <p:cNvSpPr/>
           <p:nvPr>
             <p:ph idx="2" type="sldImg"/>
@@ -1542,7 +1560,7 @@
       </p:sp>
       <p:sp>
         <p:nvSpPr>
-          <p:cNvPr id="95" name="Google Shape;95;g30592abe833_1_10:notes"/>
+          <p:cNvPr id="113" name="Google Shape;113;g30592abe833_1_15:notes"/>
           <p:cNvSpPr txBox="1"/>
           <p:nvPr>
             <p:ph idx="1" type="body"/>
@@ -1587,12 +1605,12 @@
 </p:notes>
 </file>
 
-<file path=ppt/notesSlides/notesSlide8.xml><?xml version="1.0" encoding="utf-8"?>
+<file path=ppt/notesSlides/notesSlide6.xml><?xml version="1.0" encoding="utf-8"?>
 <p:notes xmlns:a="http://schemas.openxmlformats.org/drawingml/2006/main" xmlns:r="http://schemas.openxmlformats.org/officeDocument/2006/relationships" xmlns:mc="http://schemas.openxmlformats.org/markup-compatibility/2006" xmlns:mv="urn:schemas-microsoft-com:mac:vml" xmlns:p="http://schemas.openxmlformats.org/presentationml/2006/main" xmlns:c="http://schemas.openxmlformats.org/drawingml/2006/chart" xmlns:dgm="http://schemas.openxmlformats.org/drawingml/2006/diagram" xmlns:o="urn:schemas-microsoft-com:office:office" xmlns:v="urn:schemas-microsoft-com:vml" xmlns:pvml="urn:schemas-microsoft-com:office:powerpoint" xmlns:com="http://schemas.openxmlformats.org/drawingml/2006/compatibility" xmlns:p14="http://schemas.microsoft.com/office/powerpoint/2010/main" xmlns:p15="http://schemas.microsoft.com/office/powerpoint/2012/main" xmlns:ahyp="http://schemas.microsoft.com/office/drawing/2018/hyperlinkcolor" showMasterPhAnim="0" showMasterSp="0">
   <p:cSld>
     <p:spTree>
       <p:nvGrpSpPr>
-        <p:cNvPr id="99" name="Shape 99"/>
+        <p:cNvPr id="118" name="Shape 118"/>
         <p:cNvGrpSpPr/>
         <p:nvPr/>
       </p:nvGrpSpPr>
@@ -1606,7 +1624,7 @@
       </p:grpSpPr>
       <p:sp>
         <p:nvSpPr>
-          <p:cNvPr id="100" name="Google Shape;100;g305925b8eb7_3_0:notes"/>
+          <p:cNvPr id="119" name="Google Shape;119;g30592abe833_1_0:notes"/>
           <p:cNvSpPr/>
           <p:nvPr>
             <p:ph idx="2" type="sldImg"/>
@@ -1641,7 +1659,7 @@
       </p:sp>
       <p:sp>
         <p:nvSpPr>
-          <p:cNvPr id="101" name="Google Shape;101;g305925b8eb7_3_0:notes"/>
+          <p:cNvPr id="120" name="Google Shape;120;g30592abe833_1_0:notes"/>
           <p:cNvSpPr txBox="1"/>
           <p:nvPr>
             <p:ph idx="1" type="body"/>
@@ -1686,12 +1704,12 @@
 </p:notes>
 </file>
 
-<file path=ppt/notesSlides/notesSlide9.xml><?xml version="1.0" encoding="utf-8"?>
+<file path=ppt/notesSlides/notesSlide7.xml><?xml version="1.0" encoding="utf-8"?>
 <p:notes xmlns:a="http://schemas.openxmlformats.org/drawingml/2006/main" xmlns:r="http://schemas.openxmlformats.org/officeDocument/2006/relationships" xmlns:mc="http://schemas.openxmlformats.org/markup-compatibility/2006" xmlns:mv="urn:schemas-microsoft-com:mac:vml" xmlns:p="http://schemas.openxmlformats.org/presentationml/2006/main" xmlns:c="http://schemas.openxmlformats.org/drawingml/2006/chart" xmlns:dgm="http://schemas.openxmlformats.org/drawingml/2006/diagram" xmlns:o="urn:schemas-microsoft-com:office:office" xmlns:v="urn:schemas-microsoft-com:vml" xmlns:pvml="urn:schemas-microsoft-com:office:powerpoint" xmlns:com="http://schemas.openxmlformats.org/drawingml/2006/compatibility" xmlns:p14="http://schemas.microsoft.com/office/powerpoint/2010/main" xmlns:p15="http://schemas.microsoft.com/office/powerpoint/2012/main" xmlns:ahyp="http://schemas.microsoft.com/office/drawing/2018/hyperlinkcolor" showMasterPhAnim="0" showMasterSp="0">
   <p:cSld>
     <p:spTree>
       <p:nvGrpSpPr>
-        <p:cNvPr id="111" name="Shape 111"/>
+        <p:cNvPr id="125" name="Shape 125"/>
         <p:cNvGrpSpPr/>
         <p:nvPr/>
       </p:nvGrpSpPr>
@@ -1705,7 +1723,7 @@
       </p:grpSpPr>
       <p:sp>
         <p:nvSpPr>
-          <p:cNvPr id="112" name="Google Shape;112;g30592abe833_1_28:notes"/>
+          <p:cNvPr id="126" name="Google Shape;126;g30592abe833_1_5:notes"/>
           <p:cNvSpPr/>
           <p:nvPr>
             <p:ph idx="2" type="sldImg"/>
@@ -1740,7 +1758,7 @@
       </p:sp>
       <p:sp>
         <p:nvSpPr>
-          <p:cNvPr id="113" name="Google Shape;113;g30592abe833_1_28:notes"/>
+          <p:cNvPr id="127" name="Google Shape;127;g30592abe833_1_5:notes"/>
           <p:cNvSpPr txBox="1"/>
           <p:nvPr>
             <p:ph idx="1" type="body"/>
@@ -1785,9 +1803,214 @@
 </p:notes>
 </file>
 
+<file path=ppt/notesSlides/notesSlide8.xml><?xml version="1.0" encoding="utf-8"?>
+<p:notes xmlns:a="http://schemas.openxmlformats.org/drawingml/2006/main" xmlns:r="http://schemas.openxmlformats.org/officeDocument/2006/relationships" xmlns:mc="http://schemas.openxmlformats.org/markup-compatibility/2006" xmlns:mv="urn:schemas-microsoft-com:mac:vml" xmlns:p="http://schemas.openxmlformats.org/presentationml/2006/main" xmlns:c="http://schemas.openxmlformats.org/drawingml/2006/chart" xmlns:dgm="http://schemas.openxmlformats.org/drawingml/2006/diagram" xmlns:o="urn:schemas-microsoft-com:office:office" xmlns:v="urn:schemas-microsoft-com:vml" xmlns:pvml="urn:schemas-microsoft-com:office:powerpoint" xmlns:com="http://schemas.openxmlformats.org/drawingml/2006/compatibility" xmlns:p14="http://schemas.microsoft.com/office/powerpoint/2010/main" xmlns:p15="http://schemas.microsoft.com/office/powerpoint/2012/main" xmlns:ahyp="http://schemas.microsoft.com/office/drawing/2018/hyperlinkcolor" showMasterPhAnim="0" showMasterSp="0">
+  <p:cSld>
+    <p:spTree>
+      <p:nvGrpSpPr>
+        <p:cNvPr id="132" name="Shape 132"/>
+        <p:cNvGrpSpPr/>
+        <p:nvPr/>
+      </p:nvGrpSpPr>
+      <p:grpSpPr>
+        <a:xfrm>
+          <a:off x="0" y="0"/>
+          <a:ext cx="0" cy="0"/>
+          <a:chOff x="0" y="0"/>
+          <a:chExt cx="0" cy="0"/>
+        </a:xfrm>
+      </p:grpSpPr>
+      <p:sp>
+        <p:nvSpPr>
+          <p:cNvPr id="133" name="Google Shape;133;g305925b8eb7_1_1:notes"/>
+          <p:cNvSpPr/>
+          <p:nvPr>
+            <p:ph idx="2" type="sldImg"/>
+          </p:nvPr>
+        </p:nvSpPr>
+        <p:spPr>
+          <a:xfrm>
+            <a:off x="381300" y="685800"/>
+            <a:ext cx="6096000" cy="3429000"/>
+          </a:xfrm>
+          <a:custGeom>
+            <a:rect b="b" l="l" r="r" t="t"/>
+            <a:pathLst>
+              <a:path extrusionOk="0" h="120000" w="120000">
+                <a:moveTo>
+                  <a:pt x="0" y="0"/>
+                </a:moveTo>
+                <a:lnTo>
+                  <a:pt x="120000" y="0"/>
+                </a:lnTo>
+                <a:lnTo>
+                  <a:pt x="120000" y="120000"/>
+                </a:lnTo>
+                <a:lnTo>
+                  <a:pt x="0" y="120000"/>
+                </a:lnTo>
+                <a:close/>
+              </a:path>
+            </a:pathLst>
+          </a:custGeom>
+        </p:spPr>
+      </p:sp>
+      <p:sp>
+        <p:nvSpPr>
+          <p:cNvPr id="134" name="Google Shape;134;g305925b8eb7_1_1:notes"/>
+          <p:cNvSpPr txBox="1"/>
+          <p:nvPr>
+            <p:ph idx="1" type="body"/>
+          </p:nvPr>
+        </p:nvSpPr>
+        <p:spPr>
+          <a:xfrm>
+            <a:off x="685800" y="4343400"/>
+            <a:ext cx="5486400" cy="4114800"/>
+          </a:xfrm>
+          <a:prstGeom prst="rect">
+            <a:avLst/>
+          </a:prstGeom>
+        </p:spPr>
+        <p:txBody>
+          <a:bodyPr anchorCtr="0" anchor="t" bIns="91425" lIns="91425" spcFirstLastPara="1" rIns="91425" wrap="square" tIns="91425">
+            <a:noAutofit/>
+          </a:bodyPr>
+          <a:lstStyle/>
+          <a:p>
+            <a:pPr indent="0" lvl="0" marL="0" rtl="0" algn="l">
+              <a:spcBef>
+                <a:spcPts val="0"/>
+              </a:spcBef>
+              <a:spcAft>
+                <a:spcPts val="0"/>
+              </a:spcAft>
+              <a:buNone/>
+            </a:pPr>
+            <a:r>
+              <a:t/>
+            </a:r>
+            <a:endParaRPr/>
+          </a:p>
+        </p:txBody>
+      </p:sp>
+    </p:spTree>
+  </p:cSld>
+  <p:clrMapOvr>
+    <a:masterClrMapping/>
+  </p:clrMapOvr>
+</p:notes>
+</file>
+
+<file path=ppt/notesSlides/notesSlide9.xml><?xml version="1.0" encoding="utf-8"?>
+<p:notes xmlns:a="http://schemas.openxmlformats.org/drawingml/2006/main" xmlns:r="http://schemas.openxmlformats.org/officeDocument/2006/relationships" xmlns:mc="http://schemas.openxmlformats.org/markup-compatibility/2006" xmlns:mv="urn:schemas-microsoft-com:mac:vml" xmlns:p="http://schemas.openxmlformats.org/presentationml/2006/main" xmlns:c="http://schemas.openxmlformats.org/drawingml/2006/chart" xmlns:dgm="http://schemas.openxmlformats.org/drawingml/2006/diagram" xmlns:o="urn:schemas-microsoft-com:office:office" xmlns:v="urn:schemas-microsoft-com:vml" xmlns:pvml="urn:schemas-microsoft-com:office:powerpoint" xmlns:com="http://schemas.openxmlformats.org/drawingml/2006/compatibility" xmlns:p14="http://schemas.microsoft.com/office/powerpoint/2010/main" xmlns:p15="http://schemas.microsoft.com/office/powerpoint/2012/main" xmlns:ahyp="http://schemas.microsoft.com/office/drawing/2018/hyperlinkcolor" showMasterPhAnim="0" showMasterSp="0">
+  <p:cSld>
+    <p:spTree>
+      <p:nvGrpSpPr>
+        <p:cNvPr id="137" name="Shape 137"/>
+        <p:cNvGrpSpPr/>
+        <p:nvPr/>
+      </p:nvGrpSpPr>
+      <p:grpSpPr>
+        <a:xfrm>
+          <a:off x="0" y="0"/>
+          <a:ext cx="0" cy="0"/>
+          <a:chOff x="0" y="0"/>
+          <a:chExt cx="0" cy="0"/>
+        </a:xfrm>
+      </p:grpSpPr>
+      <p:sp>
+        <p:nvSpPr>
+          <p:cNvPr id="138" name="Google Shape;138;g30592abe833_1_10:notes"/>
+          <p:cNvSpPr/>
+          <p:nvPr>
+            <p:ph idx="2" type="sldImg"/>
+          </p:nvPr>
+        </p:nvSpPr>
+        <p:spPr>
+          <a:xfrm>
+            <a:off x="381300" y="685800"/>
+            <a:ext cx="6096000" cy="3429000"/>
+          </a:xfrm>
+          <a:custGeom>
+            <a:rect b="b" l="l" r="r" t="t"/>
+            <a:pathLst>
+              <a:path extrusionOk="0" h="120000" w="120000">
+                <a:moveTo>
+                  <a:pt x="0" y="0"/>
+                </a:moveTo>
+                <a:lnTo>
+                  <a:pt x="120000" y="0"/>
+                </a:lnTo>
+                <a:lnTo>
+                  <a:pt x="120000" y="120000"/>
+                </a:lnTo>
+                <a:lnTo>
+                  <a:pt x="0" y="120000"/>
+                </a:lnTo>
+                <a:close/>
+              </a:path>
+            </a:pathLst>
+          </a:custGeom>
+        </p:spPr>
+      </p:sp>
+      <p:sp>
+        <p:nvSpPr>
+          <p:cNvPr id="139" name="Google Shape;139;g30592abe833_1_10:notes"/>
+          <p:cNvSpPr txBox="1"/>
+          <p:nvPr>
+            <p:ph idx="1" type="body"/>
+          </p:nvPr>
+        </p:nvSpPr>
+        <p:spPr>
+          <a:xfrm>
+            <a:off x="685800" y="4343400"/>
+            <a:ext cx="5486400" cy="4114800"/>
+          </a:xfrm>
+          <a:prstGeom prst="rect">
+            <a:avLst/>
+          </a:prstGeom>
+        </p:spPr>
+        <p:txBody>
+          <a:bodyPr anchorCtr="0" anchor="t" bIns="91425" lIns="91425" spcFirstLastPara="1" rIns="91425" wrap="square" tIns="91425">
+            <a:noAutofit/>
+          </a:bodyPr>
+          <a:lstStyle/>
+          <a:p>
+            <a:pPr indent="0" lvl="0" marL="0" rtl="0" algn="l">
+              <a:spcBef>
+                <a:spcPts val="0"/>
+              </a:spcBef>
+              <a:spcAft>
+                <a:spcPts val="0"/>
+              </a:spcAft>
+              <a:buNone/>
+            </a:pPr>
+            <a:r>
+              <a:t/>
+            </a:r>
+            <a:endParaRPr/>
+          </a:p>
+        </p:txBody>
+      </p:sp>
+    </p:spTree>
+  </p:cSld>
+  <p:clrMapOvr>
+    <a:masterClrMapping/>
+  </p:clrMapOvr>
+</p:notes>
+</file>
+
 <file path=ppt/slideLayouts/slideLayout1.xml><?xml version="1.0" encoding="utf-8"?>
 <p:sldLayout xmlns:a="http://schemas.openxmlformats.org/drawingml/2006/main" xmlns:r="http://schemas.openxmlformats.org/officeDocument/2006/relationships" xmlns:mc="http://schemas.openxmlformats.org/markup-compatibility/2006" xmlns:mv="urn:schemas-microsoft-com:mac:vml" xmlns:p="http://schemas.openxmlformats.org/presentationml/2006/main" xmlns:c="http://schemas.openxmlformats.org/drawingml/2006/chart" xmlns:dgm="http://schemas.openxmlformats.org/drawingml/2006/diagram" xmlns:o="urn:schemas-microsoft-com:office:office" xmlns:v="urn:schemas-microsoft-com:vml" xmlns:pvml="urn:schemas-microsoft-com:office:powerpoint" xmlns:com="http://schemas.openxmlformats.org/drawingml/2006/compatibility" xmlns:p14="http://schemas.microsoft.com/office/powerpoint/2010/main" xmlns:p15="http://schemas.microsoft.com/office/powerpoint/2012/main" xmlns:ahyp="http://schemas.microsoft.com/office/drawing/2018/hyperlinkcolor" matchingName="Title slide" type="title">
   <p:cSld name="TITLE">
+    <p:bg>
+      <p:bgPr>
+        <a:solidFill>
+          <a:schemeClr val="lt2"/>
+        </a:solidFill>
+      </p:bgPr>
+    </p:bg>
     <p:spTree>
       <p:nvGrpSpPr>
         <p:cNvPr id="9" name="Shape 9"/>
@@ -1805,6 +2028,150 @@
       <p:sp>
         <p:nvSpPr>
           <p:cNvPr id="10" name="Google Shape;10;p2"/>
+          <p:cNvSpPr/>
+          <p:nvPr/>
+        </p:nvSpPr>
+        <p:spPr>
+          <a:xfrm>
+            <a:off x="0" y="0"/>
+            <a:ext cx="9144000" cy="487800"/>
+          </a:xfrm>
+          <a:prstGeom prst="rect">
+            <a:avLst/>
+          </a:prstGeom>
+          <a:solidFill>
+            <a:schemeClr val="lt1"/>
+          </a:solidFill>
+          <a:ln>
+            <a:noFill/>
+          </a:ln>
+        </p:spPr>
+        <p:txBody>
+          <a:bodyPr anchorCtr="0" anchor="ctr" bIns="91425" lIns="91425" spcFirstLastPara="1" rIns="91425" wrap="square" tIns="91425">
+            <a:noAutofit/>
+          </a:bodyPr>
+          <a:lstStyle/>
+          <a:p>
+            <a:pPr indent="0" lvl="0" marL="0" rtl="0" algn="l">
+              <a:spcBef>
+                <a:spcPts val="0"/>
+              </a:spcBef>
+              <a:spcAft>
+                <a:spcPts val="0"/>
+              </a:spcAft>
+              <a:buNone/>
+            </a:pPr>
+            <a:r>
+              <a:t/>
+            </a:r>
+            <a:endParaRPr/>
+          </a:p>
+        </p:txBody>
+      </p:sp>
+      <p:grpSp>
+        <p:nvGrpSpPr>
+          <p:cNvPr id="11" name="Google Shape;11;p2"/>
+          <p:cNvGrpSpPr/>
+          <p:nvPr/>
+        </p:nvGrpSpPr>
+        <p:grpSpPr>
+          <a:xfrm>
+            <a:off x="830392" y="1191256"/>
+            <a:ext cx="745763" cy="45826"/>
+            <a:chOff x="4580561" y="2589004"/>
+            <a:chExt cx="1064464" cy="25200"/>
+          </a:xfrm>
+        </p:grpSpPr>
+        <p:sp>
+          <p:nvSpPr>
+            <p:cNvPr id="12" name="Google Shape;12;p2"/>
+            <p:cNvSpPr/>
+            <p:nvPr/>
+          </p:nvSpPr>
+          <p:spPr>
+            <a:xfrm rot="-5400000">
+              <a:off x="5366325" y="2335504"/>
+              <a:ext cx="25200" cy="532200"/>
+            </a:xfrm>
+            <a:prstGeom prst="rect">
+              <a:avLst/>
+            </a:prstGeom>
+            <a:solidFill>
+              <a:schemeClr val="accent3"/>
+            </a:solidFill>
+            <a:ln>
+              <a:noFill/>
+            </a:ln>
+          </p:spPr>
+          <p:txBody>
+            <a:bodyPr anchorCtr="0" anchor="ctr" bIns="91425" lIns="91425" spcFirstLastPara="1" rIns="91425" wrap="square" tIns="91425">
+              <a:noAutofit/>
+            </a:bodyPr>
+            <a:lstStyle/>
+            <a:p>
+              <a:pPr indent="0" lvl="0" marL="0" rtl="0" algn="l">
+                <a:spcBef>
+                  <a:spcPts val="0"/>
+                </a:spcBef>
+                <a:spcAft>
+                  <a:spcPts val="0"/>
+                </a:spcAft>
+                <a:buNone/>
+              </a:pPr>
+              <a:r>
+                <a:t/>
+              </a:r>
+              <a:endParaRPr/>
+            </a:p>
+          </p:txBody>
+        </p:sp>
+        <p:sp>
+          <p:nvSpPr>
+            <p:cNvPr id="13" name="Google Shape;13;p2"/>
+            <p:cNvSpPr/>
+            <p:nvPr/>
+          </p:nvSpPr>
+          <p:spPr>
+            <a:xfrm rot="-5400000">
+              <a:off x="4836311" y="2333254"/>
+              <a:ext cx="25200" cy="536700"/>
+            </a:xfrm>
+            <a:prstGeom prst="rect">
+              <a:avLst/>
+            </a:prstGeom>
+            <a:solidFill>
+              <a:schemeClr val="dk1"/>
+            </a:solidFill>
+            <a:ln>
+              <a:noFill/>
+            </a:ln>
+          </p:spPr>
+          <p:txBody>
+            <a:bodyPr anchorCtr="0" anchor="ctr" bIns="91425" lIns="91425" spcFirstLastPara="1" rIns="91425" wrap="square" tIns="91425">
+              <a:noAutofit/>
+            </a:bodyPr>
+            <a:lstStyle/>
+            <a:p>
+              <a:pPr indent="0" lvl="0" marL="0" rtl="0" algn="l">
+                <a:spcBef>
+                  <a:spcPts val="0"/>
+                </a:spcBef>
+                <a:spcAft>
+                  <a:spcPts val="0"/>
+                </a:spcAft>
+                <a:buNone/>
+              </a:pPr>
+              <a:r>
+                <a:t/>
+              </a:r>
+              <a:endParaRPr/>
+            </a:p>
+          </p:txBody>
+        </p:sp>
+      </p:grpSp>
+      <p:sp>
+        <p:nvSpPr>
+          <p:cNvPr id="14" name="Google Shape;14;p2"/>
           <p:cNvSpPr txBox="1"/>
           <p:nvPr>
             <p:ph type="ctrTitle"/>
@@ -1812,133 +2179,8 @@
         </p:nvSpPr>
         <p:spPr>
           <a:xfrm>
-            <a:off x="311708" y="744575"/>
-            <a:ext cx="8520600" cy="2052600"/>
-          </a:xfrm>
-          <a:prstGeom prst="rect">
-            <a:avLst/>
-          </a:prstGeom>
-        </p:spPr>
-        <p:txBody>
-          <a:bodyPr anchorCtr="0" anchor="b" bIns="91425" lIns="91425" spcFirstLastPara="1" rIns="91425" wrap="square" tIns="91425">
-            <a:normAutofit/>
-          </a:bodyPr>
-          <a:lstStyle>
-            <a:lvl1pPr lvl="0" algn="ctr">
-              <a:spcBef>
-                <a:spcPts val="0"/>
-              </a:spcBef>
-              <a:spcAft>
-                <a:spcPts val="0"/>
-              </a:spcAft>
-              <a:buSzPts val="5200"/>
-              <a:buNone/>
-              <a:defRPr sz="5200"/>
-            </a:lvl1pPr>
-            <a:lvl2pPr lvl="1" algn="ctr">
-              <a:spcBef>
-                <a:spcPts val="0"/>
-              </a:spcBef>
-              <a:spcAft>
-                <a:spcPts val="0"/>
-              </a:spcAft>
-              <a:buSzPts val="5200"/>
-              <a:buNone/>
-              <a:defRPr sz="5200"/>
-            </a:lvl2pPr>
-            <a:lvl3pPr lvl="2" algn="ctr">
-              <a:spcBef>
-                <a:spcPts val="0"/>
-              </a:spcBef>
-              <a:spcAft>
-                <a:spcPts val="0"/>
-              </a:spcAft>
-              <a:buSzPts val="5200"/>
-              <a:buNone/>
-              <a:defRPr sz="5200"/>
-            </a:lvl3pPr>
-            <a:lvl4pPr lvl="3" algn="ctr">
-              <a:spcBef>
-                <a:spcPts val="0"/>
-              </a:spcBef>
-              <a:spcAft>
-                <a:spcPts val="0"/>
-              </a:spcAft>
-              <a:buSzPts val="5200"/>
-              <a:buNone/>
-              <a:defRPr sz="5200"/>
-            </a:lvl4pPr>
-            <a:lvl5pPr lvl="4" algn="ctr">
-              <a:spcBef>
-                <a:spcPts val="0"/>
-              </a:spcBef>
-              <a:spcAft>
-                <a:spcPts val="0"/>
-              </a:spcAft>
-              <a:buSzPts val="5200"/>
-              <a:buNone/>
-              <a:defRPr sz="5200"/>
-            </a:lvl5pPr>
-            <a:lvl6pPr lvl="5" algn="ctr">
-              <a:spcBef>
-                <a:spcPts val="0"/>
-              </a:spcBef>
-              <a:spcAft>
-                <a:spcPts val="0"/>
-              </a:spcAft>
-              <a:buSzPts val="5200"/>
-              <a:buNone/>
-              <a:defRPr sz="5200"/>
-            </a:lvl6pPr>
-            <a:lvl7pPr lvl="6" algn="ctr">
-              <a:spcBef>
-                <a:spcPts val="0"/>
-              </a:spcBef>
-              <a:spcAft>
-                <a:spcPts val="0"/>
-              </a:spcAft>
-              <a:buSzPts val="5200"/>
-              <a:buNone/>
-              <a:defRPr sz="5200"/>
-            </a:lvl7pPr>
-            <a:lvl8pPr lvl="7" algn="ctr">
-              <a:spcBef>
-                <a:spcPts val="0"/>
-              </a:spcBef>
-              <a:spcAft>
-                <a:spcPts val="0"/>
-              </a:spcAft>
-              <a:buSzPts val="5200"/>
-              <a:buNone/>
-              <a:defRPr sz="5200"/>
-            </a:lvl8pPr>
-            <a:lvl9pPr lvl="8" algn="ctr">
-              <a:spcBef>
-                <a:spcPts val="0"/>
-              </a:spcBef>
-              <a:spcAft>
-                <a:spcPts val="0"/>
-              </a:spcAft>
-              <a:buSzPts val="5200"/>
-              <a:buNone/>
-              <a:defRPr sz="5200"/>
-            </a:lvl9pPr>
-          </a:lstStyle>
-          <a:p/>
-        </p:txBody>
-      </p:sp>
-      <p:sp>
-        <p:nvSpPr>
-          <p:cNvPr id="11" name="Google Shape;11;p2"/>
-          <p:cNvSpPr txBox="1"/>
-          <p:nvPr>
-            <p:ph idx="1" type="subTitle"/>
-          </p:nvPr>
-        </p:nvSpPr>
-        <p:spPr>
-          <a:xfrm>
-            <a:off x="311700" y="2834125"/>
-            <a:ext cx="8520600" cy="792600"/>
+            <a:off x="729450" y="1322450"/>
+            <a:ext cx="7688100" cy="1664700"/>
           </a:xfrm>
           <a:prstGeom prst="rect">
             <a:avLst/>
@@ -1949,131 +2191,104 @@
             <a:normAutofit/>
           </a:bodyPr>
           <a:lstStyle>
-            <a:lvl1pPr lvl="0" algn="ctr">
-              <a:lnSpc>
-                <a:spcPct val="100000"/>
-              </a:lnSpc>
-              <a:spcBef>
-                <a:spcPts val="0"/>
-              </a:spcBef>
-              <a:spcAft>
-                <a:spcPts val="0"/>
-              </a:spcAft>
-              <a:buSzPts val="2800"/>
-              <a:buNone/>
-              <a:defRPr sz="2800"/>
+            <a:lvl1pPr lvl="0">
+              <a:spcBef>
+                <a:spcPts val="0"/>
+              </a:spcBef>
+              <a:spcAft>
+                <a:spcPts val="0"/>
+              </a:spcAft>
+              <a:buSzPts val="4200"/>
+              <a:buNone/>
+              <a:defRPr sz="4200"/>
             </a:lvl1pPr>
-            <a:lvl2pPr lvl="1" algn="ctr">
-              <a:lnSpc>
-                <a:spcPct val="100000"/>
-              </a:lnSpc>
-              <a:spcBef>
-                <a:spcPts val="0"/>
-              </a:spcBef>
-              <a:spcAft>
-                <a:spcPts val="0"/>
-              </a:spcAft>
-              <a:buSzPts val="2800"/>
-              <a:buNone/>
-              <a:defRPr sz="2800"/>
+            <a:lvl2pPr lvl="1">
+              <a:spcBef>
+                <a:spcPts val="0"/>
+              </a:spcBef>
+              <a:spcAft>
+                <a:spcPts val="0"/>
+              </a:spcAft>
+              <a:buSzPts val="4200"/>
+              <a:buNone/>
+              <a:defRPr sz="4200"/>
             </a:lvl2pPr>
-            <a:lvl3pPr lvl="2" algn="ctr">
-              <a:lnSpc>
-                <a:spcPct val="100000"/>
-              </a:lnSpc>
-              <a:spcBef>
-                <a:spcPts val="0"/>
-              </a:spcBef>
-              <a:spcAft>
-                <a:spcPts val="0"/>
-              </a:spcAft>
-              <a:buSzPts val="2800"/>
-              <a:buNone/>
-              <a:defRPr sz="2800"/>
+            <a:lvl3pPr lvl="2">
+              <a:spcBef>
+                <a:spcPts val="0"/>
+              </a:spcBef>
+              <a:spcAft>
+                <a:spcPts val="0"/>
+              </a:spcAft>
+              <a:buSzPts val="4200"/>
+              <a:buNone/>
+              <a:defRPr sz="4200"/>
             </a:lvl3pPr>
-            <a:lvl4pPr lvl="3" algn="ctr">
-              <a:lnSpc>
-                <a:spcPct val="100000"/>
-              </a:lnSpc>
-              <a:spcBef>
-                <a:spcPts val="0"/>
-              </a:spcBef>
-              <a:spcAft>
-                <a:spcPts val="0"/>
-              </a:spcAft>
-              <a:buSzPts val="2800"/>
-              <a:buNone/>
-              <a:defRPr sz="2800"/>
+            <a:lvl4pPr lvl="3">
+              <a:spcBef>
+                <a:spcPts val="0"/>
+              </a:spcBef>
+              <a:spcAft>
+                <a:spcPts val="0"/>
+              </a:spcAft>
+              <a:buSzPts val="4200"/>
+              <a:buNone/>
+              <a:defRPr sz="4200"/>
             </a:lvl4pPr>
-            <a:lvl5pPr lvl="4" algn="ctr">
-              <a:lnSpc>
-                <a:spcPct val="100000"/>
-              </a:lnSpc>
-              <a:spcBef>
-                <a:spcPts val="0"/>
-              </a:spcBef>
-              <a:spcAft>
-                <a:spcPts val="0"/>
-              </a:spcAft>
-              <a:buSzPts val="2800"/>
-              <a:buNone/>
-              <a:defRPr sz="2800"/>
+            <a:lvl5pPr lvl="4">
+              <a:spcBef>
+                <a:spcPts val="0"/>
+              </a:spcBef>
+              <a:spcAft>
+                <a:spcPts val="0"/>
+              </a:spcAft>
+              <a:buSzPts val="4200"/>
+              <a:buNone/>
+              <a:defRPr sz="4200"/>
             </a:lvl5pPr>
-            <a:lvl6pPr lvl="5" algn="ctr">
-              <a:lnSpc>
-                <a:spcPct val="100000"/>
-              </a:lnSpc>
-              <a:spcBef>
-                <a:spcPts val="0"/>
-              </a:spcBef>
-              <a:spcAft>
-                <a:spcPts val="0"/>
-              </a:spcAft>
-              <a:buSzPts val="2800"/>
-              <a:buNone/>
-              <a:defRPr sz="2800"/>
+            <a:lvl6pPr lvl="5">
+              <a:spcBef>
+                <a:spcPts val="0"/>
+              </a:spcBef>
+              <a:spcAft>
+                <a:spcPts val="0"/>
+              </a:spcAft>
+              <a:buSzPts val="4200"/>
+              <a:buNone/>
+              <a:defRPr sz="4200"/>
             </a:lvl6pPr>
-            <a:lvl7pPr lvl="6" algn="ctr">
-              <a:lnSpc>
-                <a:spcPct val="100000"/>
-              </a:lnSpc>
-              <a:spcBef>
-                <a:spcPts val="0"/>
-              </a:spcBef>
-              <a:spcAft>
-                <a:spcPts val="0"/>
-              </a:spcAft>
-              <a:buSzPts val="2800"/>
-              <a:buNone/>
-              <a:defRPr sz="2800"/>
+            <a:lvl7pPr lvl="6">
+              <a:spcBef>
+                <a:spcPts val="0"/>
+              </a:spcBef>
+              <a:spcAft>
+                <a:spcPts val="0"/>
+              </a:spcAft>
+              <a:buSzPts val="4200"/>
+              <a:buNone/>
+              <a:defRPr sz="4200"/>
             </a:lvl7pPr>
-            <a:lvl8pPr lvl="7" algn="ctr">
-              <a:lnSpc>
-                <a:spcPct val="100000"/>
-              </a:lnSpc>
-              <a:spcBef>
-                <a:spcPts val="0"/>
-              </a:spcBef>
-              <a:spcAft>
-                <a:spcPts val="0"/>
-              </a:spcAft>
-              <a:buSzPts val="2800"/>
-              <a:buNone/>
-              <a:defRPr sz="2800"/>
+            <a:lvl8pPr lvl="7">
+              <a:spcBef>
+                <a:spcPts val="0"/>
+              </a:spcBef>
+              <a:spcAft>
+                <a:spcPts val="0"/>
+              </a:spcAft>
+              <a:buSzPts val="4200"/>
+              <a:buNone/>
+              <a:defRPr sz="4200"/>
             </a:lvl8pPr>
-            <a:lvl9pPr lvl="8" algn="ctr">
-              <a:lnSpc>
-                <a:spcPct val="100000"/>
-              </a:lnSpc>
-              <a:spcBef>
-                <a:spcPts val="0"/>
-              </a:spcBef>
-              <a:spcAft>
-                <a:spcPts val="0"/>
-              </a:spcAft>
-              <a:buSzPts val="2800"/>
-              <a:buNone/>
-              <a:defRPr sz="2800"/>
+            <a:lvl9pPr lvl="8">
+              <a:spcBef>
+                <a:spcPts val="0"/>
+              </a:spcBef>
+              <a:spcAft>
+                <a:spcPts val="0"/>
+              </a:spcAft>
+              <a:buSzPts val="4200"/>
+              <a:buNone/>
+              <a:defRPr sz="4200"/>
             </a:lvl9pPr>
           </a:lstStyle>
           <a:p/>
@@ -2081,7 +2296,159 @@
       </p:sp>
       <p:sp>
         <p:nvSpPr>
-          <p:cNvPr id="12" name="Google Shape;12;p2"/>
+          <p:cNvPr id="15" name="Google Shape;15;p2"/>
+          <p:cNvSpPr txBox="1"/>
+          <p:nvPr>
+            <p:ph idx="1" type="subTitle"/>
+          </p:nvPr>
+        </p:nvSpPr>
+        <p:spPr>
+          <a:xfrm>
+            <a:off x="729627" y="3172900"/>
+            <a:ext cx="7688100" cy="541200"/>
+          </a:xfrm>
+          <a:prstGeom prst="rect">
+            <a:avLst/>
+          </a:prstGeom>
+        </p:spPr>
+        <p:txBody>
+          <a:bodyPr anchorCtr="0" anchor="t" bIns="91425" lIns="91425" spcFirstLastPara="1" rIns="91425" wrap="square" tIns="91425">
+            <a:normAutofit/>
+          </a:bodyPr>
+          <a:lstStyle>
+            <a:lvl1pPr lvl="0">
+              <a:lnSpc>
+                <a:spcPct val="100000"/>
+              </a:lnSpc>
+              <a:spcBef>
+                <a:spcPts val="0"/>
+              </a:spcBef>
+              <a:spcAft>
+                <a:spcPts val="0"/>
+              </a:spcAft>
+              <a:buSzPts val="1600"/>
+              <a:buNone/>
+              <a:defRPr sz="1600"/>
+            </a:lvl1pPr>
+            <a:lvl2pPr lvl="1">
+              <a:lnSpc>
+                <a:spcPct val="100000"/>
+              </a:lnSpc>
+              <a:spcBef>
+                <a:spcPts val="0"/>
+              </a:spcBef>
+              <a:spcAft>
+                <a:spcPts val="0"/>
+              </a:spcAft>
+              <a:buSzPts val="1600"/>
+              <a:buNone/>
+              <a:defRPr sz="1600"/>
+            </a:lvl2pPr>
+            <a:lvl3pPr lvl="2">
+              <a:lnSpc>
+                <a:spcPct val="100000"/>
+              </a:lnSpc>
+              <a:spcBef>
+                <a:spcPts val="0"/>
+              </a:spcBef>
+              <a:spcAft>
+                <a:spcPts val="0"/>
+              </a:spcAft>
+              <a:buSzPts val="1600"/>
+              <a:buNone/>
+              <a:defRPr sz="1600"/>
+            </a:lvl3pPr>
+            <a:lvl4pPr lvl="3">
+              <a:lnSpc>
+                <a:spcPct val="100000"/>
+              </a:lnSpc>
+              <a:spcBef>
+                <a:spcPts val="0"/>
+              </a:spcBef>
+              <a:spcAft>
+                <a:spcPts val="0"/>
+              </a:spcAft>
+              <a:buSzPts val="1600"/>
+              <a:buNone/>
+              <a:defRPr sz="1600"/>
+            </a:lvl4pPr>
+            <a:lvl5pPr lvl="4">
+              <a:lnSpc>
+                <a:spcPct val="100000"/>
+              </a:lnSpc>
+              <a:spcBef>
+                <a:spcPts val="0"/>
+              </a:spcBef>
+              <a:spcAft>
+                <a:spcPts val="0"/>
+              </a:spcAft>
+              <a:buSzPts val="1600"/>
+              <a:buNone/>
+              <a:defRPr sz="1600"/>
+            </a:lvl5pPr>
+            <a:lvl6pPr lvl="5">
+              <a:lnSpc>
+                <a:spcPct val="100000"/>
+              </a:lnSpc>
+              <a:spcBef>
+                <a:spcPts val="0"/>
+              </a:spcBef>
+              <a:spcAft>
+                <a:spcPts val="0"/>
+              </a:spcAft>
+              <a:buSzPts val="1600"/>
+              <a:buNone/>
+              <a:defRPr sz="1600"/>
+            </a:lvl6pPr>
+            <a:lvl7pPr lvl="6">
+              <a:lnSpc>
+                <a:spcPct val="100000"/>
+              </a:lnSpc>
+              <a:spcBef>
+                <a:spcPts val="0"/>
+              </a:spcBef>
+              <a:spcAft>
+                <a:spcPts val="0"/>
+              </a:spcAft>
+              <a:buSzPts val="1600"/>
+              <a:buNone/>
+              <a:defRPr sz="1600"/>
+            </a:lvl7pPr>
+            <a:lvl8pPr lvl="7">
+              <a:lnSpc>
+                <a:spcPct val="100000"/>
+              </a:lnSpc>
+              <a:spcBef>
+                <a:spcPts val="0"/>
+              </a:spcBef>
+              <a:spcAft>
+                <a:spcPts val="0"/>
+              </a:spcAft>
+              <a:buSzPts val="1600"/>
+              <a:buNone/>
+              <a:defRPr sz="1600"/>
+            </a:lvl8pPr>
+            <a:lvl9pPr lvl="8">
+              <a:lnSpc>
+                <a:spcPct val="100000"/>
+              </a:lnSpc>
+              <a:spcBef>
+                <a:spcPts val="0"/>
+              </a:spcBef>
+              <a:spcAft>
+                <a:spcPts val="0"/>
+              </a:spcAft>
+              <a:buSzPts val="1600"/>
+              <a:buNone/>
+              <a:defRPr sz="1600"/>
+            </a:lvl9pPr>
+          </a:lstStyle>
+          <a:p/>
+        </p:txBody>
+      </p:sp>
+      <p:sp>
+        <p:nvSpPr>
+          <p:cNvPr id="16" name="Google Shape;16;p2"/>
           <p:cNvSpPr txBox="1"/>
           <p:nvPr>
             <p:ph idx="12" type="sldNum"/>
@@ -2089,7 +2456,7 @@
         </p:nvSpPr>
         <p:spPr>
           <a:xfrm>
-            <a:off x="8472458" y="4663217"/>
+            <a:off x="8536302" y="4749851"/>
             <a:ext cx="548700" cy="393600"/>
           </a:xfrm>
           <a:prstGeom prst="rect">
@@ -2167,9 +2534,16 @@
 <file path=ppt/slideLayouts/slideLayout10.xml><?xml version="1.0" encoding="utf-8"?>
 <p:sldLayout xmlns:a="http://schemas.openxmlformats.org/drawingml/2006/main" xmlns:r="http://schemas.openxmlformats.org/officeDocument/2006/relationships" xmlns:mc="http://schemas.openxmlformats.org/markup-compatibility/2006" xmlns:mv="urn:schemas-microsoft-com:mac:vml" xmlns:p="http://schemas.openxmlformats.org/presentationml/2006/main" xmlns:c="http://schemas.openxmlformats.org/drawingml/2006/chart" xmlns:dgm="http://schemas.openxmlformats.org/drawingml/2006/diagram" xmlns:o="urn:schemas-microsoft-com:office:office" xmlns:v="urn:schemas-microsoft-com:vml" xmlns:pvml="urn:schemas-microsoft-com:office:powerpoint" xmlns:com="http://schemas.openxmlformats.org/drawingml/2006/compatibility" xmlns:p14="http://schemas.microsoft.com/office/powerpoint/2010/main" xmlns:p15="http://schemas.microsoft.com/office/powerpoint/2012/main" xmlns:ahyp="http://schemas.microsoft.com/office/drawing/2018/hyperlinkcolor" matchingName="Big number">
   <p:cSld name="BIG_NUMBER">
+    <p:bg>
+      <p:bgPr>
+        <a:solidFill>
+          <a:schemeClr val="dk1"/>
+        </a:solidFill>
+      </p:bgPr>
+    </p:bg>
     <p:spTree>
       <p:nvGrpSpPr>
-        <p:cNvPr id="44" name="Shape 44"/>
+        <p:cNvPr id="73" name="Shape 73"/>
         <p:cNvGrpSpPr/>
         <p:nvPr/>
       </p:nvGrpSpPr>
@@ -2181,9 +2555,110 @@
           <a:chExt cx="0" cy="0"/>
         </a:xfrm>
       </p:grpSpPr>
+      <p:grpSp>
+        <p:nvGrpSpPr>
+          <p:cNvPr id="74" name="Google Shape;74;p11"/>
+          <p:cNvGrpSpPr/>
+          <p:nvPr/>
+        </p:nvGrpSpPr>
+        <p:grpSpPr>
+          <a:xfrm>
+            <a:off x="830392" y="4169130"/>
+            <a:ext cx="745763" cy="45826"/>
+            <a:chOff x="4580561" y="2589004"/>
+            <a:chExt cx="1064464" cy="25200"/>
+          </a:xfrm>
+        </p:grpSpPr>
+        <p:sp>
+          <p:nvSpPr>
+            <p:cNvPr id="75" name="Google Shape;75;p11"/>
+            <p:cNvSpPr/>
+            <p:nvPr/>
+          </p:nvSpPr>
+          <p:spPr>
+            <a:xfrm rot="-5400000">
+              <a:off x="5366325" y="2335504"/>
+              <a:ext cx="25200" cy="532200"/>
+            </a:xfrm>
+            <a:prstGeom prst="rect">
+              <a:avLst/>
+            </a:prstGeom>
+            <a:solidFill>
+              <a:schemeClr val="lt1"/>
+            </a:solidFill>
+            <a:ln>
+              <a:noFill/>
+            </a:ln>
+          </p:spPr>
+          <p:txBody>
+            <a:bodyPr anchorCtr="0" anchor="ctr" bIns="91425" lIns="91425" spcFirstLastPara="1" rIns="91425" wrap="square" tIns="91425">
+              <a:noAutofit/>
+            </a:bodyPr>
+            <a:lstStyle/>
+            <a:p>
+              <a:pPr indent="0" lvl="0" marL="0" rtl="0" algn="l">
+                <a:spcBef>
+                  <a:spcPts val="0"/>
+                </a:spcBef>
+                <a:spcAft>
+                  <a:spcPts val="0"/>
+                </a:spcAft>
+                <a:buNone/>
+              </a:pPr>
+              <a:r>
+                <a:t/>
+              </a:r>
+              <a:endParaRPr/>
+            </a:p>
+          </p:txBody>
+        </p:sp>
+        <p:sp>
+          <p:nvSpPr>
+            <p:cNvPr id="76" name="Google Shape;76;p11"/>
+            <p:cNvSpPr/>
+            <p:nvPr/>
+          </p:nvSpPr>
+          <p:spPr>
+            <a:xfrm rot="-5400000">
+              <a:off x="4836311" y="2333254"/>
+              <a:ext cx="25200" cy="536700"/>
+            </a:xfrm>
+            <a:prstGeom prst="rect">
+              <a:avLst/>
+            </a:prstGeom>
+            <a:solidFill>
+              <a:schemeClr val="lt1"/>
+            </a:solidFill>
+            <a:ln>
+              <a:noFill/>
+            </a:ln>
+          </p:spPr>
+          <p:txBody>
+            <a:bodyPr anchorCtr="0" anchor="ctr" bIns="91425" lIns="91425" spcFirstLastPara="1" rIns="91425" wrap="square" tIns="91425">
+              <a:noAutofit/>
+            </a:bodyPr>
+            <a:lstStyle/>
+            <a:p>
+              <a:pPr indent="0" lvl="0" marL="0" rtl="0" algn="l">
+                <a:spcBef>
+                  <a:spcPts val="0"/>
+                </a:spcBef>
+                <a:spcAft>
+                  <a:spcPts val="0"/>
+                </a:spcAft>
+                <a:buNone/>
+              </a:pPr>
+              <a:r>
+                <a:t/>
+              </a:r>
+              <a:endParaRPr/>
+            </a:p>
+          </p:txBody>
+        </p:sp>
+      </p:grpSp>
       <p:sp>
         <p:nvSpPr>
-          <p:cNvPr id="45" name="Google Shape;45;p11"/>
+          <p:cNvPr id="77" name="Google Shape;77;p11"/>
           <p:cNvSpPr txBox="1"/>
           <p:nvPr>
             <p:ph hasCustomPrompt="1" type="title"/>
@@ -2191,116 +2666,179 @@
         </p:nvSpPr>
         <p:spPr>
           <a:xfrm>
-            <a:off x="311700" y="1106125"/>
-            <a:ext cx="8520600" cy="1963500"/>
+            <a:off x="729450" y="733950"/>
+            <a:ext cx="7688400" cy="1244700"/>
           </a:xfrm>
           <a:prstGeom prst="rect">
             <a:avLst/>
           </a:prstGeom>
         </p:spPr>
         <p:txBody>
-          <a:bodyPr anchorCtr="0" anchor="b" bIns="91425" lIns="91425" spcFirstLastPara="1" rIns="91425" wrap="square" tIns="91425">
+          <a:bodyPr anchorCtr="0" anchor="t" bIns="91425" lIns="91425" spcFirstLastPara="1" rIns="91425" wrap="square" tIns="91425">
             <a:normAutofit/>
           </a:bodyPr>
           <a:lstStyle>
-            <a:lvl1pPr lvl="0" algn="ctr">
-              <a:spcBef>
-                <a:spcPts val="0"/>
-              </a:spcBef>
-              <a:spcAft>
-                <a:spcPts val="0"/>
-              </a:spcAft>
-              <a:buSzPts val="12000"/>
-              <a:buNone/>
-              <a:defRPr sz="12000"/>
+            <a:lvl1pPr lvl="0">
+              <a:spcBef>
+                <a:spcPts val="0"/>
+              </a:spcBef>
+              <a:spcAft>
+                <a:spcPts val="0"/>
+              </a:spcAft>
+              <a:buClr>
+                <a:schemeClr val="lt1"/>
+              </a:buClr>
+              <a:buSzPts val="8000"/>
+              <a:buNone/>
+              <a:defRPr sz="8000">
+                <a:solidFill>
+                  <a:schemeClr val="lt1"/>
+                </a:solidFill>
+              </a:defRPr>
             </a:lvl1pPr>
-            <a:lvl2pPr lvl="1" algn="ctr">
-              <a:spcBef>
-                <a:spcPts val="0"/>
-              </a:spcBef>
-              <a:spcAft>
-                <a:spcPts val="0"/>
-              </a:spcAft>
-              <a:buSzPts val="12000"/>
-              <a:buNone/>
-              <a:defRPr sz="12000"/>
+            <a:lvl2pPr lvl="1">
+              <a:spcBef>
+                <a:spcPts val="0"/>
+              </a:spcBef>
+              <a:spcAft>
+                <a:spcPts val="0"/>
+              </a:spcAft>
+              <a:buClr>
+                <a:schemeClr val="lt1"/>
+              </a:buClr>
+              <a:buSzPts val="8000"/>
+              <a:buNone/>
+              <a:defRPr sz="8000">
+                <a:solidFill>
+                  <a:schemeClr val="lt1"/>
+                </a:solidFill>
+              </a:defRPr>
             </a:lvl2pPr>
-            <a:lvl3pPr lvl="2" algn="ctr">
-              <a:spcBef>
-                <a:spcPts val="0"/>
-              </a:spcBef>
-              <a:spcAft>
-                <a:spcPts val="0"/>
-              </a:spcAft>
-              <a:buSzPts val="12000"/>
-              <a:buNone/>
-              <a:defRPr sz="12000"/>
+            <a:lvl3pPr lvl="2">
+              <a:spcBef>
+                <a:spcPts val="0"/>
+              </a:spcBef>
+              <a:spcAft>
+                <a:spcPts val="0"/>
+              </a:spcAft>
+              <a:buClr>
+                <a:schemeClr val="lt1"/>
+              </a:buClr>
+              <a:buSzPts val="8000"/>
+              <a:buNone/>
+              <a:defRPr sz="8000">
+                <a:solidFill>
+                  <a:schemeClr val="lt1"/>
+                </a:solidFill>
+              </a:defRPr>
             </a:lvl3pPr>
-            <a:lvl4pPr lvl="3" algn="ctr">
-              <a:spcBef>
-                <a:spcPts val="0"/>
-              </a:spcBef>
-              <a:spcAft>
-                <a:spcPts val="0"/>
-              </a:spcAft>
-              <a:buSzPts val="12000"/>
-              <a:buNone/>
-              <a:defRPr sz="12000"/>
+            <a:lvl4pPr lvl="3">
+              <a:spcBef>
+                <a:spcPts val="0"/>
+              </a:spcBef>
+              <a:spcAft>
+                <a:spcPts val="0"/>
+              </a:spcAft>
+              <a:buClr>
+                <a:schemeClr val="lt1"/>
+              </a:buClr>
+              <a:buSzPts val="8000"/>
+              <a:buNone/>
+              <a:defRPr sz="8000">
+                <a:solidFill>
+                  <a:schemeClr val="lt1"/>
+                </a:solidFill>
+              </a:defRPr>
             </a:lvl4pPr>
-            <a:lvl5pPr lvl="4" algn="ctr">
-              <a:spcBef>
-                <a:spcPts val="0"/>
-              </a:spcBef>
-              <a:spcAft>
-                <a:spcPts val="0"/>
-              </a:spcAft>
-              <a:buSzPts val="12000"/>
-              <a:buNone/>
-              <a:defRPr sz="12000"/>
+            <a:lvl5pPr lvl="4">
+              <a:spcBef>
+                <a:spcPts val="0"/>
+              </a:spcBef>
+              <a:spcAft>
+                <a:spcPts val="0"/>
+              </a:spcAft>
+              <a:buClr>
+                <a:schemeClr val="lt1"/>
+              </a:buClr>
+              <a:buSzPts val="8000"/>
+              <a:buNone/>
+              <a:defRPr sz="8000">
+                <a:solidFill>
+                  <a:schemeClr val="lt1"/>
+                </a:solidFill>
+              </a:defRPr>
             </a:lvl5pPr>
-            <a:lvl6pPr lvl="5" algn="ctr">
-              <a:spcBef>
-                <a:spcPts val="0"/>
-              </a:spcBef>
-              <a:spcAft>
-                <a:spcPts val="0"/>
-              </a:spcAft>
-              <a:buSzPts val="12000"/>
-              <a:buNone/>
-              <a:defRPr sz="12000"/>
+            <a:lvl6pPr lvl="5">
+              <a:spcBef>
+                <a:spcPts val="0"/>
+              </a:spcBef>
+              <a:spcAft>
+                <a:spcPts val="0"/>
+              </a:spcAft>
+              <a:buClr>
+                <a:schemeClr val="lt1"/>
+              </a:buClr>
+              <a:buSzPts val="8000"/>
+              <a:buNone/>
+              <a:defRPr sz="8000">
+                <a:solidFill>
+                  <a:schemeClr val="lt1"/>
+                </a:solidFill>
+              </a:defRPr>
             </a:lvl6pPr>
-            <a:lvl7pPr lvl="6" algn="ctr">
-              <a:spcBef>
-                <a:spcPts val="0"/>
-              </a:spcBef>
-              <a:spcAft>
-                <a:spcPts val="0"/>
-              </a:spcAft>
-              <a:buSzPts val="12000"/>
-              <a:buNone/>
-              <a:defRPr sz="12000"/>
+            <a:lvl7pPr lvl="6">
+              <a:spcBef>
+                <a:spcPts val="0"/>
+              </a:spcBef>
+              <a:spcAft>
+                <a:spcPts val="0"/>
+              </a:spcAft>
+              <a:buClr>
+                <a:schemeClr val="lt1"/>
+              </a:buClr>
+              <a:buSzPts val="8000"/>
+              <a:buNone/>
+              <a:defRPr sz="8000">
+                <a:solidFill>
+                  <a:schemeClr val="lt1"/>
+                </a:solidFill>
+              </a:defRPr>
             </a:lvl7pPr>
-            <a:lvl8pPr lvl="7" algn="ctr">
-              <a:spcBef>
-                <a:spcPts val="0"/>
-              </a:spcBef>
-              <a:spcAft>
-                <a:spcPts val="0"/>
-              </a:spcAft>
-              <a:buSzPts val="12000"/>
-              <a:buNone/>
-              <a:defRPr sz="12000"/>
+            <a:lvl8pPr lvl="7">
+              <a:spcBef>
+                <a:spcPts val="0"/>
+              </a:spcBef>
+              <a:spcAft>
+                <a:spcPts val="0"/>
+              </a:spcAft>
+              <a:buClr>
+                <a:schemeClr val="lt1"/>
+              </a:buClr>
+              <a:buSzPts val="8000"/>
+              <a:buNone/>
+              <a:defRPr sz="8000">
+                <a:solidFill>
+                  <a:schemeClr val="lt1"/>
+                </a:solidFill>
+              </a:defRPr>
             </a:lvl8pPr>
-            <a:lvl9pPr lvl="8" algn="ctr">
-              <a:spcBef>
-                <a:spcPts val="0"/>
-              </a:spcBef>
-              <a:spcAft>
-                <a:spcPts val="0"/>
-              </a:spcAft>
-              <a:buSzPts val="12000"/>
-              <a:buNone/>
-              <a:defRPr sz="12000"/>
+            <a:lvl9pPr lvl="8">
+              <a:spcBef>
+                <a:spcPts val="0"/>
+              </a:spcBef>
+              <a:spcAft>
+                <a:spcPts val="0"/>
+              </a:spcAft>
+              <a:buClr>
+                <a:schemeClr val="lt1"/>
+              </a:buClr>
+              <a:buSzPts val="8000"/>
+              <a:buNone/>
+              <a:defRPr sz="8000">
+                <a:solidFill>
+                  <a:schemeClr val="lt1"/>
+                </a:solidFill>
+              </a:defRPr>
             </a:lvl9pPr>
           </a:lstStyle>
           <a:p>
@@ -2312,7 +2850,7 @@
       </p:sp>
       <p:sp>
         <p:nvSpPr>
-          <p:cNvPr id="46" name="Google Shape;46;p11"/>
+          <p:cNvPr id="78" name="Google Shape;78;p11"/>
           <p:cNvSpPr txBox="1"/>
           <p:nvPr>
             <p:ph idx="1" type="body"/>
@@ -2320,8 +2858,8 @@
         </p:nvSpPr>
         <p:spPr>
           <a:xfrm>
-            <a:off x="311700" y="3152225"/>
-            <a:ext cx="8520600" cy="1300800"/>
+            <a:off x="729450" y="2272888"/>
+            <a:ext cx="7688400" cy="1580400"/>
           </a:xfrm>
           <a:prstGeom prst="rect">
             <a:avLst/>
@@ -2332,104 +2870,167 @@
             <a:normAutofit/>
           </a:bodyPr>
           <a:lstStyle>
-            <a:lvl1pPr indent="-342900" lvl="0" marL="457200" algn="ctr">
-              <a:spcBef>
-                <a:spcPts val="0"/>
-              </a:spcBef>
-              <a:spcAft>
-                <a:spcPts val="0"/>
-              </a:spcAft>
-              <a:buSzPts val="1800"/>
+            <a:lvl1pPr indent="-311150" lvl="0" marL="457200">
+              <a:spcBef>
+                <a:spcPts val="0"/>
+              </a:spcBef>
+              <a:spcAft>
+                <a:spcPts val="0"/>
+              </a:spcAft>
+              <a:buClr>
+                <a:schemeClr val="lt1"/>
+              </a:buClr>
+              <a:buSzPts val="1300"/>
               <a:buChar char="●"/>
-              <a:defRPr/>
+              <a:defRPr>
+                <a:solidFill>
+                  <a:schemeClr val="lt1"/>
+                </a:solidFill>
+              </a:defRPr>
             </a:lvl1pPr>
-            <a:lvl2pPr indent="-317500" lvl="1" marL="914400" algn="ctr">
-              <a:spcBef>
-                <a:spcPts val="0"/>
-              </a:spcBef>
-              <a:spcAft>
-                <a:spcPts val="0"/>
-              </a:spcAft>
-              <a:buSzPts val="1400"/>
+            <a:lvl2pPr indent="-298450" lvl="1" marL="914400">
+              <a:spcBef>
+                <a:spcPts val="0"/>
+              </a:spcBef>
+              <a:spcAft>
+                <a:spcPts val="0"/>
+              </a:spcAft>
+              <a:buClr>
+                <a:schemeClr val="lt1"/>
+              </a:buClr>
+              <a:buSzPts val="1100"/>
               <a:buChar char="○"/>
-              <a:defRPr/>
+              <a:defRPr>
+                <a:solidFill>
+                  <a:schemeClr val="lt1"/>
+                </a:solidFill>
+              </a:defRPr>
             </a:lvl2pPr>
-            <a:lvl3pPr indent="-317500" lvl="2" marL="1371600" algn="ctr">
-              <a:spcBef>
-                <a:spcPts val="0"/>
-              </a:spcBef>
-              <a:spcAft>
-                <a:spcPts val="0"/>
-              </a:spcAft>
-              <a:buSzPts val="1400"/>
+            <a:lvl3pPr indent="-298450" lvl="2" marL="1371600">
+              <a:spcBef>
+                <a:spcPts val="0"/>
+              </a:spcBef>
+              <a:spcAft>
+                <a:spcPts val="0"/>
+              </a:spcAft>
+              <a:buClr>
+                <a:schemeClr val="lt1"/>
+              </a:buClr>
+              <a:buSzPts val="1100"/>
               <a:buChar char="■"/>
-              <a:defRPr/>
+              <a:defRPr>
+                <a:solidFill>
+                  <a:schemeClr val="lt1"/>
+                </a:solidFill>
+              </a:defRPr>
             </a:lvl3pPr>
-            <a:lvl4pPr indent="-317500" lvl="3" marL="1828800" algn="ctr">
-              <a:spcBef>
-                <a:spcPts val="0"/>
-              </a:spcBef>
-              <a:spcAft>
-                <a:spcPts val="0"/>
-              </a:spcAft>
-              <a:buSzPts val="1400"/>
+            <a:lvl4pPr indent="-298450" lvl="3" marL="1828800">
+              <a:spcBef>
+                <a:spcPts val="0"/>
+              </a:spcBef>
+              <a:spcAft>
+                <a:spcPts val="0"/>
+              </a:spcAft>
+              <a:buClr>
+                <a:schemeClr val="lt1"/>
+              </a:buClr>
+              <a:buSzPts val="1100"/>
               <a:buChar char="●"/>
-              <a:defRPr/>
+              <a:defRPr>
+                <a:solidFill>
+                  <a:schemeClr val="lt1"/>
+                </a:solidFill>
+              </a:defRPr>
             </a:lvl4pPr>
-            <a:lvl5pPr indent="-317500" lvl="4" marL="2286000" algn="ctr">
-              <a:spcBef>
-                <a:spcPts val="0"/>
-              </a:spcBef>
-              <a:spcAft>
-                <a:spcPts val="0"/>
-              </a:spcAft>
-              <a:buSzPts val="1400"/>
+            <a:lvl5pPr indent="-298450" lvl="4" marL="2286000">
+              <a:spcBef>
+                <a:spcPts val="0"/>
+              </a:spcBef>
+              <a:spcAft>
+                <a:spcPts val="0"/>
+              </a:spcAft>
+              <a:buClr>
+                <a:schemeClr val="lt1"/>
+              </a:buClr>
+              <a:buSzPts val="1100"/>
               <a:buChar char="○"/>
-              <a:defRPr/>
+              <a:defRPr>
+                <a:solidFill>
+                  <a:schemeClr val="lt1"/>
+                </a:solidFill>
+              </a:defRPr>
             </a:lvl5pPr>
-            <a:lvl6pPr indent="-317500" lvl="5" marL="2743200" algn="ctr">
-              <a:spcBef>
-                <a:spcPts val="0"/>
-              </a:spcBef>
-              <a:spcAft>
-                <a:spcPts val="0"/>
-              </a:spcAft>
-              <a:buSzPts val="1400"/>
+            <a:lvl6pPr indent="-298450" lvl="5" marL="2743200">
+              <a:spcBef>
+                <a:spcPts val="0"/>
+              </a:spcBef>
+              <a:spcAft>
+                <a:spcPts val="0"/>
+              </a:spcAft>
+              <a:buClr>
+                <a:schemeClr val="lt1"/>
+              </a:buClr>
+              <a:buSzPts val="1100"/>
               <a:buChar char="■"/>
-              <a:defRPr/>
+              <a:defRPr>
+                <a:solidFill>
+                  <a:schemeClr val="lt1"/>
+                </a:solidFill>
+              </a:defRPr>
             </a:lvl6pPr>
-            <a:lvl7pPr indent="-317500" lvl="6" marL="3200400" algn="ctr">
-              <a:spcBef>
-                <a:spcPts val="0"/>
-              </a:spcBef>
-              <a:spcAft>
-                <a:spcPts val="0"/>
-              </a:spcAft>
-              <a:buSzPts val="1400"/>
+            <a:lvl7pPr indent="-298450" lvl="6" marL="3200400">
+              <a:spcBef>
+                <a:spcPts val="0"/>
+              </a:spcBef>
+              <a:spcAft>
+                <a:spcPts val="0"/>
+              </a:spcAft>
+              <a:buClr>
+                <a:schemeClr val="lt1"/>
+              </a:buClr>
+              <a:buSzPts val="1100"/>
               <a:buChar char="●"/>
-              <a:defRPr/>
+              <a:defRPr>
+                <a:solidFill>
+                  <a:schemeClr val="lt1"/>
+                </a:solidFill>
+              </a:defRPr>
             </a:lvl7pPr>
-            <a:lvl8pPr indent="-317500" lvl="7" marL="3657600" algn="ctr">
-              <a:spcBef>
-                <a:spcPts val="0"/>
-              </a:spcBef>
-              <a:spcAft>
-                <a:spcPts val="0"/>
-              </a:spcAft>
-              <a:buSzPts val="1400"/>
+            <a:lvl8pPr indent="-298450" lvl="7" marL="3657600">
+              <a:spcBef>
+                <a:spcPts val="0"/>
+              </a:spcBef>
+              <a:spcAft>
+                <a:spcPts val="0"/>
+              </a:spcAft>
+              <a:buClr>
+                <a:schemeClr val="lt1"/>
+              </a:buClr>
+              <a:buSzPts val="1100"/>
               <a:buChar char="○"/>
-              <a:defRPr/>
+              <a:defRPr>
+                <a:solidFill>
+                  <a:schemeClr val="lt1"/>
+                </a:solidFill>
+              </a:defRPr>
             </a:lvl8pPr>
-            <a:lvl9pPr indent="-317500" lvl="8" marL="4114800" algn="ctr">
-              <a:spcBef>
-                <a:spcPts val="0"/>
-              </a:spcBef>
-              <a:spcAft>
-                <a:spcPts val="0"/>
-              </a:spcAft>
-              <a:buSzPts val="1400"/>
+            <a:lvl9pPr indent="-298450" lvl="8" marL="4114800">
+              <a:spcBef>
+                <a:spcPts val="0"/>
+              </a:spcBef>
+              <a:spcAft>
+                <a:spcPts val="0"/>
+              </a:spcAft>
+              <a:buClr>
+                <a:schemeClr val="lt1"/>
+              </a:buClr>
+              <a:buSzPts val="1100"/>
               <a:buChar char="■"/>
-              <a:defRPr/>
+              <a:defRPr>
+                <a:solidFill>
+                  <a:schemeClr val="lt1"/>
+                </a:solidFill>
+              </a:defRPr>
             </a:lvl9pPr>
           </a:lstStyle>
           <a:p/>
@@ -2437,7 +3038,7 @@
       </p:sp>
       <p:sp>
         <p:nvSpPr>
-          <p:cNvPr id="47" name="Google Shape;47;p11"/>
+          <p:cNvPr id="79" name="Google Shape;79;p11"/>
           <p:cNvSpPr txBox="1"/>
           <p:nvPr>
             <p:ph idx="12" type="sldNum"/>
@@ -2445,7 +3046,7 @@
         </p:nvSpPr>
         <p:spPr>
           <a:xfrm>
-            <a:off x="8472458" y="4663217"/>
+            <a:off x="8536302" y="4749851"/>
             <a:ext cx="548700" cy="393600"/>
           </a:xfrm>
           <a:prstGeom prst="rect">
@@ -2459,39 +3060,75 @@
           <a:lstStyle>
             <a:lvl1pPr lvl="0">
               <a:buNone/>
-              <a:defRPr/>
+              <a:defRPr>
+                <a:solidFill>
+                  <a:schemeClr val="lt1"/>
+                </a:solidFill>
+              </a:defRPr>
             </a:lvl1pPr>
             <a:lvl2pPr lvl="1">
               <a:buNone/>
-              <a:defRPr/>
+              <a:defRPr>
+                <a:solidFill>
+                  <a:schemeClr val="lt1"/>
+                </a:solidFill>
+              </a:defRPr>
             </a:lvl2pPr>
             <a:lvl3pPr lvl="2">
               <a:buNone/>
-              <a:defRPr/>
+              <a:defRPr>
+                <a:solidFill>
+                  <a:schemeClr val="lt1"/>
+                </a:solidFill>
+              </a:defRPr>
             </a:lvl3pPr>
             <a:lvl4pPr lvl="3">
               <a:buNone/>
-              <a:defRPr/>
+              <a:defRPr>
+                <a:solidFill>
+                  <a:schemeClr val="lt1"/>
+                </a:solidFill>
+              </a:defRPr>
             </a:lvl4pPr>
             <a:lvl5pPr lvl="4">
               <a:buNone/>
-              <a:defRPr/>
+              <a:defRPr>
+                <a:solidFill>
+                  <a:schemeClr val="lt1"/>
+                </a:solidFill>
+              </a:defRPr>
             </a:lvl5pPr>
             <a:lvl6pPr lvl="5">
               <a:buNone/>
-              <a:defRPr/>
+              <a:defRPr>
+                <a:solidFill>
+                  <a:schemeClr val="lt1"/>
+                </a:solidFill>
+              </a:defRPr>
             </a:lvl6pPr>
             <a:lvl7pPr lvl="6">
               <a:buNone/>
-              <a:defRPr/>
+              <a:defRPr>
+                <a:solidFill>
+                  <a:schemeClr val="lt1"/>
+                </a:solidFill>
+              </a:defRPr>
             </a:lvl7pPr>
             <a:lvl8pPr lvl="7">
               <a:buNone/>
-              <a:defRPr/>
+              <a:defRPr>
+                <a:solidFill>
+                  <a:schemeClr val="lt1"/>
+                </a:solidFill>
+              </a:defRPr>
             </a:lvl8pPr>
             <a:lvl9pPr lvl="8">
               <a:buNone/>
-              <a:defRPr/>
+              <a:defRPr>
+                <a:solidFill>
+                  <a:schemeClr val="lt1"/>
+                </a:solidFill>
+              </a:defRPr>
             </a:lvl9pPr>
           </a:lstStyle>
           <a:p>
@@ -2525,7 +3162,7 @@
   <p:cSld name="BLANK">
     <p:spTree>
       <p:nvGrpSpPr>
-        <p:cNvPr id="48" name="Shape 48"/>
+        <p:cNvPr id="80" name="Shape 80"/>
         <p:cNvGrpSpPr/>
         <p:nvPr/>
       </p:nvGrpSpPr>
@@ -2539,7 +3176,7 @@
       </p:grpSpPr>
       <p:sp>
         <p:nvSpPr>
-          <p:cNvPr id="49" name="Google Shape;49;p12"/>
+          <p:cNvPr id="81" name="Google Shape;81;p12"/>
           <p:cNvSpPr txBox="1"/>
           <p:nvPr>
             <p:ph idx="12" type="sldNum"/>
@@ -2547,7 +3184,7 @@
         </p:nvSpPr>
         <p:spPr>
           <a:xfrm>
-            <a:off x="8472458" y="4663217"/>
+            <a:off x="8536302" y="4749851"/>
             <a:ext cx="548700" cy="393600"/>
           </a:xfrm>
           <a:prstGeom prst="rect">
@@ -2625,9 +3262,16 @@
 <file path=ppt/slideLayouts/slideLayout2.xml><?xml version="1.0" encoding="utf-8"?>
 <p:sldLayout xmlns:a="http://schemas.openxmlformats.org/drawingml/2006/main" xmlns:r="http://schemas.openxmlformats.org/officeDocument/2006/relationships" xmlns:mc="http://schemas.openxmlformats.org/markup-compatibility/2006" xmlns:mv="urn:schemas-microsoft-com:mac:vml" xmlns:p="http://schemas.openxmlformats.org/presentationml/2006/main" xmlns:c="http://schemas.openxmlformats.org/drawingml/2006/chart" xmlns:dgm="http://schemas.openxmlformats.org/drawingml/2006/diagram" xmlns:o="urn:schemas-microsoft-com:office:office" xmlns:v="urn:schemas-microsoft-com:vml" xmlns:pvml="urn:schemas-microsoft-com:office:powerpoint" xmlns:com="http://schemas.openxmlformats.org/drawingml/2006/compatibility" xmlns:p14="http://schemas.microsoft.com/office/powerpoint/2010/main" xmlns:p15="http://schemas.microsoft.com/office/powerpoint/2012/main" xmlns:ahyp="http://schemas.microsoft.com/office/drawing/2018/hyperlinkcolor" matchingName="Section header" type="secHead">
   <p:cSld name="SECTION_HEADER">
+    <p:bg>
+      <p:bgPr>
+        <a:solidFill>
+          <a:schemeClr val="dk1"/>
+        </a:solidFill>
+      </p:bgPr>
+    </p:bg>
     <p:spTree>
       <p:nvGrpSpPr>
-        <p:cNvPr id="13" name="Shape 13"/>
+        <p:cNvPr id="17" name="Shape 17"/>
         <p:cNvGrpSpPr/>
         <p:nvPr/>
       </p:nvGrpSpPr>
@@ -2639,9 +3283,110 @@
           <a:chExt cx="0" cy="0"/>
         </a:xfrm>
       </p:grpSpPr>
+      <p:grpSp>
+        <p:nvGrpSpPr>
+          <p:cNvPr id="18" name="Google Shape;18;p3"/>
+          <p:cNvGrpSpPr/>
+          <p:nvPr/>
+        </p:nvGrpSpPr>
+        <p:grpSpPr>
+          <a:xfrm>
+            <a:off x="830392" y="1191256"/>
+            <a:ext cx="745763" cy="45826"/>
+            <a:chOff x="4580561" y="2589004"/>
+            <a:chExt cx="1064464" cy="25200"/>
+          </a:xfrm>
+        </p:grpSpPr>
+        <p:sp>
+          <p:nvSpPr>
+            <p:cNvPr id="19" name="Google Shape;19;p3"/>
+            <p:cNvSpPr/>
+            <p:nvPr/>
+          </p:nvSpPr>
+          <p:spPr>
+            <a:xfrm rot="-5400000">
+              <a:off x="5366325" y="2335504"/>
+              <a:ext cx="25200" cy="532200"/>
+            </a:xfrm>
+            <a:prstGeom prst="rect">
+              <a:avLst/>
+            </a:prstGeom>
+            <a:solidFill>
+              <a:schemeClr val="lt1"/>
+            </a:solidFill>
+            <a:ln>
+              <a:noFill/>
+            </a:ln>
+          </p:spPr>
+          <p:txBody>
+            <a:bodyPr anchorCtr="0" anchor="ctr" bIns="91425" lIns="91425" spcFirstLastPara="1" rIns="91425" wrap="square" tIns="91425">
+              <a:noAutofit/>
+            </a:bodyPr>
+            <a:lstStyle/>
+            <a:p>
+              <a:pPr indent="0" lvl="0" marL="0" rtl="0" algn="l">
+                <a:spcBef>
+                  <a:spcPts val="0"/>
+                </a:spcBef>
+                <a:spcAft>
+                  <a:spcPts val="0"/>
+                </a:spcAft>
+                <a:buNone/>
+              </a:pPr>
+              <a:r>
+                <a:t/>
+              </a:r>
+              <a:endParaRPr/>
+            </a:p>
+          </p:txBody>
+        </p:sp>
+        <p:sp>
+          <p:nvSpPr>
+            <p:cNvPr id="20" name="Google Shape;20;p3"/>
+            <p:cNvSpPr/>
+            <p:nvPr/>
+          </p:nvSpPr>
+          <p:spPr>
+            <a:xfrm rot="-5400000">
+              <a:off x="4836311" y="2333254"/>
+              <a:ext cx="25200" cy="536700"/>
+            </a:xfrm>
+            <a:prstGeom prst="rect">
+              <a:avLst/>
+            </a:prstGeom>
+            <a:solidFill>
+              <a:schemeClr val="lt1"/>
+            </a:solidFill>
+            <a:ln>
+              <a:noFill/>
+            </a:ln>
+          </p:spPr>
+          <p:txBody>
+            <a:bodyPr anchorCtr="0" anchor="ctr" bIns="91425" lIns="91425" spcFirstLastPara="1" rIns="91425" wrap="square" tIns="91425">
+              <a:noAutofit/>
+            </a:bodyPr>
+            <a:lstStyle/>
+            <a:p>
+              <a:pPr indent="0" lvl="0" marL="0" rtl="0" algn="l">
+                <a:spcBef>
+                  <a:spcPts val="0"/>
+                </a:spcBef>
+                <a:spcAft>
+                  <a:spcPts val="0"/>
+                </a:spcAft>
+                <a:buNone/>
+              </a:pPr>
+              <a:r>
+                <a:t/>
+              </a:r>
+              <a:endParaRPr/>
+            </a:p>
+          </p:txBody>
+        </p:sp>
+      </p:grpSp>
       <p:sp>
         <p:nvSpPr>
-          <p:cNvPr id="14" name="Google Shape;14;p3"/>
+          <p:cNvPr id="21" name="Google Shape;21;p3"/>
           <p:cNvSpPr txBox="1"/>
           <p:nvPr>
             <p:ph type="title"/>
@@ -2649,116 +3394,179 @@
         </p:nvSpPr>
         <p:spPr>
           <a:xfrm>
-            <a:off x="311700" y="2150850"/>
-            <a:ext cx="8520600" cy="841800"/>
+            <a:off x="729450" y="1322450"/>
+            <a:ext cx="7688400" cy="1518600"/>
           </a:xfrm>
           <a:prstGeom prst="rect">
             <a:avLst/>
           </a:prstGeom>
         </p:spPr>
         <p:txBody>
-          <a:bodyPr anchorCtr="0" anchor="ctr" bIns="91425" lIns="91425" spcFirstLastPara="1" rIns="91425" wrap="square" tIns="91425">
+          <a:bodyPr anchorCtr="0" anchor="t" bIns="91425" lIns="91425" spcFirstLastPara="1" rIns="91425" wrap="square" tIns="91425">
             <a:normAutofit/>
           </a:bodyPr>
           <a:lstStyle>
-            <a:lvl1pPr lvl="0" algn="ctr">
-              <a:spcBef>
-                <a:spcPts val="0"/>
-              </a:spcBef>
-              <a:spcAft>
-                <a:spcPts val="0"/>
-              </a:spcAft>
+            <a:lvl1pPr lvl="0">
+              <a:spcBef>
+                <a:spcPts val="0"/>
+              </a:spcBef>
+              <a:spcAft>
+                <a:spcPts val="0"/>
+              </a:spcAft>
+              <a:buClr>
+                <a:schemeClr val="lt1"/>
+              </a:buClr>
               <a:buSzPts val="3600"/>
               <a:buNone/>
-              <a:defRPr sz="3600"/>
+              <a:defRPr sz="3600">
+                <a:solidFill>
+                  <a:schemeClr val="lt1"/>
+                </a:solidFill>
+              </a:defRPr>
             </a:lvl1pPr>
-            <a:lvl2pPr lvl="1" algn="ctr">
-              <a:spcBef>
-                <a:spcPts val="0"/>
-              </a:spcBef>
-              <a:spcAft>
-                <a:spcPts val="0"/>
-              </a:spcAft>
+            <a:lvl2pPr lvl="1">
+              <a:spcBef>
+                <a:spcPts val="0"/>
+              </a:spcBef>
+              <a:spcAft>
+                <a:spcPts val="0"/>
+              </a:spcAft>
+              <a:buClr>
+                <a:schemeClr val="lt1"/>
+              </a:buClr>
               <a:buSzPts val="3600"/>
               <a:buNone/>
-              <a:defRPr sz="3600"/>
+              <a:defRPr sz="3600">
+                <a:solidFill>
+                  <a:schemeClr val="lt1"/>
+                </a:solidFill>
+              </a:defRPr>
             </a:lvl2pPr>
-            <a:lvl3pPr lvl="2" algn="ctr">
-              <a:spcBef>
-                <a:spcPts val="0"/>
-              </a:spcBef>
-              <a:spcAft>
-                <a:spcPts val="0"/>
-              </a:spcAft>
+            <a:lvl3pPr lvl="2">
+              <a:spcBef>
+                <a:spcPts val="0"/>
+              </a:spcBef>
+              <a:spcAft>
+                <a:spcPts val="0"/>
+              </a:spcAft>
+              <a:buClr>
+                <a:schemeClr val="lt1"/>
+              </a:buClr>
               <a:buSzPts val="3600"/>
               <a:buNone/>
-              <a:defRPr sz="3600"/>
+              <a:defRPr sz="3600">
+                <a:solidFill>
+                  <a:schemeClr val="lt1"/>
+                </a:solidFill>
+              </a:defRPr>
             </a:lvl3pPr>
-            <a:lvl4pPr lvl="3" algn="ctr">
-              <a:spcBef>
-                <a:spcPts val="0"/>
-              </a:spcBef>
-              <a:spcAft>
-                <a:spcPts val="0"/>
-              </a:spcAft>
+            <a:lvl4pPr lvl="3">
+              <a:spcBef>
+                <a:spcPts val="0"/>
+              </a:spcBef>
+              <a:spcAft>
+                <a:spcPts val="0"/>
+              </a:spcAft>
+              <a:buClr>
+                <a:schemeClr val="lt1"/>
+              </a:buClr>
               <a:buSzPts val="3600"/>
               <a:buNone/>
-              <a:defRPr sz="3600"/>
+              <a:defRPr sz="3600">
+                <a:solidFill>
+                  <a:schemeClr val="lt1"/>
+                </a:solidFill>
+              </a:defRPr>
             </a:lvl4pPr>
-            <a:lvl5pPr lvl="4" algn="ctr">
-              <a:spcBef>
-                <a:spcPts val="0"/>
-              </a:spcBef>
-              <a:spcAft>
-                <a:spcPts val="0"/>
-              </a:spcAft>
+            <a:lvl5pPr lvl="4">
+              <a:spcBef>
+                <a:spcPts val="0"/>
+              </a:spcBef>
+              <a:spcAft>
+                <a:spcPts val="0"/>
+              </a:spcAft>
+              <a:buClr>
+                <a:schemeClr val="lt1"/>
+              </a:buClr>
               <a:buSzPts val="3600"/>
               <a:buNone/>
-              <a:defRPr sz="3600"/>
+              <a:defRPr sz="3600">
+                <a:solidFill>
+                  <a:schemeClr val="lt1"/>
+                </a:solidFill>
+              </a:defRPr>
             </a:lvl5pPr>
-            <a:lvl6pPr lvl="5" algn="ctr">
-              <a:spcBef>
-                <a:spcPts val="0"/>
-              </a:spcBef>
-              <a:spcAft>
-                <a:spcPts val="0"/>
-              </a:spcAft>
+            <a:lvl6pPr lvl="5">
+              <a:spcBef>
+                <a:spcPts val="0"/>
+              </a:spcBef>
+              <a:spcAft>
+                <a:spcPts val="0"/>
+              </a:spcAft>
+              <a:buClr>
+                <a:schemeClr val="lt1"/>
+              </a:buClr>
               <a:buSzPts val="3600"/>
               <a:buNone/>
-              <a:defRPr sz="3600"/>
+              <a:defRPr sz="3600">
+                <a:solidFill>
+                  <a:schemeClr val="lt1"/>
+                </a:solidFill>
+              </a:defRPr>
             </a:lvl6pPr>
-            <a:lvl7pPr lvl="6" algn="ctr">
-              <a:spcBef>
-                <a:spcPts val="0"/>
-              </a:spcBef>
-              <a:spcAft>
-                <a:spcPts val="0"/>
-              </a:spcAft>
+            <a:lvl7pPr lvl="6">
+              <a:spcBef>
+                <a:spcPts val="0"/>
+              </a:spcBef>
+              <a:spcAft>
+                <a:spcPts val="0"/>
+              </a:spcAft>
+              <a:buClr>
+                <a:schemeClr val="lt1"/>
+              </a:buClr>
               <a:buSzPts val="3600"/>
               <a:buNone/>
-              <a:defRPr sz="3600"/>
+              <a:defRPr sz="3600">
+                <a:solidFill>
+                  <a:schemeClr val="lt1"/>
+                </a:solidFill>
+              </a:defRPr>
             </a:lvl7pPr>
-            <a:lvl8pPr lvl="7" algn="ctr">
-              <a:spcBef>
-                <a:spcPts val="0"/>
-              </a:spcBef>
-              <a:spcAft>
-                <a:spcPts val="0"/>
-              </a:spcAft>
+            <a:lvl8pPr lvl="7">
+              <a:spcBef>
+                <a:spcPts val="0"/>
+              </a:spcBef>
+              <a:spcAft>
+                <a:spcPts val="0"/>
+              </a:spcAft>
+              <a:buClr>
+                <a:schemeClr val="lt1"/>
+              </a:buClr>
               <a:buSzPts val="3600"/>
               <a:buNone/>
-              <a:defRPr sz="3600"/>
+              <a:defRPr sz="3600">
+                <a:solidFill>
+                  <a:schemeClr val="lt1"/>
+                </a:solidFill>
+              </a:defRPr>
             </a:lvl8pPr>
-            <a:lvl9pPr lvl="8" algn="ctr">
-              <a:spcBef>
-                <a:spcPts val="0"/>
-              </a:spcBef>
-              <a:spcAft>
-                <a:spcPts val="0"/>
-              </a:spcAft>
+            <a:lvl9pPr lvl="8">
+              <a:spcBef>
+                <a:spcPts val="0"/>
+              </a:spcBef>
+              <a:spcAft>
+                <a:spcPts val="0"/>
+              </a:spcAft>
+              <a:buClr>
+                <a:schemeClr val="lt1"/>
+              </a:buClr>
               <a:buSzPts val="3600"/>
               <a:buNone/>
-              <a:defRPr sz="3600"/>
+              <a:defRPr sz="3600">
+                <a:solidFill>
+                  <a:schemeClr val="lt1"/>
+                </a:solidFill>
+              </a:defRPr>
             </a:lvl9pPr>
           </a:lstStyle>
           <a:p/>
@@ -2766,7 +3574,7 @@
       </p:sp>
       <p:sp>
         <p:nvSpPr>
-          <p:cNvPr id="15" name="Google Shape;15;p3"/>
+          <p:cNvPr id="22" name="Google Shape;22;p3"/>
           <p:cNvSpPr txBox="1"/>
           <p:nvPr>
             <p:ph idx="12" type="sldNum"/>
@@ -2774,7 +3582,7 @@
         </p:nvSpPr>
         <p:spPr>
           <a:xfrm>
-            <a:off x="8472458" y="4663217"/>
+            <a:off x="8536302" y="4749851"/>
             <a:ext cx="548700" cy="393600"/>
           </a:xfrm>
           <a:prstGeom prst="rect">
@@ -2788,39 +3596,75 @@
           <a:lstStyle>
             <a:lvl1pPr lvl="0">
               <a:buNone/>
-              <a:defRPr/>
+              <a:defRPr>
+                <a:solidFill>
+                  <a:schemeClr val="lt1"/>
+                </a:solidFill>
+              </a:defRPr>
             </a:lvl1pPr>
             <a:lvl2pPr lvl="1">
               <a:buNone/>
-              <a:defRPr/>
+              <a:defRPr>
+                <a:solidFill>
+                  <a:schemeClr val="lt1"/>
+                </a:solidFill>
+              </a:defRPr>
             </a:lvl2pPr>
             <a:lvl3pPr lvl="2">
               <a:buNone/>
-              <a:defRPr/>
+              <a:defRPr>
+                <a:solidFill>
+                  <a:schemeClr val="lt1"/>
+                </a:solidFill>
+              </a:defRPr>
             </a:lvl3pPr>
             <a:lvl4pPr lvl="3">
               <a:buNone/>
-              <a:defRPr/>
+              <a:defRPr>
+                <a:solidFill>
+                  <a:schemeClr val="lt1"/>
+                </a:solidFill>
+              </a:defRPr>
             </a:lvl4pPr>
             <a:lvl5pPr lvl="4">
               <a:buNone/>
-              <a:defRPr/>
+              <a:defRPr>
+                <a:solidFill>
+                  <a:schemeClr val="lt1"/>
+                </a:solidFill>
+              </a:defRPr>
             </a:lvl5pPr>
             <a:lvl6pPr lvl="5">
               <a:buNone/>
-              <a:defRPr/>
+              <a:defRPr>
+                <a:solidFill>
+                  <a:schemeClr val="lt1"/>
+                </a:solidFill>
+              </a:defRPr>
             </a:lvl6pPr>
             <a:lvl7pPr lvl="6">
               <a:buNone/>
-              <a:defRPr/>
+              <a:defRPr>
+                <a:solidFill>
+                  <a:schemeClr val="lt1"/>
+                </a:solidFill>
+              </a:defRPr>
             </a:lvl7pPr>
             <a:lvl8pPr lvl="7">
               <a:buNone/>
-              <a:defRPr/>
+              <a:defRPr>
+                <a:solidFill>
+                  <a:schemeClr val="lt1"/>
+                </a:solidFill>
+              </a:defRPr>
             </a:lvl8pPr>
             <a:lvl9pPr lvl="8">
               <a:buNone/>
-              <a:defRPr/>
+              <a:defRPr>
+                <a:solidFill>
+                  <a:schemeClr val="lt1"/>
+                </a:solidFill>
+              </a:defRPr>
             </a:lvl9pPr>
           </a:lstStyle>
           <a:p>
@@ -2854,7 +3698,7 @@
   <p:cSld name="TITLE_AND_BODY">
     <p:spTree>
       <p:nvGrpSpPr>
-        <p:cNvPr id="16" name="Shape 16"/>
+        <p:cNvPr id="23" name="Shape 23"/>
         <p:cNvGrpSpPr/>
         <p:nvPr/>
       </p:nvGrpSpPr>
@@ -2868,7 +3712,151 @@
       </p:grpSpPr>
       <p:sp>
         <p:nvSpPr>
-          <p:cNvPr id="17" name="Google Shape;17;p4"/>
+          <p:cNvPr id="24" name="Google Shape;24;p4"/>
+          <p:cNvSpPr/>
+          <p:nvPr/>
+        </p:nvSpPr>
+        <p:spPr>
+          <a:xfrm>
+            <a:off x="0" y="0"/>
+            <a:ext cx="9144000" cy="487800"/>
+          </a:xfrm>
+          <a:prstGeom prst="rect">
+            <a:avLst/>
+          </a:prstGeom>
+          <a:solidFill>
+            <a:schemeClr val="lt2"/>
+          </a:solidFill>
+          <a:ln>
+            <a:noFill/>
+          </a:ln>
+        </p:spPr>
+        <p:txBody>
+          <a:bodyPr anchorCtr="0" anchor="ctr" bIns="91425" lIns="91425" spcFirstLastPara="1" rIns="91425" wrap="square" tIns="91425">
+            <a:noAutofit/>
+          </a:bodyPr>
+          <a:lstStyle/>
+          <a:p>
+            <a:pPr indent="0" lvl="0" marL="0" rtl="0" algn="l">
+              <a:spcBef>
+                <a:spcPts val="0"/>
+              </a:spcBef>
+              <a:spcAft>
+                <a:spcPts val="0"/>
+              </a:spcAft>
+              <a:buNone/>
+            </a:pPr>
+            <a:r>
+              <a:t/>
+            </a:r>
+            <a:endParaRPr/>
+          </a:p>
+        </p:txBody>
+      </p:sp>
+      <p:grpSp>
+        <p:nvGrpSpPr>
+          <p:cNvPr id="25" name="Google Shape;25;p4"/>
+          <p:cNvGrpSpPr/>
+          <p:nvPr/>
+        </p:nvGrpSpPr>
+        <p:grpSpPr>
+          <a:xfrm>
+            <a:off x="830392" y="1191256"/>
+            <a:ext cx="745763" cy="45826"/>
+            <a:chOff x="4580561" y="2589004"/>
+            <a:chExt cx="1064464" cy="25200"/>
+          </a:xfrm>
+        </p:grpSpPr>
+        <p:sp>
+          <p:nvSpPr>
+            <p:cNvPr id="26" name="Google Shape;26;p4"/>
+            <p:cNvSpPr/>
+            <p:nvPr/>
+          </p:nvSpPr>
+          <p:spPr>
+            <a:xfrm rot="-5400000">
+              <a:off x="5366325" y="2335504"/>
+              <a:ext cx="25200" cy="532200"/>
+            </a:xfrm>
+            <a:prstGeom prst="rect">
+              <a:avLst/>
+            </a:prstGeom>
+            <a:solidFill>
+              <a:schemeClr val="accent3"/>
+            </a:solidFill>
+            <a:ln>
+              <a:noFill/>
+            </a:ln>
+          </p:spPr>
+          <p:txBody>
+            <a:bodyPr anchorCtr="0" anchor="ctr" bIns="91425" lIns="91425" spcFirstLastPara="1" rIns="91425" wrap="square" tIns="91425">
+              <a:noAutofit/>
+            </a:bodyPr>
+            <a:lstStyle/>
+            <a:p>
+              <a:pPr indent="0" lvl="0" marL="0" rtl="0" algn="l">
+                <a:spcBef>
+                  <a:spcPts val="0"/>
+                </a:spcBef>
+                <a:spcAft>
+                  <a:spcPts val="0"/>
+                </a:spcAft>
+                <a:buNone/>
+              </a:pPr>
+              <a:r>
+                <a:t/>
+              </a:r>
+              <a:endParaRPr/>
+            </a:p>
+          </p:txBody>
+        </p:sp>
+        <p:sp>
+          <p:nvSpPr>
+            <p:cNvPr id="27" name="Google Shape;27;p4"/>
+            <p:cNvSpPr/>
+            <p:nvPr/>
+          </p:nvSpPr>
+          <p:spPr>
+            <a:xfrm rot="-5400000">
+              <a:off x="4836311" y="2333254"/>
+              <a:ext cx="25200" cy="536700"/>
+            </a:xfrm>
+            <a:prstGeom prst="rect">
+              <a:avLst/>
+            </a:prstGeom>
+            <a:solidFill>
+              <a:schemeClr val="dk1"/>
+            </a:solidFill>
+            <a:ln>
+              <a:noFill/>
+            </a:ln>
+          </p:spPr>
+          <p:txBody>
+            <a:bodyPr anchorCtr="0" anchor="ctr" bIns="91425" lIns="91425" spcFirstLastPara="1" rIns="91425" wrap="square" tIns="91425">
+              <a:noAutofit/>
+            </a:bodyPr>
+            <a:lstStyle/>
+            <a:p>
+              <a:pPr indent="0" lvl="0" marL="0" rtl="0" algn="l">
+                <a:spcBef>
+                  <a:spcPts val="0"/>
+                </a:spcBef>
+                <a:spcAft>
+                  <a:spcPts val="0"/>
+                </a:spcAft>
+                <a:buNone/>
+              </a:pPr>
+              <a:r>
+                <a:t/>
+              </a:r>
+              <a:endParaRPr/>
+            </a:p>
+          </p:txBody>
+        </p:sp>
+      </p:grpSp>
+      <p:sp>
+        <p:nvSpPr>
+          <p:cNvPr id="28" name="Google Shape;28;p4"/>
           <p:cNvSpPr txBox="1"/>
           <p:nvPr>
             <p:ph type="title"/>
@@ -2876,8 +3864,8 @@
         </p:nvSpPr>
         <p:spPr>
           <a:xfrm>
-            <a:off x="311700" y="445025"/>
-            <a:ext cx="8520600" cy="572700"/>
+            <a:off x="729450" y="1318650"/>
+            <a:ext cx="7688700" cy="535200"/>
           </a:xfrm>
           <a:prstGeom prst="rect">
             <a:avLst/>
@@ -2895,9 +3883,9 @@
               <a:spcAft>
                 <a:spcPts val="0"/>
               </a:spcAft>
-              <a:buSzPts val="2800"/>
-              <a:buNone/>
-              <a:defRPr/>
+              <a:buSzPts val="2600"/>
+              <a:buNone/>
+              <a:defRPr sz="2600"/>
             </a:lvl1pPr>
             <a:lvl2pPr lvl="1">
               <a:spcBef>
@@ -2906,9 +3894,9 @@
               <a:spcAft>
                 <a:spcPts val="0"/>
               </a:spcAft>
-              <a:buSzPts val="2800"/>
-              <a:buNone/>
-              <a:defRPr/>
+              <a:buSzPts val="2600"/>
+              <a:buNone/>
+              <a:defRPr sz="2600"/>
             </a:lvl2pPr>
             <a:lvl3pPr lvl="2">
               <a:spcBef>
@@ -2917,9 +3905,9 @@
               <a:spcAft>
                 <a:spcPts val="0"/>
               </a:spcAft>
-              <a:buSzPts val="2800"/>
-              <a:buNone/>
-              <a:defRPr/>
+              <a:buSzPts val="2600"/>
+              <a:buNone/>
+              <a:defRPr sz="2600"/>
             </a:lvl3pPr>
             <a:lvl4pPr lvl="3">
               <a:spcBef>
@@ -2928,9 +3916,9 @@
               <a:spcAft>
                 <a:spcPts val="0"/>
               </a:spcAft>
-              <a:buSzPts val="2800"/>
-              <a:buNone/>
-              <a:defRPr/>
+              <a:buSzPts val="2600"/>
+              <a:buNone/>
+              <a:defRPr sz="2600"/>
             </a:lvl4pPr>
             <a:lvl5pPr lvl="4">
               <a:spcBef>
@@ -2939,9 +3927,9 @@
               <a:spcAft>
                 <a:spcPts val="0"/>
               </a:spcAft>
-              <a:buSzPts val="2800"/>
-              <a:buNone/>
-              <a:defRPr/>
+              <a:buSzPts val="2600"/>
+              <a:buNone/>
+              <a:defRPr sz="2600"/>
             </a:lvl5pPr>
             <a:lvl6pPr lvl="5">
               <a:spcBef>
@@ -2950,9 +3938,9 @@
               <a:spcAft>
                 <a:spcPts val="0"/>
               </a:spcAft>
-              <a:buSzPts val="2800"/>
-              <a:buNone/>
-              <a:defRPr/>
+              <a:buSzPts val="2600"/>
+              <a:buNone/>
+              <a:defRPr sz="2600"/>
             </a:lvl6pPr>
             <a:lvl7pPr lvl="6">
               <a:spcBef>
@@ -2961,9 +3949,9 @@
               <a:spcAft>
                 <a:spcPts val="0"/>
               </a:spcAft>
-              <a:buSzPts val="2800"/>
-              <a:buNone/>
-              <a:defRPr/>
+              <a:buSzPts val="2600"/>
+              <a:buNone/>
+              <a:defRPr sz="2600"/>
             </a:lvl7pPr>
             <a:lvl8pPr lvl="7">
               <a:spcBef>
@@ -2972,9 +3960,9 @@
               <a:spcAft>
                 <a:spcPts val="0"/>
               </a:spcAft>
-              <a:buSzPts val="2800"/>
-              <a:buNone/>
-              <a:defRPr/>
+              <a:buSzPts val="2600"/>
+              <a:buNone/>
+              <a:defRPr sz="2600"/>
             </a:lvl8pPr>
             <a:lvl9pPr lvl="8">
               <a:spcBef>
@@ -2983,9 +3971,9 @@
               <a:spcAft>
                 <a:spcPts val="0"/>
               </a:spcAft>
-              <a:buSzPts val="2800"/>
-              <a:buNone/>
-              <a:defRPr/>
+              <a:buSzPts val="2600"/>
+              <a:buNone/>
+              <a:defRPr sz="2600"/>
             </a:lvl9pPr>
           </a:lstStyle>
           <a:p/>
@@ -2993,7 +3981,7 @@
       </p:sp>
       <p:sp>
         <p:nvSpPr>
-          <p:cNvPr id="18" name="Google Shape;18;p4"/>
+          <p:cNvPr id="29" name="Google Shape;29;p4"/>
           <p:cNvSpPr txBox="1"/>
           <p:nvPr>
             <p:ph idx="1" type="body"/>
@@ -3001,8 +3989,8 @@
         </p:nvSpPr>
         <p:spPr>
           <a:xfrm>
-            <a:off x="311700" y="1152475"/>
-            <a:ext cx="8520600" cy="3416400"/>
+            <a:off x="729450" y="2078875"/>
+            <a:ext cx="7688700" cy="2261100"/>
           </a:xfrm>
           <a:prstGeom prst="rect">
             <a:avLst/>
@@ -3013,102 +4001,102 @@
             <a:normAutofit/>
           </a:bodyPr>
           <a:lstStyle>
-            <a:lvl1pPr indent="-342900" lvl="0" marL="457200">
-              <a:spcBef>
-                <a:spcPts val="0"/>
-              </a:spcBef>
-              <a:spcAft>
-                <a:spcPts val="0"/>
-              </a:spcAft>
-              <a:buSzPts val="1800"/>
+            <a:lvl1pPr indent="-311150" lvl="0" marL="457200">
+              <a:spcBef>
+                <a:spcPts val="0"/>
+              </a:spcBef>
+              <a:spcAft>
+                <a:spcPts val="0"/>
+              </a:spcAft>
+              <a:buSzPts val="1300"/>
               <a:buChar char="●"/>
               <a:defRPr/>
             </a:lvl1pPr>
-            <a:lvl2pPr indent="-317500" lvl="1" marL="914400">
-              <a:spcBef>
-                <a:spcPts val="0"/>
-              </a:spcBef>
-              <a:spcAft>
-                <a:spcPts val="0"/>
-              </a:spcAft>
-              <a:buSzPts val="1400"/>
+            <a:lvl2pPr indent="-298450" lvl="1" marL="914400">
+              <a:spcBef>
+                <a:spcPts val="0"/>
+              </a:spcBef>
+              <a:spcAft>
+                <a:spcPts val="0"/>
+              </a:spcAft>
+              <a:buSzPts val="1100"/>
               <a:buChar char="○"/>
               <a:defRPr/>
             </a:lvl2pPr>
-            <a:lvl3pPr indent="-317500" lvl="2" marL="1371600">
-              <a:spcBef>
-                <a:spcPts val="0"/>
-              </a:spcBef>
-              <a:spcAft>
-                <a:spcPts val="0"/>
-              </a:spcAft>
-              <a:buSzPts val="1400"/>
+            <a:lvl3pPr indent="-298450" lvl="2" marL="1371600">
+              <a:spcBef>
+                <a:spcPts val="0"/>
+              </a:spcBef>
+              <a:spcAft>
+                <a:spcPts val="0"/>
+              </a:spcAft>
+              <a:buSzPts val="1100"/>
               <a:buChar char="■"/>
               <a:defRPr/>
             </a:lvl3pPr>
-            <a:lvl4pPr indent="-317500" lvl="3" marL="1828800">
-              <a:spcBef>
-                <a:spcPts val="0"/>
-              </a:spcBef>
-              <a:spcAft>
-                <a:spcPts val="0"/>
-              </a:spcAft>
-              <a:buSzPts val="1400"/>
+            <a:lvl4pPr indent="-298450" lvl="3" marL="1828800">
+              <a:spcBef>
+                <a:spcPts val="0"/>
+              </a:spcBef>
+              <a:spcAft>
+                <a:spcPts val="0"/>
+              </a:spcAft>
+              <a:buSzPts val="1100"/>
               <a:buChar char="●"/>
               <a:defRPr/>
             </a:lvl4pPr>
-            <a:lvl5pPr indent="-317500" lvl="4" marL="2286000">
-              <a:spcBef>
-                <a:spcPts val="0"/>
-              </a:spcBef>
-              <a:spcAft>
-                <a:spcPts val="0"/>
-              </a:spcAft>
-              <a:buSzPts val="1400"/>
+            <a:lvl5pPr indent="-298450" lvl="4" marL="2286000">
+              <a:spcBef>
+                <a:spcPts val="0"/>
+              </a:spcBef>
+              <a:spcAft>
+                <a:spcPts val="0"/>
+              </a:spcAft>
+              <a:buSzPts val="1100"/>
               <a:buChar char="○"/>
               <a:defRPr/>
             </a:lvl5pPr>
-            <a:lvl6pPr indent="-317500" lvl="5" marL="2743200">
-              <a:spcBef>
-                <a:spcPts val="0"/>
-              </a:spcBef>
-              <a:spcAft>
-                <a:spcPts val="0"/>
-              </a:spcAft>
-              <a:buSzPts val="1400"/>
+            <a:lvl6pPr indent="-298450" lvl="5" marL="2743200">
+              <a:spcBef>
+                <a:spcPts val="0"/>
+              </a:spcBef>
+              <a:spcAft>
+                <a:spcPts val="0"/>
+              </a:spcAft>
+              <a:buSzPts val="1100"/>
               <a:buChar char="■"/>
               <a:defRPr/>
             </a:lvl6pPr>
-            <a:lvl7pPr indent="-317500" lvl="6" marL="3200400">
-              <a:spcBef>
-                <a:spcPts val="0"/>
-              </a:spcBef>
-              <a:spcAft>
-                <a:spcPts val="0"/>
-              </a:spcAft>
-              <a:buSzPts val="1400"/>
+            <a:lvl7pPr indent="-298450" lvl="6" marL="3200400">
+              <a:spcBef>
+                <a:spcPts val="0"/>
+              </a:spcBef>
+              <a:spcAft>
+                <a:spcPts val="0"/>
+              </a:spcAft>
+              <a:buSzPts val="1100"/>
               <a:buChar char="●"/>
               <a:defRPr/>
             </a:lvl7pPr>
-            <a:lvl8pPr indent="-317500" lvl="7" marL="3657600">
-              <a:spcBef>
-                <a:spcPts val="0"/>
-              </a:spcBef>
-              <a:spcAft>
-                <a:spcPts val="0"/>
-              </a:spcAft>
-              <a:buSzPts val="1400"/>
+            <a:lvl8pPr indent="-298450" lvl="7" marL="3657600">
+              <a:spcBef>
+                <a:spcPts val="0"/>
+              </a:spcBef>
+              <a:spcAft>
+                <a:spcPts val="0"/>
+              </a:spcAft>
+              <a:buSzPts val="1100"/>
               <a:buChar char="○"/>
               <a:defRPr/>
             </a:lvl8pPr>
-            <a:lvl9pPr indent="-317500" lvl="8" marL="4114800">
-              <a:spcBef>
-                <a:spcPts val="0"/>
-              </a:spcBef>
-              <a:spcAft>
-                <a:spcPts val="0"/>
-              </a:spcAft>
-              <a:buSzPts val="1400"/>
+            <a:lvl9pPr indent="-298450" lvl="8" marL="4114800">
+              <a:spcBef>
+                <a:spcPts val="0"/>
+              </a:spcBef>
+              <a:spcAft>
+                <a:spcPts val="0"/>
+              </a:spcAft>
+              <a:buSzPts val="1100"/>
               <a:buChar char="■"/>
               <a:defRPr/>
             </a:lvl9pPr>
@@ -3118,7 +4106,7 @@
       </p:sp>
       <p:sp>
         <p:nvSpPr>
-          <p:cNvPr id="19" name="Google Shape;19;p4"/>
+          <p:cNvPr id="30" name="Google Shape;30;p4"/>
           <p:cNvSpPr txBox="1"/>
           <p:nvPr>
             <p:ph idx="12" type="sldNum"/>
@@ -3126,7 +4114,7 @@
         </p:nvSpPr>
         <p:spPr>
           <a:xfrm>
-            <a:off x="8472458" y="4663217"/>
+            <a:off x="8536302" y="4749851"/>
             <a:ext cx="548700" cy="393600"/>
           </a:xfrm>
           <a:prstGeom prst="rect">
@@ -3206,7 +4194,7 @@
   <p:cSld name="TITLE_AND_TWO_COLUMNS">
     <p:spTree>
       <p:nvGrpSpPr>
-        <p:cNvPr id="20" name="Shape 20"/>
+        <p:cNvPr id="31" name="Shape 31"/>
         <p:cNvGrpSpPr/>
         <p:nvPr/>
       </p:nvGrpSpPr>
@@ -3220,7 +4208,151 @@
       </p:grpSpPr>
       <p:sp>
         <p:nvSpPr>
-          <p:cNvPr id="21" name="Google Shape;21;p5"/>
+          <p:cNvPr id="32" name="Google Shape;32;p5"/>
+          <p:cNvSpPr/>
+          <p:nvPr/>
+        </p:nvSpPr>
+        <p:spPr>
+          <a:xfrm>
+            <a:off x="0" y="0"/>
+            <a:ext cx="9144000" cy="487800"/>
+          </a:xfrm>
+          <a:prstGeom prst="rect">
+            <a:avLst/>
+          </a:prstGeom>
+          <a:solidFill>
+            <a:schemeClr val="lt2"/>
+          </a:solidFill>
+          <a:ln>
+            <a:noFill/>
+          </a:ln>
+        </p:spPr>
+        <p:txBody>
+          <a:bodyPr anchorCtr="0" anchor="ctr" bIns="91425" lIns="91425" spcFirstLastPara="1" rIns="91425" wrap="square" tIns="91425">
+            <a:noAutofit/>
+          </a:bodyPr>
+          <a:lstStyle/>
+          <a:p>
+            <a:pPr indent="0" lvl="0" marL="0" rtl="0" algn="l">
+              <a:spcBef>
+                <a:spcPts val="0"/>
+              </a:spcBef>
+              <a:spcAft>
+                <a:spcPts val="0"/>
+              </a:spcAft>
+              <a:buNone/>
+            </a:pPr>
+            <a:r>
+              <a:t/>
+            </a:r>
+            <a:endParaRPr/>
+          </a:p>
+        </p:txBody>
+      </p:sp>
+      <p:grpSp>
+        <p:nvGrpSpPr>
+          <p:cNvPr id="33" name="Google Shape;33;p5"/>
+          <p:cNvGrpSpPr/>
+          <p:nvPr/>
+        </p:nvGrpSpPr>
+        <p:grpSpPr>
+          <a:xfrm>
+            <a:off x="830392" y="1191256"/>
+            <a:ext cx="745763" cy="45826"/>
+            <a:chOff x="4580561" y="2589004"/>
+            <a:chExt cx="1064464" cy="25200"/>
+          </a:xfrm>
+        </p:grpSpPr>
+        <p:sp>
+          <p:nvSpPr>
+            <p:cNvPr id="34" name="Google Shape;34;p5"/>
+            <p:cNvSpPr/>
+            <p:nvPr/>
+          </p:nvSpPr>
+          <p:spPr>
+            <a:xfrm rot="-5400000">
+              <a:off x="5366325" y="2335504"/>
+              <a:ext cx="25200" cy="532200"/>
+            </a:xfrm>
+            <a:prstGeom prst="rect">
+              <a:avLst/>
+            </a:prstGeom>
+            <a:solidFill>
+              <a:schemeClr val="accent3"/>
+            </a:solidFill>
+            <a:ln>
+              <a:noFill/>
+            </a:ln>
+          </p:spPr>
+          <p:txBody>
+            <a:bodyPr anchorCtr="0" anchor="ctr" bIns="91425" lIns="91425" spcFirstLastPara="1" rIns="91425" wrap="square" tIns="91425">
+              <a:noAutofit/>
+            </a:bodyPr>
+            <a:lstStyle/>
+            <a:p>
+              <a:pPr indent="0" lvl="0" marL="0" rtl="0" algn="l">
+                <a:spcBef>
+                  <a:spcPts val="0"/>
+                </a:spcBef>
+                <a:spcAft>
+                  <a:spcPts val="0"/>
+                </a:spcAft>
+                <a:buNone/>
+              </a:pPr>
+              <a:r>
+                <a:t/>
+              </a:r>
+              <a:endParaRPr/>
+            </a:p>
+          </p:txBody>
+        </p:sp>
+        <p:sp>
+          <p:nvSpPr>
+            <p:cNvPr id="35" name="Google Shape;35;p5"/>
+            <p:cNvSpPr/>
+            <p:nvPr/>
+          </p:nvSpPr>
+          <p:spPr>
+            <a:xfrm rot="-5400000">
+              <a:off x="4836311" y="2333254"/>
+              <a:ext cx="25200" cy="536700"/>
+            </a:xfrm>
+            <a:prstGeom prst="rect">
+              <a:avLst/>
+            </a:prstGeom>
+            <a:solidFill>
+              <a:schemeClr val="dk1"/>
+            </a:solidFill>
+            <a:ln>
+              <a:noFill/>
+            </a:ln>
+          </p:spPr>
+          <p:txBody>
+            <a:bodyPr anchorCtr="0" anchor="ctr" bIns="91425" lIns="91425" spcFirstLastPara="1" rIns="91425" wrap="square" tIns="91425">
+              <a:noAutofit/>
+            </a:bodyPr>
+            <a:lstStyle/>
+            <a:p>
+              <a:pPr indent="0" lvl="0" marL="0" rtl="0" algn="l">
+                <a:spcBef>
+                  <a:spcPts val="0"/>
+                </a:spcBef>
+                <a:spcAft>
+                  <a:spcPts val="0"/>
+                </a:spcAft>
+                <a:buNone/>
+              </a:pPr>
+              <a:r>
+                <a:t/>
+              </a:r>
+              <a:endParaRPr/>
+            </a:p>
+          </p:txBody>
+        </p:sp>
+      </p:grpSp>
+      <p:sp>
+        <p:nvSpPr>
+          <p:cNvPr id="36" name="Google Shape;36;p5"/>
           <p:cNvSpPr txBox="1"/>
           <p:nvPr>
             <p:ph type="title"/>
@@ -3228,8 +4360,8 @@
         </p:nvSpPr>
         <p:spPr>
           <a:xfrm>
-            <a:off x="311700" y="445025"/>
-            <a:ext cx="8520600" cy="572700"/>
+            <a:off x="729450" y="1318650"/>
+            <a:ext cx="7688400" cy="535200"/>
           </a:xfrm>
           <a:prstGeom prst="rect">
             <a:avLst/>
@@ -3247,9 +4379,9 @@
               <a:spcAft>
                 <a:spcPts val="0"/>
               </a:spcAft>
-              <a:buSzPts val="2800"/>
-              <a:buNone/>
-              <a:defRPr/>
+              <a:buSzPts val="2600"/>
+              <a:buNone/>
+              <a:defRPr sz="2600"/>
             </a:lvl1pPr>
             <a:lvl2pPr lvl="1">
               <a:spcBef>
@@ -3258,9 +4390,9 @@
               <a:spcAft>
                 <a:spcPts val="0"/>
               </a:spcAft>
-              <a:buSzPts val="2800"/>
-              <a:buNone/>
-              <a:defRPr/>
+              <a:buSzPts val="2600"/>
+              <a:buNone/>
+              <a:defRPr sz="2600"/>
             </a:lvl2pPr>
             <a:lvl3pPr lvl="2">
               <a:spcBef>
@@ -3269,9 +4401,9 @@
               <a:spcAft>
                 <a:spcPts val="0"/>
               </a:spcAft>
-              <a:buSzPts val="2800"/>
-              <a:buNone/>
-              <a:defRPr/>
+              <a:buSzPts val="2600"/>
+              <a:buNone/>
+              <a:defRPr sz="2600"/>
             </a:lvl3pPr>
             <a:lvl4pPr lvl="3">
               <a:spcBef>
@@ -3280,9 +4412,9 @@
               <a:spcAft>
                 <a:spcPts val="0"/>
               </a:spcAft>
-              <a:buSzPts val="2800"/>
-              <a:buNone/>
-              <a:defRPr/>
+              <a:buSzPts val="2600"/>
+              <a:buNone/>
+              <a:defRPr sz="2600"/>
             </a:lvl4pPr>
             <a:lvl5pPr lvl="4">
               <a:spcBef>
@@ -3291,9 +4423,9 @@
               <a:spcAft>
                 <a:spcPts val="0"/>
               </a:spcAft>
-              <a:buSzPts val="2800"/>
-              <a:buNone/>
-              <a:defRPr/>
+              <a:buSzPts val="2600"/>
+              <a:buNone/>
+              <a:defRPr sz="2600"/>
             </a:lvl5pPr>
             <a:lvl6pPr lvl="5">
               <a:spcBef>
@@ -3302,9 +4434,9 @@
               <a:spcAft>
                 <a:spcPts val="0"/>
               </a:spcAft>
-              <a:buSzPts val="2800"/>
-              <a:buNone/>
-              <a:defRPr/>
+              <a:buSzPts val="2600"/>
+              <a:buNone/>
+              <a:defRPr sz="2600"/>
             </a:lvl6pPr>
             <a:lvl7pPr lvl="6">
               <a:spcBef>
@@ -3313,9 +4445,9 @@
               <a:spcAft>
                 <a:spcPts val="0"/>
               </a:spcAft>
-              <a:buSzPts val="2800"/>
-              <a:buNone/>
-              <a:defRPr/>
+              <a:buSzPts val="2600"/>
+              <a:buNone/>
+              <a:defRPr sz="2600"/>
             </a:lvl7pPr>
             <a:lvl8pPr lvl="7">
               <a:spcBef>
@@ -3324,9 +4456,9 @@
               <a:spcAft>
                 <a:spcPts val="0"/>
               </a:spcAft>
-              <a:buSzPts val="2800"/>
-              <a:buNone/>
-              <a:defRPr/>
+              <a:buSzPts val="2600"/>
+              <a:buNone/>
+              <a:defRPr sz="2600"/>
             </a:lvl8pPr>
             <a:lvl9pPr lvl="8">
               <a:spcBef>
@@ -3335,9 +4467,9 @@
               <a:spcAft>
                 <a:spcPts val="0"/>
               </a:spcAft>
-              <a:buSzPts val="2800"/>
-              <a:buNone/>
-              <a:defRPr/>
+              <a:buSzPts val="2600"/>
+              <a:buNone/>
+              <a:defRPr sz="2600"/>
             </a:lvl9pPr>
           </a:lstStyle>
           <a:p/>
@@ -3345,7 +4477,7 @@
       </p:sp>
       <p:sp>
         <p:nvSpPr>
-          <p:cNvPr id="22" name="Google Shape;22;p5"/>
+          <p:cNvPr id="37" name="Google Shape;37;p5"/>
           <p:cNvSpPr txBox="1"/>
           <p:nvPr>
             <p:ph idx="1" type="body"/>
@@ -3353,8 +4485,8 @@
         </p:nvSpPr>
         <p:spPr>
           <a:xfrm>
-            <a:off x="311700" y="1152475"/>
-            <a:ext cx="3999900" cy="3416400"/>
+            <a:off x="729325" y="2078875"/>
+            <a:ext cx="3774300" cy="2261100"/>
           </a:xfrm>
           <a:prstGeom prst="rect">
             <a:avLst/>
@@ -3365,104 +4497,104 @@
             <a:normAutofit/>
           </a:bodyPr>
           <a:lstStyle>
-            <a:lvl1pPr indent="-317500" lvl="0" marL="457200">
-              <a:spcBef>
-                <a:spcPts val="0"/>
-              </a:spcBef>
-              <a:spcAft>
-                <a:spcPts val="0"/>
-              </a:spcAft>
-              <a:buSzPts val="1400"/>
+            <a:lvl1pPr indent="-311150" lvl="0" marL="457200">
+              <a:spcBef>
+                <a:spcPts val="0"/>
+              </a:spcBef>
+              <a:spcAft>
+                <a:spcPts val="0"/>
+              </a:spcAft>
+              <a:buSzPts val="1300"/>
               <a:buChar char="●"/>
-              <a:defRPr sz="1400"/>
+              <a:defRPr/>
             </a:lvl1pPr>
-            <a:lvl2pPr indent="-304800" lvl="1" marL="914400">
-              <a:spcBef>
-                <a:spcPts val="0"/>
-              </a:spcBef>
-              <a:spcAft>
-                <a:spcPts val="0"/>
-              </a:spcAft>
-              <a:buSzPts val="1200"/>
+            <a:lvl2pPr indent="-298450" lvl="1" marL="914400">
+              <a:spcBef>
+                <a:spcPts val="0"/>
+              </a:spcBef>
+              <a:spcAft>
+                <a:spcPts val="0"/>
+              </a:spcAft>
+              <a:buSzPts val="1100"/>
               <a:buChar char="○"/>
-              <a:defRPr sz="1200"/>
+              <a:defRPr/>
             </a:lvl2pPr>
-            <a:lvl3pPr indent="-304800" lvl="2" marL="1371600">
-              <a:spcBef>
-                <a:spcPts val="0"/>
-              </a:spcBef>
-              <a:spcAft>
-                <a:spcPts val="0"/>
-              </a:spcAft>
-              <a:buSzPts val="1200"/>
+            <a:lvl3pPr indent="-298450" lvl="2" marL="1371600">
+              <a:spcBef>
+                <a:spcPts val="0"/>
+              </a:spcBef>
+              <a:spcAft>
+                <a:spcPts val="0"/>
+              </a:spcAft>
+              <a:buSzPts val="1100"/>
               <a:buChar char="■"/>
-              <a:defRPr sz="1200"/>
+              <a:defRPr/>
             </a:lvl3pPr>
-            <a:lvl4pPr indent="-304800" lvl="3" marL="1828800">
-              <a:spcBef>
-                <a:spcPts val="0"/>
-              </a:spcBef>
-              <a:spcAft>
-                <a:spcPts val="0"/>
-              </a:spcAft>
-              <a:buSzPts val="1200"/>
+            <a:lvl4pPr indent="-298450" lvl="3" marL="1828800">
+              <a:spcBef>
+                <a:spcPts val="0"/>
+              </a:spcBef>
+              <a:spcAft>
+                <a:spcPts val="0"/>
+              </a:spcAft>
+              <a:buSzPts val="1100"/>
               <a:buChar char="●"/>
-              <a:defRPr sz="1200"/>
+              <a:defRPr/>
             </a:lvl4pPr>
-            <a:lvl5pPr indent="-304800" lvl="4" marL="2286000">
-              <a:spcBef>
-                <a:spcPts val="0"/>
-              </a:spcBef>
-              <a:spcAft>
-                <a:spcPts val="0"/>
-              </a:spcAft>
-              <a:buSzPts val="1200"/>
+            <a:lvl5pPr indent="-298450" lvl="4" marL="2286000">
+              <a:spcBef>
+                <a:spcPts val="0"/>
+              </a:spcBef>
+              <a:spcAft>
+                <a:spcPts val="0"/>
+              </a:spcAft>
+              <a:buSzPts val="1100"/>
               <a:buChar char="○"/>
-              <a:defRPr sz="1200"/>
+              <a:defRPr/>
             </a:lvl5pPr>
-            <a:lvl6pPr indent="-304800" lvl="5" marL="2743200">
-              <a:spcBef>
-                <a:spcPts val="0"/>
-              </a:spcBef>
-              <a:spcAft>
-                <a:spcPts val="0"/>
-              </a:spcAft>
-              <a:buSzPts val="1200"/>
+            <a:lvl6pPr indent="-298450" lvl="5" marL="2743200">
+              <a:spcBef>
+                <a:spcPts val="0"/>
+              </a:spcBef>
+              <a:spcAft>
+                <a:spcPts val="0"/>
+              </a:spcAft>
+              <a:buSzPts val="1100"/>
               <a:buChar char="■"/>
-              <a:defRPr sz="1200"/>
+              <a:defRPr/>
             </a:lvl6pPr>
-            <a:lvl7pPr indent="-304800" lvl="6" marL="3200400">
-              <a:spcBef>
-                <a:spcPts val="0"/>
-              </a:spcBef>
-              <a:spcAft>
-                <a:spcPts val="0"/>
-              </a:spcAft>
-              <a:buSzPts val="1200"/>
+            <a:lvl7pPr indent="-298450" lvl="6" marL="3200400">
+              <a:spcBef>
+                <a:spcPts val="0"/>
+              </a:spcBef>
+              <a:spcAft>
+                <a:spcPts val="0"/>
+              </a:spcAft>
+              <a:buSzPts val="1100"/>
               <a:buChar char="●"/>
-              <a:defRPr sz="1200"/>
+              <a:defRPr/>
             </a:lvl7pPr>
-            <a:lvl8pPr indent="-304800" lvl="7" marL="3657600">
-              <a:spcBef>
-                <a:spcPts val="0"/>
-              </a:spcBef>
-              <a:spcAft>
-                <a:spcPts val="0"/>
-              </a:spcAft>
-              <a:buSzPts val="1200"/>
+            <a:lvl8pPr indent="-298450" lvl="7" marL="3657600">
+              <a:spcBef>
+                <a:spcPts val="0"/>
+              </a:spcBef>
+              <a:spcAft>
+                <a:spcPts val="0"/>
+              </a:spcAft>
+              <a:buSzPts val="1100"/>
               <a:buChar char="○"/>
-              <a:defRPr sz="1200"/>
+              <a:defRPr/>
             </a:lvl8pPr>
-            <a:lvl9pPr indent="-304800" lvl="8" marL="4114800">
-              <a:spcBef>
-                <a:spcPts val="0"/>
-              </a:spcBef>
-              <a:spcAft>
-                <a:spcPts val="0"/>
-              </a:spcAft>
-              <a:buSzPts val="1200"/>
+            <a:lvl9pPr indent="-298450" lvl="8" marL="4114800">
+              <a:spcBef>
+                <a:spcPts val="0"/>
+              </a:spcBef>
+              <a:spcAft>
+                <a:spcPts val="0"/>
+              </a:spcAft>
+              <a:buSzPts val="1100"/>
               <a:buChar char="■"/>
-              <a:defRPr sz="1200"/>
+              <a:defRPr/>
             </a:lvl9pPr>
           </a:lstStyle>
           <a:p/>
@@ -3470,7 +4602,7 @@
       </p:sp>
       <p:sp>
         <p:nvSpPr>
-          <p:cNvPr id="23" name="Google Shape;23;p5"/>
+          <p:cNvPr id="38" name="Google Shape;38;p5"/>
           <p:cNvSpPr txBox="1"/>
           <p:nvPr>
             <p:ph idx="2" type="body"/>
@@ -3478,8 +4610,8 @@
         </p:nvSpPr>
         <p:spPr>
           <a:xfrm>
-            <a:off x="4832400" y="1152475"/>
-            <a:ext cx="3999900" cy="3416400"/>
+            <a:off x="4643604" y="2078875"/>
+            <a:ext cx="3774300" cy="2261100"/>
           </a:xfrm>
           <a:prstGeom prst="rect">
             <a:avLst/>
@@ -3490,104 +4622,104 @@
             <a:normAutofit/>
           </a:bodyPr>
           <a:lstStyle>
-            <a:lvl1pPr indent="-317500" lvl="0" marL="457200">
-              <a:spcBef>
-                <a:spcPts val="0"/>
-              </a:spcBef>
-              <a:spcAft>
-                <a:spcPts val="0"/>
-              </a:spcAft>
-              <a:buSzPts val="1400"/>
+            <a:lvl1pPr indent="-311150" lvl="0" marL="457200">
+              <a:spcBef>
+                <a:spcPts val="0"/>
+              </a:spcBef>
+              <a:spcAft>
+                <a:spcPts val="0"/>
+              </a:spcAft>
+              <a:buSzPts val="1300"/>
               <a:buChar char="●"/>
-              <a:defRPr sz="1400"/>
+              <a:defRPr/>
             </a:lvl1pPr>
-            <a:lvl2pPr indent="-304800" lvl="1" marL="914400">
-              <a:spcBef>
-                <a:spcPts val="0"/>
-              </a:spcBef>
-              <a:spcAft>
-                <a:spcPts val="0"/>
-              </a:spcAft>
-              <a:buSzPts val="1200"/>
+            <a:lvl2pPr indent="-298450" lvl="1" marL="914400">
+              <a:spcBef>
+                <a:spcPts val="0"/>
+              </a:spcBef>
+              <a:spcAft>
+                <a:spcPts val="0"/>
+              </a:spcAft>
+              <a:buSzPts val="1100"/>
               <a:buChar char="○"/>
-              <a:defRPr sz="1200"/>
+              <a:defRPr/>
             </a:lvl2pPr>
-            <a:lvl3pPr indent="-304800" lvl="2" marL="1371600">
-              <a:spcBef>
-                <a:spcPts val="0"/>
-              </a:spcBef>
-              <a:spcAft>
-                <a:spcPts val="0"/>
-              </a:spcAft>
-              <a:buSzPts val="1200"/>
+            <a:lvl3pPr indent="-298450" lvl="2" marL="1371600">
+              <a:spcBef>
+                <a:spcPts val="0"/>
+              </a:spcBef>
+              <a:spcAft>
+                <a:spcPts val="0"/>
+              </a:spcAft>
+              <a:buSzPts val="1100"/>
               <a:buChar char="■"/>
-              <a:defRPr sz="1200"/>
+              <a:defRPr/>
             </a:lvl3pPr>
-            <a:lvl4pPr indent="-304800" lvl="3" marL="1828800">
-              <a:spcBef>
-                <a:spcPts val="0"/>
-              </a:spcBef>
-              <a:spcAft>
-                <a:spcPts val="0"/>
-              </a:spcAft>
-              <a:buSzPts val="1200"/>
+            <a:lvl4pPr indent="-298450" lvl="3" marL="1828800">
+              <a:spcBef>
+                <a:spcPts val="0"/>
+              </a:spcBef>
+              <a:spcAft>
+                <a:spcPts val="0"/>
+              </a:spcAft>
+              <a:buSzPts val="1100"/>
               <a:buChar char="●"/>
-              <a:defRPr sz="1200"/>
+              <a:defRPr/>
             </a:lvl4pPr>
-            <a:lvl5pPr indent="-304800" lvl="4" marL="2286000">
-              <a:spcBef>
-                <a:spcPts val="0"/>
-              </a:spcBef>
-              <a:spcAft>
-                <a:spcPts val="0"/>
-              </a:spcAft>
-              <a:buSzPts val="1200"/>
+            <a:lvl5pPr indent="-298450" lvl="4" marL="2286000">
+              <a:spcBef>
+                <a:spcPts val="0"/>
+              </a:spcBef>
+              <a:spcAft>
+                <a:spcPts val="0"/>
+              </a:spcAft>
+              <a:buSzPts val="1100"/>
               <a:buChar char="○"/>
-              <a:defRPr sz="1200"/>
+              <a:defRPr/>
             </a:lvl5pPr>
-            <a:lvl6pPr indent="-304800" lvl="5" marL="2743200">
-              <a:spcBef>
-                <a:spcPts val="0"/>
-              </a:spcBef>
-              <a:spcAft>
-                <a:spcPts val="0"/>
-              </a:spcAft>
-              <a:buSzPts val="1200"/>
+            <a:lvl6pPr indent="-298450" lvl="5" marL="2743200">
+              <a:spcBef>
+                <a:spcPts val="0"/>
+              </a:spcBef>
+              <a:spcAft>
+                <a:spcPts val="0"/>
+              </a:spcAft>
+              <a:buSzPts val="1100"/>
               <a:buChar char="■"/>
-              <a:defRPr sz="1200"/>
+              <a:defRPr/>
             </a:lvl6pPr>
-            <a:lvl7pPr indent="-304800" lvl="6" marL="3200400">
-              <a:spcBef>
-                <a:spcPts val="0"/>
-              </a:spcBef>
-              <a:spcAft>
-                <a:spcPts val="0"/>
-              </a:spcAft>
-              <a:buSzPts val="1200"/>
+            <a:lvl7pPr indent="-298450" lvl="6" marL="3200400">
+              <a:spcBef>
+                <a:spcPts val="0"/>
+              </a:spcBef>
+              <a:spcAft>
+                <a:spcPts val="0"/>
+              </a:spcAft>
+              <a:buSzPts val="1100"/>
               <a:buChar char="●"/>
-              <a:defRPr sz="1200"/>
+              <a:defRPr/>
             </a:lvl7pPr>
-            <a:lvl8pPr indent="-304800" lvl="7" marL="3657600">
-              <a:spcBef>
-                <a:spcPts val="0"/>
-              </a:spcBef>
-              <a:spcAft>
-                <a:spcPts val="0"/>
-              </a:spcAft>
-              <a:buSzPts val="1200"/>
+            <a:lvl8pPr indent="-298450" lvl="7" marL="3657600">
+              <a:spcBef>
+                <a:spcPts val="0"/>
+              </a:spcBef>
+              <a:spcAft>
+                <a:spcPts val="0"/>
+              </a:spcAft>
+              <a:buSzPts val="1100"/>
               <a:buChar char="○"/>
-              <a:defRPr sz="1200"/>
+              <a:defRPr/>
             </a:lvl8pPr>
-            <a:lvl9pPr indent="-304800" lvl="8" marL="4114800">
-              <a:spcBef>
-                <a:spcPts val="0"/>
-              </a:spcBef>
-              <a:spcAft>
-                <a:spcPts val="0"/>
-              </a:spcAft>
-              <a:buSzPts val="1200"/>
+            <a:lvl9pPr indent="-298450" lvl="8" marL="4114800">
+              <a:spcBef>
+                <a:spcPts val="0"/>
+              </a:spcBef>
+              <a:spcAft>
+                <a:spcPts val="0"/>
+              </a:spcAft>
+              <a:buSzPts val="1100"/>
               <a:buChar char="■"/>
-              <a:defRPr sz="1200"/>
+              <a:defRPr/>
             </a:lvl9pPr>
           </a:lstStyle>
           <a:p/>
@@ -3595,7 +4727,7 @@
       </p:sp>
       <p:sp>
         <p:nvSpPr>
-          <p:cNvPr id="24" name="Google Shape;24;p5"/>
+          <p:cNvPr id="39" name="Google Shape;39;p5"/>
           <p:cNvSpPr txBox="1"/>
           <p:nvPr>
             <p:ph idx="12" type="sldNum"/>
@@ -3603,7 +4735,7 @@
         </p:nvSpPr>
         <p:spPr>
           <a:xfrm>
-            <a:off x="8472458" y="4663217"/>
+            <a:off x="8536302" y="4749851"/>
             <a:ext cx="548700" cy="393600"/>
           </a:xfrm>
           <a:prstGeom prst="rect">
@@ -3683,7 +4815,7 @@
   <p:cSld name="TITLE_ONLY">
     <p:spTree>
       <p:nvGrpSpPr>
-        <p:cNvPr id="25" name="Shape 25"/>
+        <p:cNvPr id="40" name="Shape 40"/>
         <p:cNvGrpSpPr/>
         <p:nvPr/>
       </p:nvGrpSpPr>
@@ -3697,7 +4829,151 @@
       </p:grpSpPr>
       <p:sp>
         <p:nvSpPr>
-          <p:cNvPr id="26" name="Google Shape;26;p6"/>
+          <p:cNvPr id="41" name="Google Shape;41;p6"/>
+          <p:cNvSpPr/>
+          <p:nvPr/>
+        </p:nvSpPr>
+        <p:spPr>
+          <a:xfrm>
+            <a:off x="0" y="0"/>
+            <a:ext cx="9144000" cy="487800"/>
+          </a:xfrm>
+          <a:prstGeom prst="rect">
+            <a:avLst/>
+          </a:prstGeom>
+          <a:solidFill>
+            <a:schemeClr val="lt2"/>
+          </a:solidFill>
+          <a:ln>
+            <a:noFill/>
+          </a:ln>
+        </p:spPr>
+        <p:txBody>
+          <a:bodyPr anchorCtr="0" anchor="ctr" bIns="91425" lIns="91425" spcFirstLastPara="1" rIns="91425" wrap="square" tIns="91425">
+            <a:noAutofit/>
+          </a:bodyPr>
+          <a:lstStyle/>
+          <a:p>
+            <a:pPr indent="0" lvl="0" marL="0" rtl="0" algn="l">
+              <a:spcBef>
+                <a:spcPts val="0"/>
+              </a:spcBef>
+              <a:spcAft>
+                <a:spcPts val="0"/>
+              </a:spcAft>
+              <a:buNone/>
+            </a:pPr>
+            <a:r>
+              <a:t/>
+            </a:r>
+            <a:endParaRPr/>
+          </a:p>
+        </p:txBody>
+      </p:sp>
+      <p:grpSp>
+        <p:nvGrpSpPr>
+          <p:cNvPr id="42" name="Google Shape;42;p6"/>
+          <p:cNvGrpSpPr/>
+          <p:nvPr/>
+        </p:nvGrpSpPr>
+        <p:grpSpPr>
+          <a:xfrm>
+            <a:off x="830392" y="1191256"/>
+            <a:ext cx="745763" cy="45826"/>
+            <a:chOff x="4580561" y="2589004"/>
+            <a:chExt cx="1064464" cy="25200"/>
+          </a:xfrm>
+        </p:grpSpPr>
+        <p:sp>
+          <p:nvSpPr>
+            <p:cNvPr id="43" name="Google Shape;43;p6"/>
+            <p:cNvSpPr/>
+            <p:nvPr/>
+          </p:nvSpPr>
+          <p:spPr>
+            <a:xfrm rot="-5400000">
+              <a:off x="5366325" y="2335504"/>
+              <a:ext cx="25200" cy="532200"/>
+            </a:xfrm>
+            <a:prstGeom prst="rect">
+              <a:avLst/>
+            </a:prstGeom>
+            <a:solidFill>
+              <a:schemeClr val="accent3"/>
+            </a:solidFill>
+            <a:ln>
+              <a:noFill/>
+            </a:ln>
+          </p:spPr>
+          <p:txBody>
+            <a:bodyPr anchorCtr="0" anchor="ctr" bIns="91425" lIns="91425" spcFirstLastPara="1" rIns="91425" wrap="square" tIns="91425">
+              <a:noAutofit/>
+            </a:bodyPr>
+            <a:lstStyle/>
+            <a:p>
+              <a:pPr indent="0" lvl="0" marL="0" rtl="0" algn="l">
+                <a:spcBef>
+                  <a:spcPts val="0"/>
+                </a:spcBef>
+                <a:spcAft>
+                  <a:spcPts val="0"/>
+                </a:spcAft>
+                <a:buNone/>
+              </a:pPr>
+              <a:r>
+                <a:t/>
+              </a:r>
+              <a:endParaRPr/>
+            </a:p>
+          </p:txBody>
+        </p:sp>
+        <p:sp>
+          <p:nvSpPr>
+            <p:cNvPr id="44" name="Google Shape;44;p6"/>
+            <p:cNvSpPr/>
+            <p:nvPr/>
+          </p:nvSpPr>
+          <p:spPr>
+            <a:xfrm rot="-5400000">
+              <a:off x="4836311" y="2333254"/>
+              <a:ext cx="25200" cy="536700"/>
+            </a:xfrm>
+            <a:prstGeom prst="rect">
+              <a:avLst/>
+            </a:prstGeom>
+            <a:solidFill>
+              <a:schemeClr val="dk1"/>
+            </a:solidFill>
+            <a:ln>
+              <a:noFill/>
+            </a:ln>
+          </p:spPr>
+          <p:txBody>
+            <a:bodyPr anchorCtr="0" anchor="ctr" bIns="91425" lIns="91425" spcFirstLastPara="1" rIns="91425" wrap="square" tIns="91425">
+              <a:noAutofit/>
+            </a:bodyPr>
+            <a:lstStyle/>
+            <a:p>
+              <a:pPr indent="0" lvl="0" marL="0" rtl="0" algn="l">
+                <a:spcBef>
+                  <a:spcPts val="0"/>
+                </a:spcBef>
+                <a:spcAft>
+                  <a:spcPts val="0"/>
+                </a:spcAft>
+                <a:buNone/>
+              </a:pPr>
+              <a:r>
+                <a:t/>
+              </a:r>
+              <a:endParaRPr/>
+            </a:p>
+          </p:txBody>
+        </p:sp>
+      </p:grpSp>
+      <p:sp>
+        <p:nvSpPr>
+          <p:cNvPr id="45" name="Google Shape;45;p6"/>
           <p:cNvSpPr txBox="1"/>
           <p:nvPr>
             <p:ph type="title"/>
@@ -3705,8 +4981,8 @@
         </p:nvSpPr>
         <p:spPr>
           <a:xfrm>
-            <a:off x="311700" y="445025"/>
-            <a:ext cx="8520600" cy="572700"/>
+            <a:off x="729450" y="1318650"/>
+            <a:ext cx="7688400" cy="535200"/>
           </a:xfrm>
           <a:prstGeom prst="rect">
             <a:avLst/>
@@ -3724,9 +5000,9 @@
               <a:spcAft>
                 <a:spcPts val="0"/>
               </a:spcAft>
-              <a:buSzPts val="2800"/>
-              <a:buNone/>
-              <a:defRPr/>
+              <a:buSzPts val="2600"/>
+              <a:buNone/>
+              <a:defRPr sz="2600"/>
             </a:lvl1pPr>
             <a:lvl2pPr lvl="1">
               <a:spcBef>
@@ -3735,9 +5011,9 @@
               <a:spcAft>
                 <a:spcPts val="0"/>
               </a:spcAft>
-              <a:buSzPts val="2800"/>
-              <a:buNone/>
-              <a:defRPr/>
+              <a:buSzPts val="2600"/>
+              <a:buNone/>
+              <a:defRPr sz="2600"/>
             </a:lvl2pPr>
             <a:lvl3pPr lvl="2">
               <a:spcBef>
@@ -3746,9 +5022,9 @@
               <a:spcAft>
                 <a:spcPts val="0"/>
               </a:spcAft>
-              <a:buSzPts val="2800"/>
-              <a:buNone/>
-              <a:defRPr/>
+              <a:buSzPts val="2600"/>
+              <a:buNone/>
+              <a:defRPr sz="2600"/>
             </a:lvl3pPr>
             <a:lvl4pPr lvl="3">
               <a:spcBef>
@@ -3757,9 +5033,9 @@
               <a:spcAft>
                 <a:spcPts val="0"/>
               </a:spcAft>
-              <a:buSzPts val="2800"/>
-              <a:buNone/>
-              <a:defRPr/>
+              <a:buSzPts val="2600"/>
+              <a:buNone/>
+              <a:defRPr sz="2600"/>
             </a:lvl4pPr>
             <a:lvl5pPr lvl="4">
               <a:spcBef>
@@ -3768,9 +5044,9 @@
               <a:spcAft>
                 <a:spcPts val="0"/>
               </a:spcAft>
-              <a:buSzPts val="2800"/>
-              <a:buNone/>
-              <a:defRPr/>
+              <a:buSzPts val="2600"/>
+              <a:buNone/>
+              <a:defRPr sz="2600"/>
             </a:lvl5pPr>
             <a:lvl6pPr lvl="5">
               <a:spcBef>
@@ -3779,9 +5055,9 @@
               <a:spcAft>
                 <a:spcPts val="0"/>
               </a:spcAft>
-              <a:buSzPts val="2800"/>
-              <a:buNone/>
-              <a:defRPr/>
+              <a:buSzPts val="2600"/>
+              <a:buNone/>
+              <a:defRPr sz="2600"/>
             </a:lvl6pPr>
             <a:lvl7pPr lvl="6">
               <a:spcBef>
@@ -3790,9 +5066,9 @@
               <a:spcAft>
                 <a:spcPts val="0"/>
               </a:spcAft>
-              <a:buSzPts val="2800"/>
-              <a:buNone/>
-              <a:defRPr/>
+              <a:buSzPts val="2600"/>
+              <a:buNone/>
+              <a:defRPr sz="2600"/>
             </a:lvl7pPr>
             <a:lvl8pPr lvl="7">
               <a:spcBef>
@@ -3801,9 +5077,9 @@
               <a:spcAft>
                 <a:spcPts val="0"/>
               </a:spcAft>
-              <a:buSzPts val="2800"/>
-              <a:buNone/>
-              <a:defRPr/>
+              <a:buSzPts val="2600"/>
+              <a:buNone/>
+              <a:defRPr sz="2600"/>
             </a:lvl8pPr>
             <a:lvl9pPr lvl="8">
               <a:spcBef>
@@ -3812,9 +5088,9 @@
               <a:spcAft>
                 <a:spcPts val="0"/>
               </a:spcAft>
-              <a:buSzPts val="2800"/>
-              <a:buNone/>
-              <a:defRPr/>
+              <a:buSzPts val="2600"/>
+              <a:buNone/>
+              <a:defRPr sz="2600"/>
             </a:lvl9pPr>
           </a:lstStyle>
           <a:p/>
@@ -3822,7 +5098,7 @@
       </p:sp>
       <p:sp>
         <p:nvSpPr>
-          <p:cNvPr id="27" name="Google Shape;27;p6"/>
+          <p:cNvPr id="46" name="Google Shape;46;p6"/>
           <p:cNvSpPr txBox="1"/>
           <p:nvPr>
             <p:ph idx="12" type="sldNum"/>
@@ -3830,7 +5106,7 @@
         </p:nvSpPr>
         <p:spPr>
           <a:xfrm>
-            <a:off x="8472458" y="4663217"/>
+            <a:off x="8536302" y="4749851"/>
             <a:ext cx="548700" cy="393600"/>
           </a:xfrm>
           <a:prstGeom prst="rect">
@@ -3910,7 +5186,7 @@
   <p:cSld name="ONE_COLUMN_TEXT">
     <p:spTree>
       <p:nvGrpSpPr>
-        <p:cNvPr id="28" name="Shape 28"/>
+        <p:cNvPr id="47" name="Shape 47"/>
         <p:cNvGrpSpPr/>
         <p:nvPr/>
       </p:nvGrpSpPr>
@@ -3924,7 +5200,151 @@
       </p:grpSpPr>
       <p:sp>
         <p:nvSpPr>
-          <p:cNvPr id="29" name="Google Shape;29;p7"/>
+          <p:cNvPr id="48" name="Google Shape;48;p7"/>
+          <p:cNvSpPr/>
+          <p:nvPr/>
+        </p:nvSpPr>
+        <p:spPr>
+          <a:xfrm>
+            <a:off x="0" y="0"/>
+            <a:ext cx="9144000" cy="487800"/>
+          </a:xfrm>
+          <a:prstGeom prst="rect">
+            <a:avLst/>
+          </a:prstGeom>
+          <a:solidFill>
+            <a:schemeClr val="lt2"/>
+          </a:solidFill>
+          <a:ln>
+            <a:noFill/>
+          </a:ln>
+        </p:spPr>
+        <p:txBody>
+          <a:bodyPr anchorCtr="0" anchor="ctr" bIns="91425" lIns="91425" spcFirstLastPara="1" rIns="91425" wrap="square" tIns="91425">
+            <a:noAutofit/>
+          </a:bodyPr>
+          <a:lstStyle/>
+          <a:p>
+            <a:pPr indent="0" lvl="0" marL="0" rtl="0" algn="l">
+              <a:spcBef>
+                <a:spcPts val="0"/>
+              </a:spcBef>
+              <a:spcAft>
+                <a:spcPts val="0"/>
+              </a:spcAft>
+              <a:buNone/>
+            </a:pPr>
+            <a:r>
+              <a:t/>
+            </a:r>
+            <a:endParaRPr/>
+          </a:p>
+        </p:txBody>
+      </p:sp>
+      <p:grpSp>
+        <p:nvGrpSpPr>
+          <p:cNvPr id="49" name="Google Shape;49;p7"/>
+          <p:cNvGrpSpPr/>
+          <p:nvPr/>
+        </p:nvGrpSpPr>
+        <p:grpSpPr>
+          <a:xfrm>
+            <a:off x="830392" y="1191256"/>
+            <a:ext cx="745763" cy="45826"/>
+            <a:chOff x="4580561" y="2589004"/>
+            <a:chExt cx="1064464" cy="25200"/>
+          </a:xfrm>
+        </p:grpSpPr>
+        <p:sp>
+          <p:nvSpPr>
+            <p:cNvPr id="50" name="Google Shape;50;p7"/>
+            <p:cNvSpPr/>
+            <p:nvPr/>
+          </p:nvSpPr>
+          <p:spPr>
+            <a:xfrm rot="-5400000">
+              <a:off x="5366325" y="2335504"/>
+              <a:ext cx="25200" cy="532200"/>
+            </a:xfrm>
+            <a:prstGeom prst="rect">
+              <a:avLst/>
+            </a:prstGeom>
+            <a:solidFill>
+              <a:schemeClr val="accent3"/>
+            </a:solidFill>
+            <a:ln>
+              <a:noFill/>
+            </a:ln>
+          </p:spPr>
+          <p:txBody>
+            <a:bodyPr anchorCtr="0" anchor="ctr" bIns="91425" lIns="91425" spcFirstLastPara="1" rIns="91425" wrap="square" tIns="91425">
+              <a:noAutofit/>
+            </a:bodyPr>
+            <a:lstStyle/>
+            <a:p>
+              <a:pPr indent="0" lvl="0" marL="0" rtl="0" algn="l">
+                <a:spcBef>
+                  <a:spcPts val="0"/>
+                </a:spcBef>
+                <a:spcAft>
+                  <a:spcPts val="0"/>
+                </a:spcAft>
+                <a:buNone/>
+              </a:pPr>
+              <a:r>
+                <a:t/>
+              </a:r>
+              <a:endParaRPr/>
+            </a:p>
+          </p:txBody>
+        </p:sp>
+        <p:sp>
+          <p:nvSpPr>
+            <p:cNvPr id="51" name="Google Shape;51;p7"/>
+            <p:cNvSpPr/>
+            <p:nvPr/>
+          </p:nvSpPr>
+          <p:spPr>
+            <a:xfrm rot="-5400000">
+              <a:off x="4836311" y="2333254"/>
+              <a:ext cx="25200" cy="536700"/>
+            </a:xfrm>
+            <a:prstGeom prst="rect">
+              <a:avLst/>
+            </a:prstGeom>
+            <a:solidFill>
+              <a:schemeClr val="dk1"/>
+            </a:solidFill>
+            <a:ln>
+              <a:noFill/>
+            </a:ln>
+          </p:spPr>
+          <p:txBody>
+            <a:bodyPr anchorCtr="0" anchor="ctr" bIns="91425" lIns="91425" spcFirstLastPara="1" rIns="91425" wrap="square" tIns="91425">
+              <a:noAutofit/>
+            </a:bodyPr>
+            <a:lstStyle/>
+            <a:p>
+              <a:pPr indent="0" lvl="0" marL="0" rtl="0" algn="l">
+                <a:spcBef>
+                  <a:spcPts val="0"/>
+                </a:spcBef>
+                <a:spcAft>
+                  <a:spcPts val="0"/>
+                </a:spcAft>
+                <a:buNone/>
+              </a:pPr>
+              <a:r>
+                <a:t/>
+              </a:r>
+              <a:endParaRPr/>
+            </a:p>
+          </p:txBody>
+        </p:sp>
+      </p:grpSp>
+      <p:sp>
+        <p:nvSpPr>
+          <p:cNvPr id="52" name="Google Shape;52;p7"/>
           <p:cNvSpPr txBox="1"/>
           <p:nvPr>
             <p:ph type="title"/>
@@ -3932,133 +5352,8 @@
         </p:nvSpPr>
         <p:spPr>
           <a:xfrm>
-            <a:off x="311700" y="555600"/>
-            <a:ext cx="2808000" cy="755700"/>
-          </a:xfrm>
-          <a:prstGeom prst="rect">
-            <a:avLst/>
-          </a:prstGeom>
-        </p:spPr>
-        <p:txBody>
-          <a:bodyPr anchorCtr="0" anchor="b" bIns="91425" lIns="91425" spcFirstLastPara="1" rIns="91425" wrap="square" tIns="91425">
-            <a:normAutofit/>
-          </a:bodyPr>
-          <a:lstStyle>
-            <a:lvl1pPr lvl="0">
-              <a:spcBef>
-                <a:spcPts val="0"/>
-              </a:spcBef>
-              <a:spcAft>
-                <a:spcPts val="0"/>
-              </a:spcAft>
-              <a:buSzPts val="2400"/>
-              <a:buNone/>
-              <a:defRPr sz="2400"/>
-            </a:lvl1pPr>
-            <a:lvl2pPr lvl="1">
-              <a:spcBef>
-                <a:spcPts val="0"/>
-              </a:spcBef>
-              <a:spcAft>
-                <a:spcPts val="0"/>
-              </a:spcAft>
-              <a:buSzPts val="2400"/>
-              <a:buNone/>
-              <a:defRPr sz="2400"/>
-            </a:lvl2pPr>
-            <a:lvl3pPr lvl="2">
-              <a:spcBef>
-                <a:spcPts val="0"/>
-              </a:spcBef>
-              <a:spcAft>
-                <a:spcPts val="0"/>
-              </a:spcAft>
-              <a:buSzPts val="2400"/>
-              <a:buNone/>
-              <a:defRPr sz="2400"/>
-            </a:lvl3pPr>
-            <a:lvl4pPr lvl="3">
-              <a:spcBef>
-                <a:spcPts val="0"/>
-              </a:spcBef>
-              <a:spcAft>
-                <a:spcPts val="0"/>
-              </a:spcAft>
-              <a:buSzPts val="2400"/>
-              <a:buNone/>
-              <a:defRPr sz="2400"/>
-            </a:lvl4pPr>
-            <a:lvl5pPr lvl="4">
-              <a:spcBef>
-                <a:spcPts val="0"/>
-              </a:spcBef>
-              <a:spcAft>
-                <a:spcPts val="0"/>
-              </a:spcAft>
-              <a:buSzPts val="2400"/>
-              <a:buNone/>
-              <a:defRPr sz="2400"/>
-            </a:lvl5pPr>
-            <a:lvl6pPr lvl="5">
-              <a:spcBef>
-                <a:spcPts val="0"/>
-              </a:spcBef>
-              <a:spcAft>
-                <a:spcPts val="0"/>
-              </a:spcAft>
-              <a:buSzPts val="2400"/>
-              <a:buNone/>
-              <a:defRPr sz="2400"/>
-            </a:lvl6pPr>
-            <a:lvl7pPr lvl="6">
-              <a:spcBef>
-                <a:spcPts val="0"/>
-              </a:spcBef>
-              <a:spcAft>
-                <a:spcPts val="0"/>
-              </a:spcAft>
-              <a:buSzPts val="2400"/>
-              <a:buNone/>
-              <a:defRPr sz="2400"/>
-            </a:lvl7pPr>
-            <a:lvl8pPr lvl="7">
-              <a:spcBef>
-                <a:spcPts val="0"/>
-              </a:spcBef>
-              <a:spcAft>
-                <a:spcPts val="0"/>
-              </a:spcAft>
-              <a:buSzPts val="2400"/>
-              <a:buNone/>
-              <a:defRPr sz="2400"/>
-            </a:lvl8pPr>
-            <a:lvl9pPr lvl="8">
-              <a:spcBef>
-                <a:spcPts val="0"/>
-              </a:spcBef>
-              <a:spcAft>
-                <a:spcPts val="0"/>
-              </a:spcAft>
-              <a:buSzPts val="2400"/>
-              <a:buNone/>
-              <a:defRPr sz="2400"/>
-            </a:lvl9pPr>
-          </a:lstStyle>
-          <a:p/>
-        </p:txBody>
-      </p:sp>
-      <p:sp>
-        <p:nvSpPr>
-          <p:cNvPr id="30" name="Google Shape;30;p7"/>
-          <p:cNvSpPr txBox="1"/>
-          <p:nvPr>
-            <p:ph idx="1" type="body"/>
-          </p:nvPr>
-        </p:nvSpPr>
-        <p:spPr>
-          <a:xfrm>
-            <a:off x="311700" y="1389600"/>
-            <a:ext cx="2808000" cy="3179400"/>
+            <a:off x="730000" y="1318650"/>
+            <a:ext cx="3300900" cy="1381500"/>
           </a:xfrm>
           <a:prstGeom prst="rect">
             <a:avLst/>
@@ -4069,104 +5364,104 @@
             <a:normAutofit/>
           </a:bodyPr>
           <a:lstStyle>
-            <a:lvl1pPr indent="-304800" lvl="0" marL="457200">
-              <a:spcBef>
-                <a:spcPts val="0"/>
-              </a:spcBef>
-              <a:spcAft>
-                <a:spcPts val="0"/>
-              </a:spcAft>
-              <a:buSzPts val="1200"/>
-              <a:buChar char="●"/>
-              <a:defRPr sz="1200"/>
+            <a:lvl1pPr lvl="0">
+              <a:spcBef>
+                <a:spcPts val="0"/>
+              </a:spcBef>
+              <a:spcAft>
+                <a:spcPts val="0"/>
+              </a:spcAft>
+              <a:buSzPts val="2600"/>
+              <a:buNone/>
+              <a:defRPr sz="2600"/>
             </a:lvl1pPr>
-            <a:lvl2pPr indent="-304800" lvl="1" marL="914400">
-              <a:spcBef>
-                <a:spcPts val="0"/>
-              </a:spcBef>
-              <a:spcAft>
-                <a:spcPts val="0"/>
-              </a:spcAft>
-              <a:buSzPts val="1200"/>
-              <a:buChar char="○"/>
-              <a:defRPr sz="1200"/>
+            <a:lvl2pPr lvl="1">
+              <a:spcBef>
+                <a:spcPts val="0"/>
+              </a:spcBef>
+              <a:spcAft>
+                <a:spcPts val="0"/>
+              </a:spcAft>
+              <a:buSzPts val="2600"/>
+              <a:buNone/>
+              <a:defRPr sz="2600"/>
             </a:lvl2pPr>
-            <a:lvl3pPr indent="-304800" lvl="2" marL="1371600">
-              <a:spcBef>
-                <a:spcPts val="0"/>
-              </a:spcBef>
-              <a:spcAft>
-                <a:spcPts val="0"/>
-              </a:spcAft>
-              <a:buSzPts val="1200"/>
-              <a:buChar char="■"/>
-              <a:defRPr sz="1200"/>
+            <a:lvl3pPr lvl="2">
+              <a:spcBef>
+                <a:spcPts val="0"/>
+              </a:spcBef>
+              <a:spcAft>
+                <a:spcPts val="0"/>
+              </a:spcAft>
+              <a:buSzPts val="2600"/>
+              <a:buNone/>
+              <a:defRPr sz="2600"/>
             </a:lvl3pPr>
-            <a:lvl4pPr indent="-304800" lvl="3" marL="1828800">
-              <a:spcBef>
-                <a:spcPts val="0"/>
-              </a:spcBef>
-              <a:spcAft>
-                <a:spcPts val="0"/>
-              </a:spcAft>
-              <a:buSzPts val="1200"/>
-              <a:buChar char="●"/>
-              <a:defRPr sz="1200"/>
+            <a:lvl4pPr lvl="3">
+              <a:spcBef>
+                <a:spcPts val="0"/>
+              </a:spcBef>
+              <a:spcAft>
+                <a:spcPts val="0"/>
+              </a:spcAft>
+              <a:buSzPts val="2600"/>
+              <a:buNone/>
+              <a:defRPr sz="2600"/>
             </a:lvl4pPr>
-            <a:lvl5pPr indent="-304800" lvl="4" marL="2286000">
-              <a:spcBef>
-                <a:spcPts val="0"/>
-              </a:spcBef>
-              <a:spcAft>
-                <a:spcPts val="0"/>
-              </a:spcAft>
-              <a:buSzPts val="1200"/>
-              <a:buChar char="○"/>
-              <a:defRPr sz="1200"/>
+            <a:lvl5pPr lvl="4">
+              <a:spcBef>
+                <a:spcPts val="0"/>
+              </a:spcBef>
+              <a:spcAft>
+                <a:spcPts val="0"/>
+              </a:spcAft>
+              <a:buSzPts val="2600"/>
+              <a:buNone/>
+              <a:defRPr sz="2600"/>
             </a:lvl5pPr>
-            <a:lvl6pPr indent="-304800" lvl="5" marL="2743200">
-              <a:spcBef>
-                <a:spcPts val="0"/>
-              </a:spcBef>
-              <a:spcAft>
-                <a:spcPts val="0"/>
-              </a:spcAft>
-              <a:buSzPts val="1200"/>
-              <a:buChar char="■"/>
-              <a:defRPr sz="1200"/>
+            <a:lvl6pPr lvl="5">
+              <a:spcBef>
+                <a:spcPts val="0"/>
+              </a:spcBef>
+              <a:spcAft>
+                <a:spcPts val="0"/>
+              </a:spcAft>
+              <a:buSzPts val="2600"/>
+              <a:buNone/>
+              <a:defRPr sz="2600"/>
             </a:lvl6pPr>
-            <a:lvl7pPr indent="-304800" lvl="6" marL="3200400">
-              <a:spcBef>
-                <a:spcPts val="0"/>
-              </a:spcBef>
-              <a:spcAft>
-                <a:spcPts val="0"/>
-              </a:spcAft>
-              <a:buSzPts val="1200"/>
-              <a:buChar char="●"/>
-              <a:defRPr sz="1200"/>
+            <a:lvl7pPr lvl="6">
+              <a:spcBef>
+                <a:spcPts val="0"/>
+              </a:spcBef>
+              <a:spcAft>
+                <a:spcPts val="0"/>
+              </a:spcAft>
+              <a:buSzPts val="2600"/>
+              <a:buNone/>
+              <a:defRPr sz="2600"/>
             </a:lvl7pPr>
-            <a:lvl8pPr indent="-304800" lvl="7" marL="3657600">
-              <a:spcBef>
-                <a:spcPts val="0"/>
-              </a:spcBef>
-              <a:spcAft>
-                <a:spcPts val="0"/>
-              </a:spcAft>
-              <a:buSzPts val="1200"/>
-              <a:buChar char="○"/>
-              <a:defRPr sz="1200"/>
+            <a:lvl8pPr lvl="7">
+              <a:spcBef>
+                <a:spcPts val="0"/>
+              </a:spcBef>
+              <a:spcAft>
+                <a:spcPts val="0"/>
+              </a:spcAft>
+              <a:buSzPts val="2600"/>
+              <a:buNone/>
+              <a:defRPr sz="2600"/>
             </a:lvl8pPr>
-            <a:lvl9pPr indent="-304800" lvl="8" marL="4114800">
-              <a:spcBef>
-                <a:spcPts val="0"/>
-              </a:spcBef>
-              <a:spcAft>
-                <a:spcPts val="0"/>
-              </a:spcAft>
-              <a:buSzPts val="1200"/>
-              <a:buChar char="■"/>
-              <a:defRPr sz="1200"/>
+            <a:lvl9pPr lvl="8">
+              <a:spcBef>
+                <a:spcPts val="0"/>
+              </a:spcBef>
+              <a:spcAft>
+                <a:spcPts val="0"/>
+              </a:spcAft>
+              <a:buSzPts val="2600"/>
+              <a:buNone/>
+              <a:defRPr sz="2600"/>
             </a:lvl9pPr>
           </a:lstStyle>
           <a:p/>
@@ -4174,7 +5469,132 @@
       </p:sp>
       <p:sp>
         <p:nvSpPr>
-          <p:cNvPr id="31" name="Google Shape;31;p7"/>
+          <p:cNvPr id="53" name="Google Shape;53;p7"/>
+          <p:cNvSpPr txBox="1"/>
+          <p:nvPr>
+            <p:ph idx="1" type="body"/>
+          </p:nvPr>
+        </p:nvSpPr>
+        <p:spPr>
+          <a:xfrm>
+            <a:off x="721225" y="2781725"/>
+            <a:ext cx="3300900" cy="1597500"/>
+          </a:xfrm>
+          <a:prstGeom prst="rect">
+            <a:avLst/>
+          </a:prstGeom>
+        </p:spPr>
+        <p:txBody>
+          <a:bodyPr anchorCtr="0" anchor="t" bIns="91425" lIns="91425" spcFirstLastPara="1" rIns="91425" wrap="square" tIns="91425">
+            <a:normAutofit/>
+          </a:bodyPr>
+          <a:lstStyle>
+            <a:lvl1pPr indent="-311150" lvl="0" marL="457200">
+              <a:spcBef>
+                <a:spcPts val="0"/>
+              </a:spcBef>
+              <a:spcAft>
+                <a:spcPts val="0"/>
+              </a:spcAft>
+              <a:buSzPts val="1300"/>
+              <a:buChar char="●"/>
+              <a:defRPr/>
+            </a:lvl1pPr>
+            <a:lvl2pPr indent="-298450" lvl="1" marL="914400">
+              <a:spcBef>
+                <a:spcPts val="0"/>
+              </a:spcBef>
+              <a:spcAft>
+                <a:spcPts val="0"/>
+              </a:spcAft>
+              <a:buSzPts val="1100"/>
+              <a:buChar char="○"/>
+              <a:defRPr/>
+            </a:lvl2pPr>
+            <a:lvl3pPr indent="-298450" lvl="2" marL="1371600">
+              <a:spcBef>
+                <a:spcPts val="0"/>
+              </a:spcBef>
+              <a:spcAft>
+                <a:spcPts val="0"/>
+              </a:spcAft>
+              <a:buSzPts val="1100"/>
+              <a:buChar char="■"/>
+              <a:defRPr/>
+            </a:lvl3pPr>
+            <a:lvl4pPr indent="-298450" lvl="3" marL="1828800">
+              <a:spcBef>
+                <a:spcPts val="0"/>
+              </a:spcBef>
+              <a:spcAft>
+                <a:spcPts val="0"/>
+              </a:spcAft>
+              <a:buSzPts val="1100"/>
+              <a:buChar char="●"/>
+              <a:defRPr/>
+            </a:lvl4pPr>
+            <a:lvl5pPr indent="-298450" lvl="4" marL="2286000">
+              <a:spcBef>
+                <a:spcPts val="0"/>
+              </a:spcBef>
+              <a:spcAft>
+                <a:spcPts val="0"/>
+              </a:spcAft>
+              <a:buSzPts val="1100"/>
+              <a:buChar char="○"/>
+              <a:defRPr/>
+            </a:lvl5pPr>
+            <a:lvl6pPr indent="-298450" lvl="5" marL="2743200">
+              <a:spcBef>
+                <a:spcPts val="0"/>
+              </a:spcBef>
+              <a:spcAft>
+                <a:spcPts val="0"/>
+              </a:spcAft>
+              <a:buSzPts val="1100"/>
+              <a:buChar char="■"/>
+              <a:defRPr/>
+            </a:lvl6pPr>
+            <a:lvl7pPr indent="-298450" lvl="6" marL="3200400">
+              <a:spcBef>
+                <a:spcPts val="0"/>
+              </a:spcBef>
+              <a:spcAft>
+                <a:spcPts val="0"/>
+              </a:spcAft>
+              <a:buSzPts val="1100"/>
+              <a:buChar char="●"/>
+              <a:defRPr/>
+            </a:lvl7pPr>
+            <a:lvl8pPr indent="-298450" lvl="7" marL="3657600">
+              <a:spcBef>
+                <a:spcPts val="0"/>
+              </a:spcBef>
+              <a:spcAft>
+                <a:spcPts val="0"/>
+              </a:spcAft>
+              <a:buSzPts val="1100"/>
+              <a:buChar char="○"/>
+              <a:defRPr/>
+            </a:lvl8pPr>
+            <a:lvl9pPr indent="-298450" lvl="8" marL="4114800">
+              <a:spcBef>
+                <a:spcPts val="0"/>
+              </a:spcBef>
+              <a:spcAft>
+                <a:spcPts val="0"/>
+              </a:spcAft>
+              <a:buSzPts val="1100"/>
+              <a:buChar char="■"/>
+              <a:defRPr/>
+            </a:lvl9pPr>
+          </a:lstStyle>
+          <a:p/>
+        </p:txBody>
+      </p:sp>
+      <p:sp>
+        <p:nvSpPr>
+          <p:cNvPr id="54" name="Google Shape;54;p7"/>
           <p:cNvSpPr txBox="1"/>
           <p:nvPr>
             <p:ph idx="12" type="sldNum"/>
@@ -4182,7 +5602,7 @@
         </p:nvSpPr>
         <p:spPr>
           <a:xfrm>
-            <a:off x="8472458" y="4663217"/>
+            <a:off x="8536302" y="4749851"/>
             <a:ext cx="548700" cy="393600"/>
           </a:xfrm>
           <a:prstGeom prst="rect">
@@ -4260,9 +5680,16 @@
 <file path=ppt/slideLayouts/slideLayout7.xml><?xml version="1.0" encoding="utf-8"?>
 <p:sldLayout xmlns:a="http://schemas.openxmlformats.org/drawingml/2006/main" xmlns:r="http://schemas.openxmlformats.org/officeDocument/2006/relationships" xmlns:mc="http://schemas.openxmlformats.org/markup-compatibility/2006" xmlns:mv="urn:schemas-microsoft-com:mac:vml" xmlns:p="http://schemas.openxmlformats.org/presentationml/2006/main" xmlns:c="http://schemas.openxmlformats.org/drawingml/2006/chart" xmlns:dgm="http://schemas.openxmlformats.org/drawingml/2006/diagram" xmlns:o="urn:schemas-microsoft-com:office:office" xmlns:v="urn:schemas-microsoft-com:vml" xmlns:pvml="urn:schemas-microsoft-com:office:powerpoint" xmlns:com="http://schemas.openxmlformats.org/drawingml/2006/compatibility" xmlns:p14="http://schemas.microsoft.com/office/powerpoint/2010/main" xmlns:p15="http://schemas.microsoft.com/office/powerpoint/2012/main" xmlns:ahyp="http://schemas.microsoft.com/office/drawing/2018/hyperlinkcolor" matchingName="Main point">
   <p:cSld name="MAIN_POINT">
+    <p:bg>
+      <p:bgPr>
+        <a:solidFill>
+          <a:schemeClr val="accent3"/>
+        </a:solidFill>
+      </p:bgPr>
+    </p:bg>
     <p:spTree>
       <p:nvGrpSpPr>
-        <p:cNvPr id="32" name="Shape 32"/>
+        <p:cNvPr id="55" name="Shape 55"/>
         <p:cNvGrpSpPr/>
         <p:nvPr/>
       </p:nvGrpSpPr>
@@ -4274,9 +5701,110 @@
           <a:chExt cx="0" cy="0"/>
         </a:xfrm>
       </p:grpSpPr>
+      <p:grpSp>
+        <p:nvGrpSpPr>
+          <p:cNvPr id="56" name="Google Shape;56;p8"/>
+          <p:cNvGrpSpPr/>
+          <p:nvPr/>
+        </p:nvGrpSpPr>
+        <p:grpSpPr>
+          <a:xfrm>
+            <a:off x="830392" y="4169130"/>
+            <a:ext cx="745763" cy="45826"/>
+            <a:chOff x="4580561" y="2589004"/>
+            <a:chExt cx="1064464" cy="25200"/>
+          </a:xfrm>
+        </p:grpSpPr>
+        <p:sp>
+          <p:nvSpPr>
+            <p:cNvPr id="57" name="Google Shape;57;p8"/>
+            <p:cNvSpPr/>
+            <p:nvPr/>
+          </p:nvSpPr>
+          <p:spPr>
+            <a:xfrm rot="-5400000">
+              <a:off x="5366325" y="2335504"/>
+              <a:ext cx="25200" cy="532200"/>
+            </a:xfrm>
+            <a:prstGeom prst="rect">
+              <a:avLst/>
+            </a:prstGeom>
+            <a:solidFill>
+              <a:schemeClr val="lt1"/>
+            </a:solidFill>
+            <a:ln>
+              <a:noFill/>
+            </a:ln>
+          </p:spPr>
+          <p:txBody>
+            <a:bodyPr anchorCtr="0" anchor="ctr" bIns="91425" lIns="91425" spcFirstLastPara="1" rIns="91425" wrap="square" tIns="91425">
+              <a:noAutofit/>
+            </a:bodyPr>
+            <a:lstStyle/>
+            <a:p>
+              <a:pPr indent="0" lvl="0" marL="0" rtl="0" algn="l">
+                <a:spcBef>
+                  <a:spcPts val="0"/>
+                </a:spcBef>
+                <a:spcAft>
+                  <a:spcPts val="0"/>
+                </a:spcAft>
+                <a:buNone/>
+              </a:pPr>
+              <a:r>
+                <a:t/>
+              </a:r>
+              <a:endParaRPr/>
+            </a:p>
+          </p:txBody>
+        </p:sp>
+        <p:sp>
+          <p:nvSpPr>
+            <p:cNvPr id="58" name="Google Shape;58;p8"/>
+            <p:cNvSpPr/>
+            <p:nvPr/>
+          </p:nvSpPr>
+          <p:spPr>
+            <a:xfrm rot="-5400000">
+              <a:off x="4836311" y="2333254"/>
+              <a:ext cx="25200" cy="536700"/>
+            </a:xfrm>
+            <a:prstGeom prst="rect">
+              <a:avLst/>
+            </a:prstGeom>
+            <a:solidFill>
+              <a:schemeClr val="lt1"/>
+            </a:solidFill>
+            <a:ln>
+              <a:noFill/>
+            </a:ln>
+          </p:spPr>
+          <p:txBody>
+            <a:bodyPr anchorCtr="0" anchor="ctr" bIns="91425" lIns="91425" spcFirstLastPara="1" rIns="91425" wrap="square" tIns="91425">
+              <a:noAutofit/>
+            </a:bodyPr>
+            <a:lstStyle/>
+            <a:p>
+              <a:pPr indent="0" lvl="0" marL="0" rtl="0" algn="l">
+                <a:spcBef>
+                  <a:spcPts val="0"/>
+                </a:spcBef>
+                <a:spcAft>
+                  <a:spcPts val="0"/>
+                </a:spcAft>
+                <a:buNone/>
+              </a:pPr>
+              <a:r>
+                <a:t/>
+              </a:r>
+              <a:endParaRPr/>
+            </a:p>
+          </p:txBody>
+        </p:sp>
+      </p:grpSp>
       <p:sp>
         <p:nvSpPr>
-          <p:cNvPr id="33" name="Google Shape;33;p8"/>
+          <p:cNvPr id="59" name="Google Shape;59;p8"/>
           <p:cNvSpPr txBox="1"/>
           <p:nvPr>
             <p:ph type="title"/>
@@ -4284,8 +5812,8 @@
         </p:nvSpPr>
         <p:spPr>
           <a:xfrm>
-            <a:off x="490250" y="450150"/>
-            <a:ext cx="6367800" cy="4090800"/>
+            <a:off x="729450" y="864300"/>
+            <a:ext cx="7021200" cy="2985000"/>
           </a:xfrm>
           <a:prstGeom prst="rect">
             <a:avLst/>
@@ -4303,9 +5831,16 @@
               <a:spcAft>
                 <a:spcPts val="0"/>
               </a:spcAft>
-              <a:buSzPts val="4800"/>
-              <a:buNone/>
-              <a:defRPr sz="4800"/>
+              <a:buClr>
+                <a:schemeClr val="lt1"/>
+              </a:buClr>
+              <a:buSzPts val="3600"/>
+              <a:buNone/>
+              <a:defRPr sz="3600">
+                <a:solidFill>
+                  <a:schemeClr val="lt1"/>
+                </a:solidFill>
+              </a:defRPr>
             </a:lvl1pPr>
             <a:lvl2pPr lvl="1">
               <a:spcBef>
@@ -4314,9 +5849,16 @@
               <a:spcAft>
                 <a:spcPts val="0"/>
               </a:spcAft>
-              <a:buSzPts val="4800"/>
-              <a:buNone/>
-              <a:defRPr sz="4800"/>
+              <a:buClr>
+                <a:schemeClr val="lt1"/>
+              </a:buClr>
+              <a:buSzPts val="3600"/>
+              <a:buNone/>
+              <a:defRPr sz="3600">
+                <a:solidFill>
+                  <a:schemeClr val="lt1"/>
+                </a:solidFill>
+              </a:defRPr>
             </a:lvl2pPr>
             <a:lvl3pPr lvl="2">
               <a:spcBef>
@@ -4325,9 +5867,16 @@
               <a:spcAft>
                 <a:spcPts val="0"/>
               </a:spcAft>
-              <a:buSzPts val="4800"/>
-              <a:buNone/>
-              <a:defRPr sz="4800"/>
+              <a:buClr>
+                <a:schemeClr val="lt1"/>
+              </a:buClr>
+              <a:buSzPts val="3600"/>
+              <a:buNone/>
+              <a:defRPr sz="3600">
+                <a:solidFill>
+                  <a:schemeClr val="lt1"/>
+                </a:solidFill>
+              </a:defRPr>
             </a:lvl3pPr>
             <a:lvl4pPr lvl="3">
               <a:spcBef>
@@ -4336,9 +5885,16 @@
               <a:spcAft>
                 <a:spcPts val="0"/>
               </a:spcAft>
-              <a:buSzPts val="4800"/>
-              <a:buNone/>
-              <a:defRPr sz="4800"/>
+              <a:buClr>
+                <a:schemeClr val="lt1"/>
+              </a:buClr>
+              <a:buSzPts val="3600"/>
+              <a:buNone/>
+              <a:defRPr sz="3600">
+                <a:solidFill>
+                  <a:schemeClr val="lt1"/>
+                </a:solidFill>
+              </a:defRPr>
             </a:lvl4pPr>
             <a:lvl5pPr lvl="4">
               <a:spcBef>
@@ -4347,9 +5903,16 @@
               <a:spcAft>
                 <a:spcPts val="0"/>
               </a:spcAft>
-              <a:buSzPts val="4800"/>
-              <a:buNone/>
-              <a:defRPr sz="4800"/>
+              <a:buClr>
+                <a:schemeClr val="lt1"/>
+              </a:buClr>
+              <a:buSzPts val="3600"/>
+              <a:buNone/>
+              <a:defRPr sz="3600">
+                <a:solidFill>
+                  <a:schemeClr val="lt1"/>
+                </a:solidFill>
+              </a:defRPr>
             </a:lvl5pPr>
             <a:lvl6pPr lvl="5">
               <a:spcBef>
@@ -4358,9 +5921,16 @@
               <a:spcAft>
                 <a:spcPts val="0"/>
               </a:spcAft>
-              <a:buSzPts val="4800"/>
-              <a:buNone/>
-              <a:defRPr sz="4800"/>
+              <a:buClr>
+                <a:schemeClr val="lt1"/>
+              </a:buClr>
+              <a:buSzPts val="3600"/>
+              <a:buNone/>
+              <a:defRPr sz="3600">
+                <a:solidFill>
+                  <a:schemeClr val="lt1"/>
+                </a:solidFill>
+              </a:defRPr>
             </a:lvl6pPr>
             <a:lvl7pPr lvl="6">
               <a:spcBef>
@@ -4369,9 +5939,16 @@
               <a:spcAft>
                 <a:spcPts val="0"/>
               </a:spcAft>
-              <a:buSzPts val="4800"/>
-              <a:buNone/>
-              <a:defRPr sz="4800"/>
+              <a:buClr>
+                <a:schemeClr val="lt1"/>
+              </a:buClr>
+              <a:buSzPts val="3600"/>
+              <a:buNone/>
+              <a:defRPr sz="3600">
+                <a:solidFill>
+                  <a:schemeClr val="lt1"/>
+                </a:solidFill>
+              </a:defRPr>
             </a:lvl7pPr>
             <a:lvl8pPr lvl="7">
               <a:spcBef>
@@ -4380,9 +5957,16 @@
               <a:spcAft>
                 <a:spcPts val="0"/>
               </a:spcAft>
-              <a:buSzPts val="4800"/>
-              <a:buNone/>
-              <a:defRPr sz="4800"/>
+              <a:buClr>
+                <a:schemeClr val="lt1"/>
+              </a:buClr>
+              <a:buSzPts val="3600"/>
+              <a:buNone/>
+              <a:defRPr sz="3600">
+                <a:solidFill>
+                  <a:schemeClr val="lt1"/>
+                </a:solidFill>
+              </a:defRPr>
             </a:lvl8pPr>
             <a:lvl9pPr lvl="8">
               <a:spcBef>
@@ -4391,9 +5975,16 @@
               <a:spcAft>
                 <a:spcPts val="0"/>
               </a:spcAft>
-              <a:buSzPts val="4800"/>
-              <a:buNone/>
-              <a:defRPr sz="4800"/>
+              <a:buClr>
+                <a:schemeClr val="lt1"/>
+              </a:buClr>
+              <a:buSzPts val="3600"/>
+              <a:buNone/>
+              <a:defRPr sz="3600">
+                <a:solidFill>
+                  <a:schemeClr val="lt1"/>
+                </a:solidFill>
+              </a:defRPr>
             </a:lvl9pPr>
           </a:lstStyle>
           <a:p/>
@@ -4401,7 +5992,7 @@
       </p:sp>
       <p:sp>
         <p:nvSpPr>
-          <p:cNvPr id="34" name="Google Shape;34;p8"/>
+          <p:cNvPr id="60" name="Google Shape;60;p8"/>
           <p:cNvSpPr txBox="1"/>
           <p:nvPr>
             <p:ph idx="12" type="sldNum"/>
@@ -4409,7 +6000,7 @@
         </p:nvSpPr>
         <p:spPr>
           <a:xfrm>
-            <a:off x="8472458" y="4663217"/>
+            <a:off x="8536302" y="4749851"/>
             <a:ext cx="548700" cy="393600"/>
           </a:xfrm>
           <a:prstGeom prst="rect">
@@ -4423,39 +6014,75 @@
           <a:lstStyle>
             <a:lvl1pPr lvl="0">
               <a:buNone/>
-              <a:defRPr/>
+              <a:defRPr>
+                <a:solidFill>
+                  <a:schemeClr val="lt1"/>
+                </a:solidFill>
+              </a:defRPr>
             </a:lvl1pPr>
             <a:lvl2pPr lvl="1">
               <a:buNone/>
-              <a:defRPr/>
+              <a:defRPr>
+                <a:solidFill>
+                  <a:schemeClr val="lt1"/>
+                </a:solidFill>
+              </a:defRPr>
             </a:lvl2pPr>
             <a:lvl3pPr lvl="2">
               <a:buNone/>
-              <a:defRPr/>
+              <a:defRPr>
+                <a:solidFill>
+                  <a:schemeClr val="lt1"/>
+                </a:solidFill>
+              </a:defRPr>
             </a:lvl3pPr>
             <a:lvl4pPr lvl="3">
               <a:buNone/>
-              <a:defRPr/>
+              <a:defRPr>
+                <a:solidFill>
+                  <a:schemeClr val="lt1"/>
+                </a:solidFill>
+              </a:defRPr>
             </a:lvl4pPr>
             <a:lvl5pPr lvl="4">
               <a:buNone/>
-              <a:defRPr/>
+              <a:defRPr>
+                <a:solidFill>
+                  <a:schemeClr val="lt1"/>
+                </a:solidFill>
+              </a:defRPr>
             </a:lvl5pPr>
             <a:lvl6pPr lvl="5">
               <a:buNone/>
-              <a:defRPr/>
+              <a:defRPr>
+                <a:solidFill>
+                  <a:schemeClr val="lt1"/>
+                </a:solidFill>
+              </a:defRPr>
             </a:lvl6pPr>
             <a:lvl7pPr lvl="6">
               <a:buNone/>
-              <a:defRPr/>
+              <a:defRPr>
+                <a:solidFill>
+                  <a:schemeClr val="lt1"/>
+                </a:solidFill>
+              </a:defRPr>
             </a:lvl7pPr>
             <a:lvl8pPr lvl="7">
               <a:buNone/>
-              <a:defRPr/>
+              <a:defRPr>
+                <a:solidFill>
+                  <a:schemeClr val="lt1"/>
+                </a:solidFill>
+              </a:defRPr>
             </a:lvl8pPr>
             <a:lvl9pPr lvl="8">
               <a:buNone/>
-              <a:defRPr/>
+              <a:defRPr>
+                <a:solidFill>
+                  <a:schemeClr val="lt1"/>
+                </a:solidFill>
+              </a:defRPr>
             </a:lvl9pPr>
           </a:lstStyle>
           <a:p>
@@ -4489,7 +6116,7 @@
   <p:cSld name="SECTION_TITLE_AND_DESCRIPTION">
     <p:spTree>
       <p:nvGrpSpPr>
-        <p:cNvPr id="35" name="Shape 35"/>
+        <p:cNvPr id="61" name="Shape 61"/>
         <p:cNvGrpSpPr/>
         <p:nvPr/>
       </p:nvGrpSpPr>
@@ -4503,13 +6130,13 @@
       </p:grpSpPr>
       <p:sp>
         <p:nvSpPr>
-          <p:cNvPr id="36" name="Google Shape;36;p9"/>
+          <p:cNvPr id="62" name="Google Shape;62;p9"/>
           <p:cNvSpPr/>
           <p:nvPr/>
         </p:nvSpPr>
         <p:spPr>
           <a:xfrm>
-            <a:off x="4572000" y="-125"/>
+            <a:off x="0" y="0"/>
             <a:ext cx="4572000" cy="5143500"/>
           </a:xfrm>
           <a:prstGeom prst="rect">
@@ -4544,9 +6171,110 @@
           </a:p>
         </p:txBody>
       </p:sp>
+      <p:grpSp>
+        <p:nvGrpSpPr>
+          <p:cNvPr id="63" name="Google Shape;63;p9"/>
+          <p:cNvGrpSpPr/>
+          <p:nvPr/>
+        </p:nvGrpSpPr>
+        <p:grpSpPr>
+          <a:xfrm>
+            <a:off x="830392" y="1191256"/>
+            <a:ext cx="745763" cy="45826"/>
+            <a:chOff x="4580561" y="2589004"/>
+            <a:chExt cx="1064464" cy="25200"/>
+          </a:xfrm>
+        </p:grpSpPr>
+        <p:sp>
+          <p:nvSpPr>
+            <p:cNvPr id="64" name="Google Shape;64;p9"/>
+            <p:cNvSpPr/>
+            <p:nvPr/>
+          </p:nvSpPr>
+          <p:spPr>
+            <a:xfrm rot="-5400000">
+              <a:off x="5366325" y="2335504"/>
+              <a:ext cx="25200" cy="532200"/>
+            </a:xfrm>
+            <a:prstGeom prst="rect">
+              <a:avLst/>
+            </a:prstGeom>
+            <a:solidFill>
+              <a:schemeClr val="accent3"/>
+            </a:solidFill>
+            <a:ln>
+              <a:noFill/>
+            </a:ln>
+          </p:spPr>
+          <p:txBody>
+            <a:bodyPr anchorCtr="0" anchor="ctr" bIns="91425" lIns="91425" spcFirstLastPara="1" rIns="91425" wrap="square" tIns="91425">
+              <a:noAutofit/>
+            </a:bodyPr>
+            <a:lstStyle/>
+            <a:p>
+              <a:pPr indent="0" lvl="0" marL="0" rtl="0" algn="l">
+                <a:spcBef>
+                  <a:spcPts val="0"/>
+                </a:spcBef>
+                <a:spcAft>
+                  <a:spcPts val="0"/>
+                </a:spcAft>
+                <a:buNone/>
+              </a:pPr>
+              <a:r>
+                <a:t/>
+              </a:r>
+              <a:endParaRPr/>
+            </a:p>
+          </p:txBody>
+        </p:sp>
+        <p:sp>
+          <p:nvSpPr>
+            <p:cNvPr id="65" name="Google Shape;65;p9"/>
+            <p:cNvSpPr/>
+            <p:nvPr/>
+          </p:nvSpPr>
+          <p:spPr>
+            <a:xfrm rot="-5400000">
+              <a:off x="4836311" y="2333254"/>
+              <a:ext cx="25200" cy="536700"/>
+            </a:xfrm>
+            <a:prstGeom prst="rect">
+              <a:avLst/>
+            </a:prstGeom>
+            <a:solidFill>
+              <a:schemeClr val="dk1"/>
+            </a:solidFill>
+            <a:ln>
+              <a:noFill/>
+            </a:ln>
+          </p:spPr>
+          <p:txBody>
+            <a:bodyPr anchorCtr="0" anchor="ctr" bIns="91425" lIns="91425" spcFirstLastPara="1" rIns="91425" wrap="square" tIns="91425">
+              <a:noAutofit/>
+            </a:bodyPr>
+            <a:lstStyle/>
+            <a:p>
+              <a:pPr indent="0" lvl="0" marL="0" rtl="0" algn="l">
+                <a:spcBef>
+                  <a:spcPts val="0"/>
+                </a:spcBef>
+                <a:spcAft>
+                  <a:spcPts val="0"/>
+                </a:spcAft>
+                <a:buNone/>
+              </a:pPr>
+              <a:r>
+                <a:t/>
+              </a:r>
+              <a:endParaRPr/>
+            </a:p>
+          </p:txBody>
+        </p:sp>
+      </p:grpSp>
       <p:sp>
         <p:nvSpPr>
-          <p:cNvPr id="37" name="Google Shape;37;p9"/>
+          <p:cNvPr id="66" name="Google Shape;66;p9"/>
           <p:cNvSpPr txBox="1"/>
           <p:nvPr>
             <p:ph type="title"/>
@@ -4554,133 +6282,8 @@
         </p:nvSpPr>
         <p:spPr>
           <a:xfrm>
-            <a:off x="265500" y="1233175"/>
-            <a:ext cx="4045200" cy="1482300"/>
-          </a:xfrm>
-          <a:prstGeom prst="rect">
-            <a:avLst/>
-          </a:prstGeom>
-        </p:spPr>
-        <p:txBody>
-          <a:bodyPr anchorCtr="0" anchor="b" bIns="91425" lIns="91425" spcFirstLastPara="1" rIns="91425" wrap="square" tIns="91425">
-            <a:normAutofit/>
-          </a:bodyPr>
-          <a:lstStyle>
-            <a:lvl1pPr lvl="0" algn="ctr">
-              <a:spcBef>
-                <a:spcPts val="0"/>
-              </a:spcBef>
-              <a:spcAft>
-                <a:spcPts val="0"/>
-              </a:spcAft>
-              <a:buSzPts val="4200"/>
-              <a:buNone/>
-              <a:defRPr sz="4200"/>
-            </a:lvl1pPr>
-            <a:lvl2pPr lvl="1" algn="ctr">
-              <a:spcBef>
-                <a:spcPts val="0"/>
-              </a:spcBef>
-              <a:spcAft>
-                <a:spcPts val="0"/>
-              </a:spcAft>
-              <a:buSzPts val="4200"/>
-              <a:buNone/>
-              <a:defRPr sz="4200"/>
-            </a:lvl2pPr>
-            <a:lvl3pPr lvl="2" algn="ctr">
-              <a:spcBef>
-                <a:spcPts val="0"/>
-              </a:spcBef>
-              <a:spcAft>
-                <a:spcPts val="0"/>
-              </a:spcAft>
-              <a:buSzPts val="4200"/>
-              <a:buNone/>
-              <a:defRPr sz="4200"/>
-            </a:lvl3pPr>
-            <a:lvl4pPr lvl="3" algn="ctr">
-              <a:spcBef>
-                <a:spcPts val="0"/>
-              </a:spcBef>
-              <a:spcAft>
-                <a:spcPts val="0"/>
-              </a:spcAft>
-              <a:buSzPts val="4200"/>
-              <a:buNone/>
-              <a:defRPr sz="4200"/>
-            </a:lvl4pPr>
-            <a:lvl5pPr lvl="4" algn="ctr">
-              <a:spcBef>
-                <a:spcPts val="0"/>
-              </a:spcBef>
-              <a:spcAft>
-                <a:spcPts val="0"/>
-              </a:spcAft>
-              <a:buSzPts val="4200"/>
-              <a:buNone/>
-              <a:defRPr sz="4200"/>
-            </a:lvl5pPr>
-            <a:lvl6pPr lvl="5" algn="ctr">
-              <a:spcBef>
-                <a:spcPts val="0"/>
-              </a:spcBef>
-              <a:spcAft>
-                <a:spcPts val="0"/>
-              </a:spcAft>
-              <a:buSzPts val="4200"/>
-              <a:buNone/>
-              <a:defRPr sz="4200"/>
-            </a:lvl6pPr>
-            <a:lvl7pPr lvl="6" algn="ctr">
-              <a:spcBef>
-                <a:spcPts val="0"/>
-              </a:spcBef>
-              <a:spcAft>
-                <a:spcPts val="0"/>
-              </a:spcAft>
-              <a:buSzPts val="4200"/>
-              <a:buNone/>
-              <a:defRPr sz="4200"/>
-            </a:lvl7pPr>
-            <a:lvl8pPr lvl="7" algn="ctr">
-              <a:spcBef>
-                <a:spcPts val="0"/>
-              </a:spcBef>
-              <a:spcAft>
-                <a:spcPts val="0"/>
-              </a:spcAft>
-              <a:buSzPts val="4200"/>
-              <a:buNone/>
-              <a:defRPr sz="4200"/>
-            </a:lvl8pPr>
-            <a:lvl9pPr lvl="8" algn="ctr">
-              <a:spcBef>
-                <a:spcPts val="0"/>
-              </a:spcBef>
-              <a:spcAft>
-                <a:spcPts val="0"/>
-              </a:spcAft>
-              <a:buSzPts val="4200"/>
-              <a:buNone/>
-              <a:defRPr sz="4200"/>
-            </a:lvl9pPr>
-          </a:lstStyle>
-          <a:p/>
-        </p:txBody>
-      </p:sp>
-      <p:sp>
-        <p:nvSpPr>
-          <p:cNvPr id="38" name="Google Shape;38;p9"/>
-          <p:cNvSpPr txBox="1"/>
-          <p:nvPr>
-            <p:ph idx="1" type="subTitle"/>
-          </p:nvPr>
-        </p:nvSpPr>
-        <p:spPr>
-          <a:xfrm>
-            <a:off x="265500" y="2803075"/>
-            <a:ext cx="4045200" cy="1235100"/>
+            <a:off x="730000" y="1318650"/>
+            <a:ext cx="3300900" cy="1687200"/>
           </a:xfrm>
           <a:prstGeom prst="rect">
             <a:avLst/>
@@ -4691,131 +6294,104 @@
             <a:normAutofit/>
           </a:bodyPr>
           <a:lstStyle>
-            <a:lvl1pPr lvl="0" algn="ctr">
-              <a:lnSpc>
-                <a:spcPct val="100000"/>
-              </a:lnSpc>
-              <a:spcBef>
-                <a:spcPts val="0"/>
-              </a:spcBef>
-              <a:spcAft>
-                <a:spcPts val="0"/>
-              </a:spcAft>
-              <a:buSzPts val="2100"/>
-              <a:buNone/>
-              <a:defRPr sz="2100"/>
+            <a:lvl1pPr lvl="0">
+              <a:spcBef>
+                <a:spcPts val="0"/>
+              </a:spcBef>
+              <a:spcAft>
+                <a:spcPts val="0"/>
+              </a:spcAft>
+              <a:buSzPts val="2600"/>
+              <a:buNone/>
+              <a:defRPr sz="2600"/>
             </a:lvl1pPr>
-            <a:lvl2pPr lvl="1" algn="ctr">
-              <a:lnSpc>
-                <a:spcPct val="100000"/>
-              </a:lnSpc>
-              <a:spcBef>
-                <a:spcPts val="0"/>
-              </a:spcBef>
-              <a:spcAft>
-                <a:spcPts val="0"/>
-              </a:spcAft>
-              <a:buSzPts val="2100"/>
-              <a:buNone/>
-              <a:defRPr sz="2100"/>
+            <a:lvl2pPr lvl="1">
+              <a:spcBef>
+                <a:spcPts val="0"/>
+              </a:spcBef>
+              <a:spcAft>
+                <a:spcPts val="0"/>
+              </a:spcAft>
+              <a:buSzPts val="2600"/>
+              <a:buNone/>
+              <a:defRPr sz="2600"/>
             </a:lvl2pPr>
-            <a:lvl3pPr lvl="2" algn="ctr">
-              <a:lnSpc>
-                <a:spcPct val="100000"/>
-              </a:lnSpc>
-              <a:spcBef>
-                <a:spcPts val="0"/>
-              </a:spcBef>
-              <a:spcAft>
-                <a:spcPts val="0"/>
-              </a:spcAft>
-              <a:buSzPts val="2100"/>
-              <a:buNone/>
-              <a:defRPr sz="2100"/>
+            <a:lvl3pPr lvl="2">
+              <a:spcBef>
+                <a:spcPts val="0"/>
+              </a:spcBef>
+              <a:spcAft>
+                <a:spcPts val="0"/>
+              </a:spcAft>
+              <a:buSzPts val="2600"/>
+              <a:buNone/>
+              <a:defRPr sz="2600"/>
             </a:lvl3pPr>
-            <a:lvl4pPr lvl="3" algn="ctr">
-              <a:lnSpc>
-                <a:spcPct val="100000"/>
-              </a:lnSpc>
-              <a:spcBef>
-                <a:spcPts val="0"/>
-              </a:spcBef>
-              <a:spcAft>
-                <a:spcPts val="0"/>
-              </a:spcAft>
-              <a:buSzPts val="2100"/>
-              <a:buNone/>
-              <a:defRPr sz="2100"/>
+            <a:lvl4pPr lvl="3">
+              <a:spcBef>
+                <a:spcPts val="0"/>
+              </a:spcBef>
+              <a:spcAft>
+                <a:spcPts val="0"/>
+              </a:spcAft>
+              <a:buSzPts val="2600"/>
+              <a:buNone/>
+              <a:defRPr sz="2600"/>
             </a:lvl4pPr>
-            <a:lvl5pPr lvl="4" algn="ctr">
-              <a:lnSpc>
-                <a:spcPct val="100000"/>
-              </a:lnSpc>
-              <a:spcBef>
-                <a:spcPts val="0"/>
-              </a:spcBef>
-              <a:spcAft>
-                <a:spcPts val="0"/>
-              </a:spcAft>
-              <a:buSzPts val="2100"/>
-              <a:buNone/>
-              <a:defRPr sz="2100"/>
+            <a:lvl5pPr lvl="4">
+              <a:spcBef>
+                <a:spcPts val="0"/>
+              </a:spcBef>
+              <a:spcAft>
+                <a:spcPts val="0"/>
+              </a:spcAft>
+              <a:buSzPts val="2600"/>
+              <a:buNone/>
+              <a:defRPr sz="2600"/>
             </a:lvl5pPr>
-            <a:lvl6pPr lvl="5" algn="ctr">
-              <a:lnSpc>
-                <a:spcPct val="100000"/>
-              </a:lnSpc>
-              <a:spcBef>
-                <a:spcPts val="0"/>
-              </a:spcBef>
-              <a:spcAft>
-                <a:spcPts val="0"/>
-              </a:spcAft>
-              <a:buSzPts val="2100"/>
-              <a:buNone/>
-              <a:defRPr sz="2100"/>
+            <a:lvl6pPr lvl="5">
+              <a:spcBef>
+                <a:spcPts val="0"/>
+              </a:spcBef>
+              <a:spcAft>
+                <a:spcPts val="0"/>
+              </a:spcAft>
+              <a:buSzPts val="2600"/>
+              <a:buNone/>
+              <a:defRPr sz="2600"/>
             </a:lvl6pPr>
-            <a:lvl7pPr lvl="6" algn="ctr">
-              <a:lnSpc>
-                <a:spcPct val="100000"/>
-              </a:lnSpc>
-              <a:spcBef>
-                <a:spcPts val="0"/>
-              </a:spcBef>
-              <a:spcAft>
-                <a:spcPts val="0"/>
-              </a:spcAft>
-              <a:buSzPts val="2100"/>
-              <a:buNone/>
-              <a:defRPr sz="2100"/>
+            <a:lvl7pPr lvl="6">
+              <a:spcBef>
+                <a:spcPts val="0"/>
+              </a:spcBef>
+              <a:spcAft>
+                <a:spcPts val="0"/>
+              </a:spcAft>
+              <a:buSzPts val="2600"/>
+              <a:buNone/>
+              <a:defRPr sz="2600"/>
             </a:lvl7pPr>
-            <a:lvl8pPr lvl="7" algn="ctr">
-              <a:lnSpc>
-                <a:spcPct val="100000"/>
-              </a:lnSpc>
-              <a:spcBef>
-                <a:spcPts val="0"/>
-              </a:spcBef>
-              <a:spcAft>
-                <a:spcPts val="0"/>
-              </a:spcAft>
-              <a:buSzPts val="2100"/>
-              <a:buNone/>
-              <a:defRPr sz="2100"/>
+            <a:lvl8pPr lvl="7">
+              <a:spcBef>
+                <a:spcPts val="0"/>
+              </a:spcBef>
+              <a:spcAft>
+                <a:spcPts val="0"/>
+              </a:spcAft>
+              <a:buSzPts val="2600"/>
+              <a:buNone/>
+              <a:defRPr sz="2600"/>
             </a:lvl8pPr>
-            <a:lvl9pPr lvl="8" algn="ctr">
-              <a:lnSpc>
-                <a:spcPct val="100000"/>
-              </a:lnSpc>
-              <a:spcBef>
-                <a:spcPts val="0"/>
-              </a:spcBef>
-              <a:spcAft>
-                <a:spcPts val="0"/>
-              </a:spcAft>
-              <a:buSzPts val="2100"/>
-              <a:buNone/>
-              <a:defRPr sz="2100"/>
+            <a:lvl9pPr lvl="8">
+              <a:spcBef>
+                <a:spcPts val="0"/>
+              </a:spcBef>
+              <a:spcAft>
+                <a:spcPts val="0"/>
+              </a:spcAft>
+              <a:buSzPts val="2600"/>
+              <a:buNone/>
+              <a:defRPr sz="2600"/>
             </a:lvl9pPr>
           </a:lstStyle>
           <a:p/>
@@ -4823,7 +6399,159 @@
       </p:sp>
       <p:sp>
         <p:nvSpPr>
-          <p:cNvPr id="39" name="Google Shape;39;p9"/>
+          <p:cNvPr id="67" name="Google Shape;67;p9"/>
+          <p:cNvSpPr txBox="1"/>
+          <p:nvPr>
+            <p:ph idx="1" type="subTitle"/>
+          </p:nvPr>
+        </p:nvSpPr>
+        <p:spPr>
+          <a:xfrm>
+            <a:off x="724950" y="3161525"/>
+            <a:ext cx="3300900" cy="759000"/>
+          </a:xfrm>
+          <a:prstGeom prst="rect">
+            <a:avLst/>
+          </a:prstGeom>
+        </p:spPr>
+        <p:txBody>
+          <a:bodyPr anchorCtr="0" anchor="t" bIns="91425" lIns="91425" spcFirstLastPara="1" rIns="91425" wrap="square" tIns="91425">
+            <a:normAutofit/>
+          </a:bodyPr>
+          <a:lstStyle>
+            <a:lvl1pPr lvl="0">
+              <a:lnSpc>
+                <a:spcPct val="100000"/>
+              </a:lnSpc>
+              <a:spcBef>
+                <a:spcPts val="0"/>
+              </a:spcBef>
+              <a:spcAft>
+                <a:spcPts val="0"/>
+              </a:spcAft>
+              <a:buSzPts val="1600"/>
+              <a:buNone/>
+              <a:defRPr sz="1600"/>
+            </a:lvl1pPr>
+            <a:lvl2pPr lvl="1">
+              <a:lnSpc>
+                <a:spcPct val="100000"/>
+              </a:lnSpc>
+              <a:spcBef>
+                <a:spcPts val="0"/>
+              </a:spcBef>
+              <a:spcAft>
+                <a:spcPts val="0"/>
+              </a:spcAft>
+              <a:buSzPts val="1600"/>
+              <a:buNone/>
+              <a:defRPr sz="1600"/>
+            </a:lvl2pPr>
+            <a:lvl3pPr lvl="2">
+              <a:lnSpc>
+                <a:spcPct val="100000"/>
+              </a:lnSpc>
+              <a:spcBef>
+                <a:spcPts val="0"/>
+              </a:spcBef>
+              <a:spcAft>
+                <a:spcPts val="0"/>
+              </a:spcAft>
+              <a:buSzPts val="1600"/>
+              <a:buNone/>
+              <a:defRPr sz="1600"/>
+            </a:lvl3pPr>
+            <a:lvl4pPr lvl="3">
+              <a:lnSpc>
+                <a:spcPct val="100000"/>
+              </a:lnSpc>
+              <a:spcBef>
+                <a:spcPts val="0"/>
+              </a:spcBef>
+              <a:spcAft>
+                <a:spcPts val="0"/>
+              </a:spcAft>
+              <a:buSzPts val="1600"/>
+              <a:buNone/>
+              <a:defRPr sz="1600"/>
+            </a:lvl4pPr>
+            <a:lvl5pPr lvl="4">
+              <a:lnSpc>
+                <a:spcPct val="100000"/>
+              </a:lnSpc>
+              <a:spcBef>
+                <a:spcPts val="0"/>
+              </a:spcBef>
+              <a:spcAft>
+                <a:spcPts val="0"/>
+              </a:spcAft>
+              <a:buSzPts val="1600"/>
+              <a:buNone/>
+              <a:defRPr sz="1600"/>
+            </a:lvl5pPr>
+            <a:lvl6pPr lvl="5">
+              <a:lnSpc>
+                <a:spcPct val="100000"/>
+              </a:lnSpc>
+              <a:spcBef>
+                <a:spcPts val="0"/>
+              </a:spcBef>
+              <a:spcAft>
+                <a:spcPts val="0"/>
+              </a:spcAft>
+              <a:buSzPts val="1600"/>
+              <a:buNone/>
+              <a:defRPr sz="1600"/>
+            </a:lvl6pPr>
+            <a:lvl7pPr lvl="6">
+              <a:lnSpc>
+                <a:spcPct val="100000"/>
+              </a:lnSpc>
+              <a:spcBef>
+                <a:spcPts val="0"/>
+              </a:spcBef>
+              <a:spcAft>
+                <a:spcPts val="0"/>
+              </a:spcAft>
+              <a:buSzPts val="1600"/>
+              <a:buNone/>
+              <a:defRPr sz="1600"/>
+            </a:lvl7pPr>
+            <a:lvl8pPr lvl="7">
+              <a:lnSpc>
+                <a:spcPct val="100000"/>
+              </a:lnSpc>
+              <a:spcBef>
+                <a:spcPts val="0"/>
+              </a:spcBef>
+              <a:spcAft>
+                <a:spcPts val="0"/>
+              </a:spcAft>
+              <a:buSzPts val="1600"/>
+              <a:buNone/>
+              <a:defRPr sz="1600"/>
+            </a:lvl8pPr>
+            <a:lvl9pPr lvl="8">
+              <a:lnSpc>
+                <a:spcPct val="100000"/>
+              </a:lnSpc>
+              <a:spcBef>
+                <a:spcPts val="0"/>
+              </a:spcBef>
+              <a:spcAft>
+                <a:spcPts val="0"/>
+              </a:spcAft>
+              <a:buSzPts val="1600"/>
+              <a:buNone/>
+              <a:defRPr sz="1600"/>
+            </a:lvl9pPr>
+          </a:lstStyle>
+          <a:p/>
+        </p:txBody>
+      </p:sp>
+      <p:sp>
+        <p:nvSpPr>
+          <p:cNvPr id="68" name="Google Shape;68;p9"/>
           <p:cNvSpPr txBox="1"/>
           <p:nvPr>
             <p:ph idx="2" type="body"/>
@@ -4831,114 +6559,114 @@
         </p:nvSpPr>
         <p:spPr>
           <a:xfrm>
-            <a:off x="4939500" y="724075"/>
-            <a:ext cx="3837000" cy="3695100"/>
+            <a:off x="5174225" y="1352625"/>
+            <a:ext cx="3374400" cy="3025500"/>
           </a:xfrm>
           <a:prstGeom prst="rect">
             <a:avLst/>
           </a:prstGeom>
         </p:spPr>
         <p:txBody>
-          <a:bodyPr anchorCtr="0" anchor="ctr" bIns="91425" lIns="91425" spcFirstLastPara="1" rIns="91425" wrap="square" tIns="91425">
+          <a:bodyPr anchorCtr="0" anchor="t" bIns="91425" lIns="91425" spcFirstLastPara="1" rIns="91425" wrap="square" tIns="91425">
             <a:normAutofit/>
           </a:bodyPr>
           <a:lstStyle>
-            <a:lvl1pPr indent="-342900" lvl="0" marL="457200">
-              <a:spcBef>
-                <a:spcPts val="0"/>
-              </a:spcBef>
-              <a:spcAft>
-                <a:spcPts val="0"/>
-              </a:spcAft>
-              <a:buSzPts val="1800"/>
+            <a:lvl1pPr indent="-311150" lvl="0" marL="457200">
+              <a:spcBef>
+                <a:spcPts val="0"/>
+              </a:spcBef>
+              <a:spcAft>
+                <a:spcPts val="0"/>
+              </a:spcAft>
+              <a:buSzPts val="1300"/>
               <a:buChar char="●"/>
               <a:defRPr/>
             </a:lvl1pPr>
-            <a:lvl2pPr indent="-317500" lvl="1" marL="914400">
-              <a:spcBef>
-                <a:spcPts val="0"/>
-              </a:spcBef>
-              <a:spcAft>
-                <a:spcPts val="0"/>
-              </a:spcAft>
-              <a:buSzPts val="1400"/>
+            <a:lvl2pPr indent="-298450" lvl="1" marL="914400">
+              <a:spcBef>
+                <a:spcPts val="0"/>
+              </a:spcBef>
+              <a:spcAft>
+                <a:spcPts val="0"/>
+              </a:spcAft>
+              <a:buSzPts val="1100"/>
               <a:buChar char="○"/>
               <a:defRPr/>
             </a:lvl2pPr>
-            <a:lvl3pPr indent="-317500" lvl="2" marL="1371600">
-              <a:spcBef>
-                <a:spcPts val="0"/>
-              </a:spcBef>
-              <a:spcAft>
-                <a:spcPts val="0"/>
-              </a:spcAft>
-              <a:buSzPts val="1400"/>
+            <a:lvl3pPr indent="-298450" lvl="2" marL="1371600">
+              <a:spcBef>
+                <a:spcPts val="0"/>
+              </a:spcBef>
+              <a:spcAft>
+                <a:spcPts val="0"/>
+              </a:spcAft>
+              <a:buSzPts val="1100"/>
               <a:buChar char="■"/>
               <a:defRPr/>
             </a:lvl3pPr>
-            <a:lvl4pPr indent="-317500" lvl="3" marL="1828800">
-              <a:spcBef>
-                <a:spcPts val="0"/>
-              </a:spcBef>
-              <a:spcAft>
-                <a:spcPts val="0"/>
-              </a:spcAft>
-              <a:buSzPts val="1400"/>
+            <a:lvl4pPr indent="-298450" lvl="3" marL="1828800">
+              <a:spcBef>
+                <a:spcPts val="0"/>
+              </a:spcBef>
+              <a:spcAft>
+                <a:spcPts val="0"/>
+              </a:spcAft>
+              <a:buSzPts val="1100"/>
               <a:buChar char="●"/>
               <a:defRPr/>
             </a:lvl4pPr>
-            <a:lvl5pPr indent="-317500" lvl="4" marL="2286000">
-              <a:spcBef>
-                <a:spcPts val="0"/>
-              </a:spcBef>
-              <a:spcAft>
-                <a:spcPts val="0"/>
-              </a:spcAft>
-              <a:buSzPts val="1400"/>
+            <a:lvl5pPr indent="-298450" lvl="4" marL="2286000">
+              <a:spcBef>
+                <a:spcPts val="0"/>
+              </a:spcBef>
+              <a:spcAft>
+                <a:spcPts val="0"/>
+              </a:spcAft>
+              <a:buSzPts val="1100"/>
               <a:buChar char="○"/>
               <a:defRPr/>
             </a:lvl5pPr>
-            <a:lvl6pPr indent="-317500" lvl="5" marL="2743200">
-              <a:spcBef>
-                <a:spcPts val="0"/>
-              </a:spcBef>
-              <a:spcAft>
-                <a:spcPts val="0"/>
-              </a:spcAft>
-              <a:buSzPts val="1400"/>
+            <a:lvl6pPr indent="-298450" lvl="5" marL="2743200">
+              <a:spcBef>
+                <a:spcPts val="0"/>
+              </a:spcBef>
+              <a:spcAft>
+                <a:spcPts val="0"/>
+              </a:spcAft>
+              <a:buSzPts val="1100"/>
               <a:buChar char="■"/>
               <a:defRPr/>
             </a:lvl6pPr>
-            <a:lvl7pPr indent="-317500" lvl="6" marL="3200400">
-              <a:spcBef>
-                <a:spcPts val="0"/>
-              </a:spcBef>
-              <a:spcAft>
-                <a:spcPts val="0"/>
-              </a:spcAft>
-              <a:buSzPts val="1400"/>
+            <a:lvl7pPr indent="-298450" lvl="6" marL="3200400">
+              <a:spcBef>
+                <a:spcPts val="0"/>
+              </a:spcBef>
+              <a:spcAft>
+                <a:spcPts val="0"/>
+              </a:spcAft>
+              <a:buSzPts val="1100"/>
               <a:buChar char="●"/>
               <a:defRPr/>
             </a:lvl7pPr>
-            <a:lvl8pPr indent="-317500" lvl="7" marL="3657600">
-              <a:spcBef>
-                <a:spcPts val="0"/>
-              </a:spcBef>
-              <a:spcAft>
-                <a:spcPts val="0"/>
-              </a:spcAft>
-              <a:buSzPts val="1400"/>
+            <a:lvl8pPr indent="-298450" lvl="7" marL="3657600">
+              <a:spcBef>
+                <a:spcPts val="0"/>
+              </a:spcBef>
+              <a:spcAft>
+                <a:spcPts val="0"/>
+              </a:spcAft>
+              <a:buSzPts val="1100"/>
               <a:buChar char="○"/>
               <a:defRPr/>
             </a:lvl8pPr>
-            <a:lvl9pPr indent="-317500" lvl="8" marL="4114800">
-              <a:spcBef>
-                <a:spcPts val="0"/>
-              </a:spcBef>
-              <a:spcAft>
-                <a:spcPts val="0"/>
-              </a:spcAft>
-              <a:buSzPts val="1400"/>
+            <a:lvl9pPr indent="-298450" lvl="8" marL="4114800">
+              <a:spcBef>
+                <a:spcPts val="0"/>
+              </a:spcBef>
+              <a:spcAft>
+                <a:spcPts val="0"/>
+              </a:spcAft>
+              <a:buSzPts val="1100"/>
               <a:buChar char="■"/>
               <a:defRPr/>
             </a:lvl9pPr>
@@ -4948,7 +6676,7 @@
       </p:sp>
       <p:sp>
         <p:nvSpPr>
-          <p:cNvPr id="40" name="Google Shape;40;p9"/>
+          <p:cNvPr id="69" name="Google Shape;69;p9"/>
           <p:cNvSpPr txBox="1"/>
           <p:nvPr>
             <p:ph idx="12" type="sldNum"/>
@@ -4956,7 +6684,7 @@
         </p:nvSpPr>
         <p:spPr>
           <a:xfrm>
-            <a:off x="8472458" y="4663217"/>
+            <a:off x="8536302" y="4749851"/>
             <a:ext cx="548700" cy="393600"/>
           </a:xfrm>
           <a:prstGeom prst="rect">
@@ -5036,7 +6764,7 @@
   <p:cSld name="CAPTION_ONLY">
     <p:spTree>
       <p:nvGrpSpPr>
-        <p:cNvPr id="41" name="Shape 41"/>
+        <p:cNvPr id="70" name="Shape 70"/>
         <p:cNvGrpSpPr/>
         <p:nvPr/>
       </p:nvGrpSpPr>
@@ -5050,7 +6778,7 @@
       </p:grpSpPr>
       <p:sp>
         <p:nvSpPr>
-          <p:cNvPr id="42" name="Google Shape;42;p10"/>
+          <p:cNvPr id="71" name="Google Shape;71;p10"/>
           <p:cNvSpPr txBox="1"/>
           <p:nvPr>
             <p:ph idx="1" type="body"/>
@@ -5058,8 +6786,8 @@
         </p:nvSpPr>
         <p:spPr>
           <a:xfrm>
-            <a:off x="311700" y="4230575"/>
-            <a:ext cx="5998800" cy="605100"/>
+            <a:off x="724950" y="4372551"/>
+            <a:ext cx="7697400" cy="460500"/>
           </a:xfrm>
           <a:prstGeom prst="rect">
             <a:avLst/>
@@ -5080,7 +6808,7 @@
               <a:spcAft>
                 <a:spcPts val="0"/>
               </a:spcAft>
-              <a:buSzPts val="1800"/>
+              <a:buSzPts val="1300"/>
               <a:buNone/>
               <a:defRPr/>
             </a:lvl1pPr>
@@ -5090,7 +6818,7 @@
       </p:sp>
       <p:sp>
         <p:nvSpPr>
-          <p:cNvPr id="43" name="Google Shape;43;p10"/>
+          <p:cNvPr id="72" name="Google Shape;72;p10"/>
           <p:cNvSpPr txBox="1"/>
           <p:nvPr>
             <p:ph idx="12" type="sldNum"/>
@@ -5098,7 +6826,7 @@
         </p:nvSpPr>
         <p:spPr>
           <a:xfrm>
-            <a:off x="8472458" y="4663217"/>
+            <a:off x="8536302" y="4749851"/>
             <a:ext cx="548700" cy="393600"/>
           </a:xfrm>
           <a:prstGeom prst="rect">
@@ -5175,7 +6903,7 @@
 
 <file path=ppt/slideMasters/slideMaster1.xml><?xml version="1.0" encoding="utf-8"?>
 <p:sldMaster xmlns:a="http://schemas.openxmlformats.org/drawingml/2006/main" xmlns:r="http://schemas.openxmlformats.org/officeDocument/2006/relationships" xmlns:mc="http://schemas.openxmlformats.org/markup-compatibility/2006" xmlns:mv="urn:schemas-microsoft-com:mac:vml" xmlns:p="http://schemas.openxmlformats.org/presentationml/2006/main" xmlns:c="http://schemas.openxmlformats.org/drawingml/2006/chart" xmlns:dgm="http://schemas.openxmlformats.org/drawingml/2006/diagram" xmlns:o="urn:schemas-microsoft-com:office:office" xmlns:v="urn:schemas-microsoft-com:vml" xmlns:pvml="urn:schemas-microsoft-com:office:powerpoint" xmlns:com="http://schemas.openxmlformats.org/drawingml/2006/compatibility" xmlns:p14="http://schemas.microsoft.com/office/powerpoint/2010/main" xmlns:p15="http://schemas.microsoft.com/office/powerpoint/2012/main" xmlns:ahyp="http://schemas.microsoft.com/office/drawing/2018/hyperlinkcolor">
-  <p:cSld name="simple-light-2">
+  <p:cSld name="streamline">
     <p:bg>
       <p:bgPr>
         <a:solidFill>
@@ -5231,14 +6959,19 @@
                 <a:spcPts val="0"/>
               </a:spcAft>
               <a:buClr>
-                <a:schemeClr val="dk1"/>
+                <a:schemeClr val="dk2"/>
               </a:buClr>
               <a:buSzPts val="2800"/>
-              <a:buNone/>
-              <a:defRPr sz="2800">
+              <a:buFont typeface="Raleway"/>
+              <a:buNone/>
+              <a:defRPr b="1" sz="2800">
                 <a:solidFill>
-                  <a:schemeClr val="dk1"/>
+                  <a:schemeClr val="dk2"/>
                 </a:solidFill>
+                <a:latin typeface="Raleway"/>
+                <a:ea typeface="Raleway"/>
+                <a:cs typeface="Raleway"/>
+                <a:sym typeface="Raleway"/>
               </a:defRPr>
             </a:lvl1pPr>
             <a:lvl2pPr lvl="1">
@@ -5249,14 +6982,19 @@
                 <a:spcPts val="0"/>
               </a:spcAft>
               <a:buClr>
-                <a:schemeClr val="dk1"/>
+                <a:schemeClr val="dk2"/>
               </a:buClr>
               <a:buSzPts val="2800"/>
-              <a:buNone/>
-              <a:defRPr sz="2800">
+              <a:buFont typeface="Raleway"/>
+              <a:buNone/>
+              <a:defRPr b="1" sz="2800">
                 <a:solidFill>
-                  <a:schemeClr val="dk1"/>
+                  <a:schemeClr val="dk2"/>
                 </a:solidFill>
+                <a:latin typeface="Raleway"/>
+                <a:ea typeface="Raleway"/>
+                <a:cs typeface="Raleway"/>
+                <a:sym typeface="Raleway"/>
               </a:defRPr>
             </a:lvl2pPr>
             <a:lvl3pPr lvl="2">
@@ -5267,14 +7005,19 @@
                 <a:spcPts val="0"/>
               </a:spcAft>
               <a:buClr>
-                <a:schemeClr val="dk1"/>
+                <a:schemeClr val="dk2"/>
               </a:buClr>
               <a:buSzPts val="2800"/>
-              <a:buNone/>
-              <a:defRPr sz="2800">
+              <a:buFont typeface="Raleway"/>
+              <a:buNone/>
+              <a:defRPr b="1" sz="2800">
                 <a:solidFill>
-                  <a:schemeClr val="dk1"/>
+                  <a:schemeClr val="dk2"/>
                 </a:solidFill>
+                <a:latin typeface="Raleway"/>
+                <a:ea typeface="Raleway"/>
+                <a:cs typeface="Raleway"/>
+                <a:sym typeface="Raleway"/>
               </a:defRPr>
             </a:lvl3pPr>
             <a:lvl4pPr lvl="3">
@@ -5285,14 +7028,19 @@
                 <a:spcPts val="0"/>
               </a:spcAft>
               <a:buClr>
-                <a:schemeClr val="dk1"/>
+                <a:schemeClr val="dk2"/>
               </a:buClr>
               <a:buSzPts val="2800"/>
-              <a:buNone/>
-              <a:defRPr sz="2800">
+              <a:buFont typeface="Raleway"/>
+              <a:buNone/>
+              <a:defRPr b="1" sz="2800">
                 <a:solidFill>
-                  <a:schemeClr val="dk1"/>
+                  <a:schemeClr val="dk2"/>
                 </a:solidFill>
+                <a:latin typeface="Raleway"/>
+                <a:ea typeface="Raleway"/>
+                <a:cs typeface="Raleway"/>
+                <a:sym typeface="Raleway"/>
               </a:defRPr>
             </a:lvl4pPr>
             <a:lvl5pPr lvl="4">
@@ -5303,14 +7051,19 @@
                 <a:spcPts val="0"/>
               </a:spcAft>
               <a:buClr>
-                <a:schemeClr val="dk1"/>
+                <a:schemeClr val="dk2"/>
               </a:buClr>
               <a:buSzPts val="2800"/>
-              <a:buNone/>
-              <a:defRPr sz="2800">
+              <a:buFont typeface="Raleway"/>
+              <a:buNone/>
+              <a:defRPr b="1" sz="2800">
                 <a:solidFill>
-                  <a:schemeClr val="dk1"/>
+                  <a:schemeClr val="dk2"/>
                 </a:solidFill>
+                <a:latin typeface="Raleway"/>
+                <a:ea typeface="Raleway"/>
+                <a:cs typeface="Raleway"/>
+                <a:sym typeface="Raleway"/>
               </a:defRPr>
             </a:lvl5pPr>
             <a:lvl6pPr lvl="5">
@@ -5321,14 +7074,19 @@
                 <a:spcPts val="0"/>
               </a:spcAft>
               <a:buClr>
-                <a:schemeClr val="dk1"/>
+                <a:schemeClr val="dk2"/>
               </a:buClr>
               <a:buSzPts val="2800"/>
-              <a:buNone/>
-              <a:defRPr sz="2800">
+              <a:buFont typeface="Raleway"/>
+              <a:buNone/>
+              <a:defRPr b="1" sz="2800">
                 <a:solidFill>
-                  <a:schemeClr val="dk1"/>
+                  <a:schemeClr val="dk2"/>
                 </a:solidFill>
+                <a:latin typeface="Raleway"/>
+                <a:ea typeface="Raleway"/>
+                <a:cs typeface="Raleway"/>
+                <a:sym typeface="Raleway"/>
               </a:defRPr>
             </a:lvl6pPr>
             <a:lvl7pPr lvl="6">
@@ -5339,14 +7097,19 @@
                 <a:spcPts val="0"/>
               </a:spcAft>
               <a:buClr>
-                <a:schemeClr val="dk1"/>
+                <a:schemeClr val="dk2"/>
               </a:buClr>
               <a:buSzPts val="2800"/>
-              <a:buNone/>
-              <a:defRPr sz="2800">
+              <a:buFont typeface="Raleway"/>
+              <a:buNone/>
+              <a:defRPr b="1" sz="2800">
                 <a:solidFill>
-                  <a:schemeClr val="dk1"/>
+                  <a:schemeClr val="dk2"/>
                 </a:solidFill>
+                <a:latin typeface="Raleway"/>
+                <a:ea typeface="Raleway"/>
+                <a:cs typeface="Raleway"/>
+                <a:sym typeface="Raleway"/>
               </a:defRPr>
             </a:lvl7pPr>
             <a:lvl8pPr lvl="7">
@@ -5357,14 +7120,19 @@
                 <a:spcPts val="0"/>
               </a:spcAft>
               <a:buClr>
-                <a:schemeClr val="dk1"/>
+                <a:schemeClr val="dk2"/>
               </a:buClr>
               <a:buSzPts val="2800"/>
-              <a:buNone/>
-              <a:defRPr sz="2800">
+              <a:buFont typeface="Raleway"/>
+              <a:buNone/>
+              <a:defRPr b="1" sz="2800">
                 <a:solidFill>
-                  <a:schemeClr val="dk1"/>
+                  <a:schemeClr val="dk2"/>
                 </a:solidFill>
+                <a:latin typeface="Raleway"/>
+                <a:ea typeface="Raleway"/>
+                <a:cs typeface="Raleway"/>
+                <a:sym typeface="Raleway"/>
               </a:defRPr>
             </a:lvl8pPr>
             <a:lvl9pPr lvl="8">
@@ -5375,14 +7143,19 @@
                 <a:spcPts val="0"/>
               </a:spcAft>
               <a:buClr>
-                <a:schemeClr val="dk1"/>
+                <a:schemeClr val="dk2"/>
               </a:buClr>
               <a:buSzPts val="2800"/>
-              <a:buNone/>
-              <a:defRPr sz="2800">
+              <a:buFont typeface="Raleway"/>
+              <a:buNone/>
+              <a:defRPr b="1" sz="2800">
                 <a:solidFill>
-                  <a:schemeClr val="dk1"/>
+                  <a:schemeClr val="dk2"/>
                 </a:solidFill>
+                <a:latin typeface="Raleway"/>
+                <a:ea typeface="Raleway"/>
+                <a:cs typeface="Raleway"/>
+                <a:sym typeface="Raleway"/>
               </a:defRPr>
             </a:lvl9pPr>
           </a:lstStyle>
@@ -5415,7 +7188,7 @@
             <a:normAutofit/>
           </a:bodyPr>
           <a:lstStyle>
-            <a:lvl1pPr indent="-342900" lvl="0" marL="457200">
+            <a:lvl1pPr indent="-311150" lvl="0" marL="457200">
               <a:lnSpc>
                 <a:spcPct val="115000"/>
               </a:lnSpc>
@@ -5426,17 +7199,22 @@
                 <a:spcPts val="0"/>
               </a:spcAft>
               <a:buClr>
-                <a:schemeClr val="dk2"/>
+                <a:schemeClr val="accent1"/>
               </a:buClr>
-              <a:buSzPts val="1800"/>
+              <a:buSzPts val="1300"/>
+              <a:buFont typeface="Lato"/>
               <a:buChar char="●"/>
-              <a:defRPr sz="1800">
+              <a:defRPr sz="1300">
                 <a:solidFill>
-                  <a:schemeClr val="dk2"/>
+                  <a:schemeClr val="accent1"/>
                 </a:solidFill>
+                <a:latin typeface="Lato"/>
+                <a:ea typeface="Lato"/>
+                <a:cs typeface="Lato"/>
+                <a:sym typeface="Lato"/>
               </a:defRPr>
             </a:lvl1pPr>
-            <a:lvl2pPr indent="-317500" lvl="1" marL="914400">
+            <a:lvl2pPr indent="-298450" lvl="1" marL="914400">
               <a:lnSpc>
                 <a:spcPct val="115000"/>
               </a:lnSpc>
@@ -5447,17 +7225,22 @@
                 <a:spcPts val="0"/>
               </a:spcAft>
               <a:buClr>
-                <a:schemeClr val="dk2"/>
+                <a:schemeClr val="accent1"/>
               </a:buClr>
-              <a:buSzPts val="1400"/>
+              <a:buSzPts val="1100"/>
+              <a:buFont typeface="Lato"/>
               <a:buChar char="○"/>
-              <a:defRPr>
+              <a:defRPr sz="1100">
                 <a:solidFill>
-                  <a:schemeClr val="dk2"/>
+                  <a:schemeClr val="accent1"/>
                 </a:solidFill>
+                <a:latin typeface="Lato"/>
+                <a:ea typeface="Lato"/>
+                <a:cs typeface="Lato"/>
+                <a:sym typeface="Lato"/>
               </a:defRPr>
             </a:lvl2pPr>
-            <a:lvl3pPr indent="-317500" lvl="2" marL="1371600">
+            <a:lvl3pPr indent="-298450" lvl="2" marL="1371600">
               <a:lnSpc>
                 <a:spcPct val="115000"/>
               </a:lnSpc>
@@ -5468,17 +7251,22 @@
                 <a:spcPts val="0"/>
               </a:spcAft>
               <a:buClr>
-                <a:schemeClr val="dk2"/>
+                <a:schemeClr val="accent1"/>
               </a:buClr>
-              <a:buSzPts val="1400"/>
+              <a:buSzPts val="1100"/>
+              <a:buFont typeface="Lato"/>
               <a:buChar char="■"/>
-              <a:defRPr>
+              <a:defRPr sz="1100">
                 <a:solidFill>
-                  <a:schemeClr val="dk2"/>
+                  <a:schemeClr val="accent1"/>
                 </a:solidFill>
+                <a:latin typeface="Lato"/>
+                <a:ea typeface="Lato"/>
+                <a:cs typeface="Lato"/>
+                <a:sym typeface="Lato"/>
               </a:defRPr>
             </a:lvl3pPr>
-            <a:lvl4pPr indent="-317500" lvl="3" marL="1828800">
+            <a:lvl4pPr indent="-298450" lvl="3" marL="1828800">
               <a:lnSpc>
                 <a:spcPct val="115000"/>
               </a:lnSpc>
@@ -5489,17 +7277,22 @@
                 <a:spcPts val="0"/>
               </a:spcAft>
               <a:buClr>
-                <a:schemeClr val="dk2"/>
+                <a:schemeClr val="accent1"/>
               </a:buClr>
-              <a:buSzPts val="1400"/>
+              <a:buSzPts val="1100"/>
+              <a:buFont typeface="Lato"/>
               <a:buChar char="●"/>
-              <a:defRPr>
+              <a:defRPr sz="1100">
                 <a:solidFill>
-                  <a:schemeClr val="dk2"/>
+                  <a:schemeClr val="accent1"/>
                 </a:solidFill>
+                <a:latin typeface="Lato"/>
+                <a:ea typeface="Lato"/>
+                <a:cs typeface="Lato"/>
+                <a:sym typeface="Lato"/>
               </a:defRPr>
             </a:lvl4pPr>
-            <a:lvl5pPr indent="-317500" lvl="4" marL="2286000">
+            <a:lvl5pPr indent="-298450" lvl="4" marL="2286000">
               <a:lnSpc>
                 <a:spcPct val="115000"/>
               </a:lnSpc>
@@ -5510,17 +7303,22 @@
                 <a:spcPts val="0"/>
               </a:spcAft>
               <a:buClr>
-                <a:schemeClr val="dk2"/>
+                <a:schemeClr val="accent1"/>
               </a:buClr>
-              <a:buSzPts val="1400"/>
+              <a:buSzPts val="1100"/>
+              <a:buFont typeface="Lato"/>
               <a:buChar char="○"/>
-              <a:defRPr>
+              <a:defRPr sz="1100">
                 <a:solidFill>
-                  <a:schemeClr val="dk2"/>
+                  <a:schemeClr val="accent1"/>
                 </a:solidFill>
+                <a:latin typeface="Lato"/>
+                <a:ea typeface="Lato"/>
+                <a:cs typeface="Lato"/>
+                <a:sym typeface="Lato"/>
               </a:defRPr>
             </a:lvl5pPr>
-            <a:lvl6pPr indent="-317500" lvl="5" marL="2743200">
+            <a:lvl6pPr indent="-298450" lvl="5" marL="2743200">
               <a:lnSpc>
                 <a:spcPct val="115000"/>
               </a:lnSpc>
@@ -5531,17 +7329,22 @@
                 <a:spcPts val="0"/>
               </a:spcAft>
               <a:buClr>
-                <a:schemeClr val="dk2"/>
+                <a:schemeClr val="accent1"/>
               </a:buClr>
-              <a:buSzPts val="1400"/>
+              <a:buSzPts val="1100"/>
+              <a:buFont typeface="Lato"/>
               <a:buChar char="■"/>
-              <a:defRPr>
+              <a:defRPr sz="1100">
                 <a:solidFill>
-                  <a:schemeClr val="dk2"/>
+                  <a:schemeClr val="accent1"/>
                 </a:solidFill>
+                <a:latin typeface="Lato"/>
+                <a:ea typeface="Lato"/>
+                <a:cs typeface="Lato"/>
+                <a:sym typeface="Lato"/>
               </a:defRPr>
             </a:lvl6pPr>
-            <a:lvl7pPr indent="-317500" lvl="6" marL="3200400">
+            <a:lvl7pPr indent="-298450" lvl="6" marL="3200400">
               <a:lnSpc>
                 <a:spcPct val="115000"/>
               </a:lnSpc>
@@ -5552,17 +7355,22 @@
                 <a:spcPts val="0"/>
               </a:spcAft>
               <a:buClr>
-                <a:schemeClr val="dk2"/>
+                <a:schemeClr val="accent1"/>
               </a:buClr>
-              <a:buSzPts val="1400"/>
+              <a:buSzPts val="1100"/>
+              <a:buFont typeface="Lato"/>
               <a:buChar char="●"/>
-              <a:defRPr>
+              <a:defRPr sz="1100">
                 <a:solidFill>
-                  <a:schemeClr val="dk2"/>
+                  <a:schemeClr val="accent1"/>
                 </a:solidFill>
+                <a:latin typeface="Lato"/>
+                <a:ea typeface="Lato"/>
+                <a:cs typeface="Lato"/>
+                <a:sym typeface="Lato"/>
               </a:defRPr>
             </a:lvl7pPr>
-            <a:lvl8pPr indent="-317500" lvl="7" marL="3657600">
+            <a:lvl8pPr indent="-298450" lvl="7" marL="3657600">
               <a:lnSpc>
                 <a:spcPct val="115000"/>
               </a:lnSpc>
@@ -5573,17 +7381,22 @@
                 <a:spcPts val="0"/>
               </a:spcAft>
               <a:buClr>
-                <a:schemeClr val="dk2"/>
+                <a:schemeClr val="accent1"/>
               </a:buClr>
-              <a:buSzPts val="1400"/>
+              <a:buSzPts val="1100"/>
+              <a:buFont typeface="Lato"/>
               <a:buChar char="○"/>
-              <a:defRPr>
+              <a:defRPr sz="1100">
                 <a:solidFill>
-                  <a:schemeClr val="dk2"/>
+                  <a:schemeClr val="accent1"/>
                 </a:solidFill>
+                <a:latin typeface="Lato"/>
+                <a:ea typeface="Lato"/>
+                <a:cs typeface="Lato"/>
+                <a:sym typeface="Lato"/>
               </a:defRPr>
             </a:lvl8pPr>
-            <a:lvl9pPr indent="-317500" lvl="8" marL="4114800">
+            <a:lvl9pPr indent="-298450" lvl="8" marL="4114800">
               <a:lnSpc>
                 <a:spcPct val="115000"/>
               </a:lnSpc>
@@ -5594,14 +7407,19 @@
                 <a:spcPts val="0"/>
               </a:spcAft>
               <a:buClr>
-                <a:schemeClr val="dk2"/>
+                <a:schemeClr val="accent1"/>
               </a:buClr>
-              <a:buSzPts val="1400"/>
+              <a:buSzPts val="1100"/>
+              <a:buFont typeface="Lato"/>
               <a:buChar char="■"/>
-              <a:defRPr>
+              <a:defRPr sz="1100">
                 <a:solidFill>
-                  <a:schemeClr val="dk2"/>
+                  <a:schemeClr val="accent1"/>
                 </a:solidFill>
+                <a:latin typeface="Lato"/>
+                <a:ea typeface="Lato"/>
+                <a:cs typeface="Lato"/>
+                <a:sym typeface="Lato"/>
               </a:defRPr>
             </a:lvl9pPr>
           </a:lstStyle>
@@ -5618,7 +7436,7 @@
         </p:nvSpPr>
         <p:spPr>
           <a:xfrm>
-            <a:off x="8472458" y="4663217"/>
+            <a:off x="8536302" y="4749851"/>
             <a:ext cx="548700" cy="393600"/>
           </a:xfrm>
           <a:prstGeom prst="rect">
@@ -5638,72 +7456,108 @@
               <a:buNone/>
               <a:defRPr sz="1000">
                 <a:solidFill>
-                  <a:schemeClr val="dk2"/>
+                  <a:schemeClr val="accent1"/>
                 </a:solidFill>
+                <a:latin typeface="Lato"/>
+                <a:ea typeface="Lato"/>
+                <a:cs typeface="Lato"/>
+                <a:sym typeface="Lato"/>
               </a:defRPr>
             </a:lvl1pPr>
             <a:lvl2pPr lvl="1" algn="r">
               <a:buNone/>
               <a:defRPr sz="1000">
                 <a:solidFill>
-                  <a:schemeClr val="dk2"/>
+                  <a:schemeClr val="accent1"/>
                 </a:solidFill>
+                <a:latin typeface="Lato"/>
+                <a:ea typeface="Lato"/>
+                <a:cs typeface="Lato"/>
+                <a:sym typeface="Lato"/>
               </a:defRPr>
             </a:lvl2pPr>
             <a:lvl3pPr lvl="2" algn="r">
               <a:buNone/>
               <a:defRPr sz="1000">
                 <a:solidFill>
-                  <a:schemeClr val="dk2"/>
+                  <a:schemeClr val="accent1"/>
                 </a:solidFill>
+                <a:latin typeface="Lato"/>
+                <a:ea typeface="Lato"/>
+                <a:cs typeface="Lato"/>
+                <a:sym typeface="Lato"/>
               </a:defRPr>
             </a:lvl3pPr>
             <a:lvl4pPr lvl="3" algn="r">
               <a:buNone/>
               <a:defRPr sz="1000">
                 <a:solidFill>
-                  <a:schemeClr val="dk2"/>
+                  <a:schemeClr val="accent1"/>
                 </a:solidFill>
+                <a:latin typeface="Lato"/>
+                <a:ea typeface="Lato"/>
+                <a:cs typeface="Lato"/>
+                <a:sym typeface="Lato"/>
               </a:defRPr>
             </a:lvl4pPr>
             <a:lvl5pPr lvl="4" algn="r">
               <a:buNone/>
               <a:defRPr sz="1000">
                 <a:solidFill>
-                  <a:schemeClr val="dk2"/>
+                  <a:schemeClr val="accent1"/>
                 </a:solidFill>
+                <a:latin typeface="Lato"/>
+                <a:ea typeface="Lato"/>
+                <a:cs typeface="Lato"/>
+                <a:sym typeface="Lato"/>
               </a:defRPr>
             </a:lvl5pPr>
             <a:lvl6pPr lvl="5" algn="r">
               <a:buNone/>
               <a:defRPr sz="1000">
                 <a:solidFill>
-                  <a:schemeClr val="dk2"/>
+                  <a:schemeClr val="accent1"/>
                 </a:solidFill>
+                <a:latin typeface="Lato"/>
+                <a:ea typeface="Lato"/>
+                <a:cs typeface="Lato"/>
+                <a:sym typeface="Lato"/>
               </a:defRPr>
             </a:lvl6pPr>
             <a:lvl7pPr lvl="6" algn="r">
               <a:buNone/>
               <a:defRPr sz="1000">
                 <a:solidFill>
-                  <a:schemeClr val="dk2"/>
+                  <a:schemeClr val="accent1"/>
                 </a:solidFill>
+                <a:latin typeface="Lato"/>
+                <a:ea typeface="Lato"/>
+                <a:cs typeface="Lato"/>
+                <a:sym typeface="Lato"/>
               </a:defRPr>
             </a:lvl7pPr>
             <a:lvl8pPr lvl="7" algn="r">
               <a:buNone/>
               <a:defRPr sz="1000">
                 <a:solidFill>
-                  <a:schemeClr val="dk2"/>
+                  <a:schemeClr val="accent1"/>
                 </a:solidFill>
+                <a:latin typeface="Lato"/>
+                <a:ea typeface="Lato"/>
+                <a:cs typeface="Lato"/>
+                <a:sym typeface="Lato"/>
               </a:defRPr>
             </a:lvl8pPr>
             <a:lvl9pPr lvl="8" algn="r">
               <a:buNone/>
               <a:defRPr sz="1000">
                 <a:solidFill>
-                  <a:schemeClr val="dk2"/>
+                  <a:schemeClr val="accent1"/>
                 </a:solidFill>
+                <a:latin typeface="Lato"/>
+                <a:ea typeface="Lato"/>
+                <a:cs typeface="Lato"/>
+                <a:sym typeface="Lato"/>
               </a:defRPr>
             </a:lvl9pPr>
           </a:lstStyle>
@@ -6446,7 +8300,7 @@
     </p:bg>
     <p:spTree>
       <p:nvGrpSpPr>
-        <p:cNvPr id="53" name="Shape 53"/>
+        <p:cNvPr id="85" name="Shape 85"/>
         <p:cNvGrpSpPr/>
         <p:nvPr/>
       </p:nvGrpSpPr>
@@ -6460,7 +8314,7 @@
       </p:grpSpPr>
       <p:sp>
         <p:nvSpPr>
-          <p:cNvPr id="54" name="Google Shape;54;p13"/>
+          <p:cNvPr id="86" name="Google Shape;86;p13"/>
           <p:cNvSpPr txBox="1"/>
           <p:nvPr/>
         </p:nvSpPr>
@@ -6534,7 +8388,7 @@
       </p:sp>
       <p:sp>
         <p:nvSpPr>
-          <p:cNvPr id="55" name="Google Shape;55;p13"/>
+          <p:cNvPr id="87" name="Google Shape;87;p13"/>
           <p:cNvSpPr txBox="1"/>
           <p:nvPr/>
         </p:nvSpPr>
@@ -6596,22 +8450,21 @@
       </p:sp>
       <p:pic>
         <p:nvPicPr>
-          <p:cNvPr id="56" name="Google Shape;56;p13"/>
+          <p:cNvPr id="88" name="Google Shape;88;p13"/>
           <p:cNvPicPr preferRelativeResize="0"/>
           <p:nvPr/>
         </p:nvPicPr>
-        <p:blipFill>
+        <p:blipFill rotWithShape="1">
           <a:blip r:embed="rId3">
             <a:alphaModFix/>
           </a:blip>
-          <a:stretch>
-            <a:fillRect/>
-          </a:stretch>
+          <a:srcRect b="0" l="0" r="58044" t="0"/>
+          <a:stretch/>
         </p:blipFill>
         <p:spPr>
           <a:xfrm>
-            <a:off x="3028950" y="0"/>
-            <a:ext cx="3086100" cy="923925"/>
+            <a:off x="7846950" y="498000"/>
+            <a:ext cx="1297050" cy="925550"/>
           </a:xfrm>
           <a:prstGeom prst="rect">
             <a:avLst/>
@@ -6624,7 +8477,7 @@
       </p:pic>
       <p:graphicFrame>
         <p:nvGraphicFramePr>
-          <p:cNvPr id="57" name="Google Shape;57;p13"/>
+          <p:cNvPr id="89" name="Google Shape;89;p13"/>
           <p:cNvGraphicFramePr/>
           <p:nvPr/>
         </p:nvGraphicFramePr>
@@ -6637,7 +8490,7 @@
             <a:tbl>
               <a:tblPr bandRow="1">
                 <a:noFill/>
-                <a:tableStyleId>{622E38B7-F55A-46B5-BF2A-0F715F85FABC}</a:tableStyleId>
+                <a:tableStyleId>{F2F2D62B-FCD0-4759-AC88-C5BDA611E855}</a:tableStyleId>
               </a:tblPr>
               <a:tblGrid>
                 <a:gridCol w="2113200"/>
@@ -7273,7 +9126,7 @@
       </p:graphicFrame>
       <p:graphicFrame>
         <p:nvGraphicFramePr>
-          <p:cNvPr id="58" name="Google Shape;58;p13"/>
+          <p:cNvPr id="90" name="Google Shape;90;p13"/>
           <p:cNvGraphicFramePr/>
           <p:nvPr/>
         </p:nvGraphicFramePr>
@@ -7286,7 +9139,7 @@
             <a:tbl>
               <a:tblPr bandRow="1">
                 <a:noFill/>
-                <a:tableStyleId>{622E38B7-F55A-46B5-BF2A-0F715F85FABC}</a:tableStyleId>
+                <a:tableStyleId>{F2F2D62B-FCD0-4759-AC88-C5BDA611E855}</a:tableStyleId>
               </a:tblPr>
               <a:tblGrid>
                 <a:gridCol w="1611475"/>
@@ -7726,13 +9579,13 @@
       </p:graphicFrame>
       <p:sp>
         <p:nvSpPr>
-          <p:cNvPr id="59" name="Google Shape;59;p13"/>
+          <p:cNvPr id="91" name="Google Shape;91;p13"/>
           <p:cNvSpPr txBox="1"/>
           <p:nvPr/>
         </p:nvSpPr>
         <p:spPr>
           <a:xfrm>
-            <a:off x="3352350" y="4495950"/>
+            <a:off x="3470325" y="4393700"/>
             <a:ext cx="2439300" cy="446400"/>
           </a:xfrm>
           <a:prstGeom prst="rect">
@@ -7807,688 +9660,7 @@
   <p:cSld>
     <p:spTree>
       <p:nvGrpSpPr>
-        <p:cNvPr id="120" name="Shape 120"/>
-        <p:cNvGrpSpPr/>
-        <p:nvPr/>
-      </p:nvGrpSpPr>
-      <p:grpSpPr>
-        <a:xfrm>
-          <a:off x="0" y="0"/>
-          <a:ext cx="0" cy="0"/>
-          <a:chOff x="0" y="0"/>
-          <a:chExt cx="0" cy="0"/>
-        </a:xfrm>
-      </p:grpSpPr>
-      <p:sp>
-        <p:nvSpPr>
-          <p:cNvPr id="121" name="Google Shape;121;p22"/>
-          <p:cNvSpPr txBox="1"/>
-          <p:nvPr>
-            <p:ph type="title"/>
-          </p:nvPr>
-        </p:nvSpPr>
-        <p:spPr>
-          <a:xfrm>
-            <a:off x="1058350" y="166375"/>
-            <a:ext cx="5214300" cy="745500"/>
-          </a:xfrm>
-          <a:prstGeom prst="rect">
-            <a:avLst/>
-          </a:prstGeom>
-        </p:spPr>
-        <p:txBody>
-          <a:bodyPr anchorCtr="0" anchor="ctr" bIns="91425" lIns="91425" spcFirstLastPara="1" rIns="91425" wrap="square" tIns="91425">
-            <a:noAutofit/>
-          </a:bodyPr>
-          <a:lstStyle/>
-          <a:p>
-            <a:pPr indent="0" lvl="0" marL="0" rtl="0" algn="ctr">
-              <a:spcBef>
-                <a:spcPts val="0"/>
-              </a:spcBef>
-              <a:spcAft>
-                <a:spcPts val="0"/>
-              </a:spcAft>
-              <a:buNone/>
-            </a:pPr>
-            <a:r>
-              <a:rPr lang="es" sz="3000"/>
-              <a:t>ASPECTOS A MEJORAR:</a:t>
-            </a:r>
-            <a:endParaRPr sz="7200"/>
-          </a:p>
-        </p:txBody>
-      </p:sp>
-      <p:pic>
-        <p:nvPicPr>
-          <p:cNvPr id="122" name="Google Shape;122;p22"/>
-          <p:cNvPicPr preferRelativeResize="0"/>
-          <p:nvPr/>
-        </p:nvPicPr>
-        <p:blipFill>
-          <a:blip r:embed="rId3">
-            <a:alphaModFix/>
-          </a:blip>
-          <a:stretch>
-            <a:fillRect/>
-          </a:stretch>
-        </p:blipFill>
-        <p:spPr>
-          <a:xfrm>
-            <a:off x="5726425" y="1077450"/>
-            <a:ext cx="2195700" cy="3984450"/>
-          </a:xfrm>
-          <a:prstGeom prst="rect">
-            <a:avLst/>
-          </a:prstGeom>
-          <a:noFill/>
-          <a:ln>
-            <a:noFill/>
-          </a:ln>
-        </p:spPr>
-      </p:pic>
-      <p:pic>
-        <p:nvPicPr>
-          <p:cNvPr id="123" name="Google Shape;123;p22"/>
-          <p:cNvPicPr preferRelativeResize="0"/>
-          <p:nvPr/>
-        </p:nvPicPr>
-        <p:blipFill>
-          <a:blip r:embed="rId4">
-            <a:alphaModFix/>
-          </a:blip>
-          <a:stretch>
-            <a:fillRect/>
-          </a:stretch>
-        </p:blipFill>
-        <p:spPr>
-          <a:xfrm>
-            <a:off x="376650" y="1077450"/>
-            <a:ext cx="5106460" cy="3920125"/>
-          </a:xfrm>
-          <a:prstGeom prst="rect">
-            <a:avLst/>
-          </a:prstGeom>
-          <a:noFill/>
-          <a:ln>
-            <a:noFill/>
-          </a:ln>
-        </p:spPr>
-      </p:pic>
-    </p:spTree>
-  </p:cSld>
-  <p:clrMapOvr>
-    <a:masterClrMapping/>
-  </p:clrMapOvr>
-</p:sld>
-</file>
-
-<file path=ppt/slides/slide11.xml><?xml version="1.0" encoding="utf-8"?>
-<p:sld xmlns:a="http://schemas.openxmlformats.org/drawingml/2006/main" xmlns:r="http://schemas.openxmlformats.org/officeDocument/2006/relationships" xmlns:mc="http://schemas.openxmlformats.org/markup-compatibility/2006" xmlns:mv="urn:schemas-microsoft-com:mac:vml" xmlns:p="http://schemas.openxmlformats.org/presentationml/2006/main" xmlns:c="http://schemas.openxmlformats.org/drawingml/2006/chart" xmlns:dgm="http://schemas.openxmlformats.org/drawingml/2006/diagram" xmlns:o="urn:schemas-microsoft-com:office:office" xmlns:v="urn:schemas-microsoft-com:vml" xmlns:pvml="urn:schemas-microsoft-com:office:powerpoint" xmlns:com="http://schemas.openxmlformats.org/drawingml/2006/compatibility" xmlns:p14="http://schemas.microsoft.com/office/powerpoint/2010/main" xmlns:p15="http://schemas.microsoft.com/office/powerpoint/2012/main" xmlns:ahyp="http://schemas.microsoft.com/office/drawing/2018/hyperlinkcolor">
-  <p:cSld>
-    <p:spTree>
-      <p:nvGrpSpPr>
-        <p:cNvPr id="127" name="Shape 127"/>
-        <p:cNvGrpSpPr/>
-        <p:nvPr/>
-      </p:nvGrpSpPr>
-      <p:grpSpPr>
-        <a:xfrm>
-          <a:off x="0" y="0"/>
-          <a:ext cx="0" cy="0"/>
-          <a:chOff x="0" y="0"/>
-          <a:chExt cx="0" cy="0"/>
-        </a:xfrm>
-      </p:grpSpPr>
-      <p:sp>
-        <p:nvSpPr>
-          <p:cNvPr id="128" name="Google Shape;128;p23"/>
-          <p:cNvSpPr txBox="1"/>
-          <p:nvPr>
-            <p:ph type="title"/>
-          </p:nvPr>
-        </p:nvSpPr>
-        <p:spPr>
-          <a:xfrm>
-            <a:off x="914075" y="1166950"/>
-            <a:ext cx="6848400" cy="2433000"/>
-          </a:xfrm>
-          <a:prstGeom prst="rect">
-            <a:avLst/>
-          </a:prstGeom>
-        </p:spPr>
-        <p:txBody>
-          <a:bodyPr anchorCtr="0" anchor="ctr" bIns="91425" lIns="91425" spcFirstLastPara="1" rIns="91425" wrap="square" tIns="91425">
-            <a:noAutofit/>
-          </a:bodyPr>
-          <a:lstStyle/>
-          <a:p>
-            <a:pPr indent="0" lvl="0" marL="0" rtl="0" algn="ctr">
-              <a:spcBef>
-                <a:spcPts val="0"/>
-              </a:spcBef>
-              <a:spcAft>
-                <a:spcPts val="0"/>
-              </a:spcAft>
-              <a:buNone/>
-            </a:pPr>
-            <a:r>
-              <a:rPr lang="es" sz="7200"/>
-              <a:t>GRACIAS </a:t>
-            </a:r>
-            <a:endParaRPr sz="7200"/>
-          </a:p>
-        </p:txBody>
-      </p:sp>
-    </p:spTree>
-  </p:cSld>
-  <p:clrMapOvr>
-    <a:masterClrMapping/>
-  </p:clrMapOvr>
-</p:sld>
-</file>
-
-<file path=ppt/slides/slide2.xml><?xml version="1.0" encoding="utf-8"?>
-<p:sld xmlns:a="http://schemas.openxmlformats.org/drawingml/2006/main" xmlns:r="http://schemas.openxmlformats.org/officeDocument/2006/relationships" xmlns:mc="http://schemas.openxmlformats.org/markup-compatibility/2006" xmlns:mv="urn:schemas-microsoft-com:mac:vml" xmlns:p="http://schemas.openxmlformats.org/presentationml/2006/main" xmlns:c="http://schemas.openxmlformats.org/drawingml/2006/chart" xmlns:dgm="http://schemas.openxmlformats.org/drawingml/2006/diagram" xmlns:o="urn:schemas-microsoft-com:office:office" xmlns:v="urn:schemas-microsoft-com:vml" xmlns:pvml="urn:schemas-microsoft-com:office:powerpoint" xmlns:com="http://schemas.openxmlformats.org/drawingml/2006/compatibility" xmlns:p14="http://schemas.microsoft.com/office/powerpoint/2010/main" xmlns:p15="http://schemas.microsoft.com/office/powerpoint/2012/main" xmlns:ahyp="http://schemas.microsoft.com/office/drawing/2018/hyperlinkcolor">
-  <p:cSld>
-    <p:spTree>
-      <p:nvGrpSpPr>
-        <p:cNvPr id="63" name="Shape 63"/>
-        <p:cNvGrpSpPr/>
-        <p:nvPr/>
-      </p:nvGrpSpPr>
-      <p:grpSpPr>
-        <a:xfrm>
-          <a:off x="0" y="0"/>
-          <a:ext cx="0" cy="0"/>
-          <a:chOff x="0" y="0"/>
-          <a:chExt cx="0" cy="0"/>
-        </a:xfrm>
-      </p:grpSpPr>
-      <p:sp>
-        <p:nvSpPr>
-          <p:cNvPr id="64" name="Google Shape;64;p14"/>
-          <p:cNvSpPr txBox="1"/>
-          <p:nvPr>
-            <p:ph type="ctrTitle"/>
-          </p:nvPr>
-        </p:nvSpPr>
-        <p:spPr>
-          <a:xfrm>
-            <a:off x="311699" y="362075"/>
-            <a:ext cx="7248300" cy="875400"/>
-          </a:xfrm>
-          <a:prstGeom prst="rect">
-            <a:avLst/>
-          </a:prstGeom>
-        </p:spPr>
-        <p:txBody>
-          <a:bodyPr anchorCtr="0" anchor="b" bIns="91425" lIns="91425" spcFirstLastPara="1" rIns="91425" wrap="square" tIns="91425">
-            <a:normAutofit/>
-          </a:bodyPr>
-          <a:lstStyle/>
-          <a:p>
-            <a:pPr indent="0" lvl="0" marL="0" rtl="0" algn="l">
-              <a:spcBef>
-                <a:spcPts val="0"/>
-              </a:spcBef>
-              <a:spcAft>
-                <a:spcPts val="0"/>
-              </a:spcAft>
-              <a:buNone/>
-            </a:pPr>
-            <a:r>
-              <a:rPr b="1" lang="es" sz="3000"/>
-              <a:t>Historias de Usuario Desarrolladas</a:t>
-            </a:r>
-            <a:endParaRPr b="1" sz="3000"/>
-          </a:p>
-        </p:txBody>
-      </p:sp>
-      <p:sp>
-        <p:nvSpPr>
-          <p:cNvPr id="65" name="Google Shape;65;p14"/>
-          <p:cNvSpPr txBox="1"/>
-          <p:nvPr>
-            <p:ph idx="1" type="subTitle"/>
-          </p:nvPr>
-        </p:nvSpPr>
-        <p:spPr>
-          <a:xfrm>
-            <a:off x="311700" y="2834125"/>
-            <a:ext cx="8520600" cy="792600"/>
-          </a:xfrm>
-          <a:prstGeom prst="rect">
-            <a:avLst/>
-          </a:prstGeom>
-        </p:spPr>
-        <p:txBody>
-          <a:bodyPr anchorCtr="0" anchor="t" bIns="91425" lIns="91425" spcFirstLastPara="1" rIns="91425" wrap="square" tIns="91425">
-            <a:normAutofit/>
-          </a:bodyPr>
-          <a:lstStyle/>
-          <a:p>
-            <a:pPr indent="0" lvl="0" marL="0" rtl="0" algn="ctr">
-              <a:spcBef>
-                <a:spcPts val="0"/>
-              </a:spcBef>
-              <a:spcAft>
-                <a:spcPts val="0"/>
-              </a:spcAft>
-              <a:buNone/>
-            </a:pPr>
-            <a:r>
-              <a:t/>
-            </a:r>
-            <a:endParaRPr/>
-          </a:p>
-        </p:txBody>
-      </p:sp>
-      <p:pic>
-        <p:nvPicPr>
-          <p:cNvPr id="66" name="Google Shape;66;p14"/>
-          <p:cNvPicPr preferRelativeResize="0"/>
-          <p:nvPr/>
-        </p:nvPicPr>
-        <p:blipFill>
-          <a:blip r:embed="rId3">
-            <a:alphaModFix/>
-          </a:blip>
-          <a:stretch>
-            <a:fillRect/>
-          </a:stretch>
-        </p:blipFill>
-        <p:spPr>
-          <a:xfrm>
-            <a:off x="0" y="1521287"/>
-            <a:ext cx="9143999" cy="2685926"/>
-          </a:xfrm>
-          <a:prstGeom prst="rect">
-            <a:avLst/>
-          </a:prstGeom>
-          <a:noFill/>
-          <a:ln>
-            <a:noFill/>
-          </a:ln>
-        </p:spPr>
-      </p:pic>
-    </p:spTree>
-  </p:cSld>
-  <p:clrMapOvr>
-    <a:masterClrMapping/>
-  </p:clrMapOvr>
-</p:sld>
-</file>
-
-<file path=ppt/slides/slide3.xml><?xml version="1.0" encoding="utf-8"?>
-<p:sld xmlns:a="http://schemas.openxmlformats.org/drawingml/2006/main" xmlns:r="http://schemas.openxmlformats.org/officeDocument/2006/relationships" xmlns:mc="http://schemas.openxmlformats.org/markup-compatibility/2006" xmlns:mv="urn:schemas-microsoft-com:mac:vml" xmlns:p="http://schemas.openxmlformats.org/presentationml/2006/main" xmlns:c="http://schemas.openxmlformats.org/drawingml/2006/chart" xmlns:dgm="http://schemas.openxmlformats.org/drawingml/2006/diagram" xmlns:o="urn:schemas-microsoft-com:office:office" xmlns:v="urn:schemas-microsoft-com:vml" xmlns:pvml="urn:schemas-microsoft-com:office:powerpoint" xmlns:com="http://schemas.openxmlformats.org/drawingml/2006/compatibility" xmlns:p14="http://schemas.microsoft.com/office/powerpoint/2010/main" xmlns:p15="http://schemas.microsoft.com/office/powerpoint/2012/main" xmlns:ahyp="http://schemas.microsoft.com/office/drawing/2018/hyperlinkcolor">
-  <p:cSld>
-    <p:spTree>
-      <p:nvGrpSpPr>
-        <p:cNvPr id="70" name="Shape 70"/>
-        <p:cNvGrpSpPr/>
-        <p:nvPr/>
-      </p:nvGrpSpPr>
-      <p:grpSpPr>
-        <a:xfrm>
-          <a:off x="0" y="0"/>
-          <a:ext cx="0" cy="0"/>
-          <a:chOff x="0" y="0"/>
-          <a:chExt cx="0" cy="0"/>
-        </a:xfrm>
-      </p:grpSpPr>
-      <p:sp>
-        <p:nvSpPr>
-          <p:cNvPr id="71" name="Google Shape;71;p15"/>
-          <p:cNvSpPr txBox="1"/>
-          <p:nvPr>
-            <p:ph type="title"/>
-          </p:nvPr>
-        </p:nvSpPr>
-        <p:spPr>
-          <a:xfrm>
-            <a:off x="152400" y="166225"/>
-            <a:ext cx="8520600" cy="572700"/>
-          </a:xfrm>
-          <a:prstGeom prst="rect">
-            <a:avLst/>
-          </a:prstGeom>
-        </p:spPr>
-        <p:txBody>
-          <a:bodyPr anchorCtr="0" anchor="t" bIns="91425" lIns="91425" spcFirstLastPara="1" rIns="91425" wrap="square" tIns="91425">
-            <a:normAutofit fontScale="90000"/>
-          </a:bodyPr>
-          <a:lstStyle/>
-          <a:p>
-            <a:pPr indent="0" lvl="0" marL="0" rtl="0" algn="l">
-              <a:spcBef>
-                <a:spcPts val="0"/>
-              </a:spcBef>
-              <a:spcAft>
-                <a:spcPts val="0"/>
-              </a:spcAft>
-              <a:buNone/>
-            </a:pPr>
-            <a:r>
-              <a:rPr lang="es"/>
-              <a:t>BACKLOG DEL PRODUCTO</a:t>
-            </a:r>
-            <a:endParaRPr/>
-          </a:p>
-        </p:txBody>
-      </p:sp>
-      <p:pic>
-        <p:nvPicPr>
-          <p:cNvPr id="72" name="Google Shape;72;p15"/>
-          <p:cNvPicPr preferRelativeResize="0"/>
-          <p:nvPr/>
-        </p:nvPicPr>
-        <p:blipFill rotWithShape="1">
-          <a:blip r:embed="rId3">
-            <a:alphaModFix/>
-          </a:blip>
-          <a:srcRect b="0" l="267" r="62029" t="0"/>
-          <a:stretch/>
-        </p:blipFill>
-        <p:spPr>
-          <a:xfrm>
-            <a:off x="342550" y="854600"/>
-            <a:ext cx="4908974" cy="1717150"/>
-          </a:xfrm>
-          <a:prstGeom prst="rect">
-            <a:avLst/>
-          </a:prstGeom>
-          <a:noFill/>
-          <a:ln>
-            <a:noFill/>
-          </a:ln>
-        </p:spPr>
-      </p:pic>
-      <p:pic>
-        <p:nvPicPr>
-          <p:cNvPr id="73" name="Google Shape;73;p15"/>
-          <p:cNvPicPr preferRelativeResize="0"/>
-          <p:nvPr/>
-        </p:nvPicPr>
-        <p:blipFill>
-          <a:blip r:embed="rId4">
-            <a:alphaModFix/>
-          </a:blip>
-          <a:stretch>
-            <a:fillRect/>
-          </a:stretch>
-        </p:blipFill>
-        <p:spPr>
-          <a:xfrm>
-            <a:off x="1281125" y="2624351"/>
-            <a:ext cx="7024725" cy="1622625"/>
-          </a:xfrm>
-          <a:prstGeom prst="rect">
-            <a:avLst/>
-          </a:prstGeom>
-          <a:noFill/>
-          <a:ln>
-            <a:noFill/>
-          </a:ln>
-        </p:spPr>
-      </p:pic>
-    </p:spTree>
-  </p:cSld>
-  <p:clrMapOvr>
-    <a:masterClrMapping/>
-  </p:clrMapOvr>
-</p:sld>
-</file>
-
-<file path=ppt/slides/slide4.xml><?xml version="1.0" encoding="utf-8"?>
-<p:sld xmlns:a="http://schemas.openxmlformats.org/drawingml/2006/main" xmlns:r="http://schemas.openxmlformats.org/officeDocument/2006/relationships" xmlns:mc="http://schemas.openxmlformats.org/markup-compatibility/2006" xmlns:mv="urn:schemas-microsoft-com:mac:vml" xmlns:p="http://schemas.openxmlformats.org/presentationml/2006/main" xmlns:c="http://schemas.openxmlformats.org/drawingml/2006/chart" xmlns:dgm="http://schemas.openxmlformats.org/drawingml/2006/diagram" xmlns:o="urn:schemas-microsoft-com:office:office" xmlns:v="urn:schemas-microsoft-com:vml" xmlns:pvml="urn:schemas-microsoft-com:office:powerpoint" xmlns:com="http://schemas.openxmlformats.org/drawingml/2006/compatibility" xmlns:p14="http://schemas.microsoft.com/office/powerpoint/2010/main" xmlns:p15="http://schemas.microsoft.com/office/powerpoint/2012/main" xmlns:ahyp="http://schemas.microsoft.com/office/drawing/2018/hyperlinkcolor">
-  <p:cSld>
-    <p:spTree>
-      <p:nvGrpSpPr>
-        <p:cNvPr id="77" name="Shape 77"/>
-        <p:cNvGrpSpPr/>
-        <p:nvPr/>
-      </p:nvGrpSpPr>
-      <p:grpSpPr>
-        <a:xfrm>
-          <a:off x="0" y="0"/>
-          <a:ext cx="0" cy="0"/>
-          <a:chOff x="0" y="0"/>
-          <a:chExt cx="0" cy="0"/>
-        </a:xfrm>
-      </p:grpSpPr>
-      <p:sp>
-        <p:nvSpPr>
-          <p:cNvPr id="78" name="Google Shape;78;p16"/>
-          <p:cNvSpPr txBox="1"/>
-          <p:nvPr>
-            <p:ph type="title"/>
-          </p:nvPr>
-        </p:nvSpPr>
-        <p:spPr>
-          <a:xfrm>
-            <a:off x="311700" y="445025"/>
-            <a:ext cx="8520600" cy="1047600"/>
-          </a:xfrm>
-          <a:prstGeom prst="rect">
-            <a:avLst/>
-          </a:prstGeom>
-        </p:spPr>
-        <p:txBody>
-          <a:bodyPr anchorCtr="0" anchor="t" bIns="91425" lIns="91425" spcFirstLastPara="1" rIns="91425" wrap="square" tIns="91425">
-            <a:noAutofit/>
-          </a:bodyPr>
-          <a:lstStyle/>
-          <a:p>
-            <a:pPr indent="0" lvl="0" marL="0" rtl="0" algn="l">
-              <a:spcBef>
-                <a:spcPts val="0"/>
-              </a:spcBef>
-              <a:spcAft>
-                <a:spcPts val="0"/>
-              </a:spcAft>
-              <a:buSzPts val="990"/>
-              <a:buNone/>
-            </a:pPr>
-            <a:r>
-              <a:rPr lang="es" sz="4220"/>
-              <a:t>Sprint 1</a:t>
-            </a:r>
-            <a:endParaRPr sz="4220"/>
-          </a:p>
-        </p:txBody>
-      </p:sp>
-      <p:pic>
-        <p:nvPicPr>
-          <p:cNvPr id="79" name="Google Shape;79;p16"/>
-          <p:cNvPicPr preferRelativeResize="0"/>
-          <p:nvPr/>
-        </p:nvPicPr>
-        <p:blipFill>
-          <a:blip r:embed="rId3">
-            <a:alphaModFix/>
-          </a:blip>
-          <a:stretch>
-            <a:fillRect/>
-          </a:stretch>
-        </p:blipFill>
-        <p:spPr>
-          <a:xfrm>
-            <a:off x="142400" y="1956975"/>
-            <a:ext cx="8689900" cy="2350700"/>
-          </a:xfrm>
-          <a:prstGeom prst="rect">
-            <a:avLst/>
-          </a:prstGeom>
-          <a:noFill/>
-          <a:ln>
-            <a:noFill/>
-          </a:ln>
-        </p:spPr>
-      </p:pic>
-      <p:pic>
-        <p:nvPicPr>
-          <p:cNvPr id="80" name="Google Shape;80;p16"/>
-          <p:cNvPicPr preferRelativeResize="0"/>
-          <p:nvPr/>
-        </p:nvPicPr>
-        <p:blipFill>
-          <a:blip r:embed="rId4">
-            <a:alphaModFix/>
-          </a:blip>
-          <a:stretch>
-            <a:fillRect/>
-          </a:stretch>
-        </p:blipFill>
-        <p:spPr>
-          <a:xfrm>
-            <a:off x="5870950" y="110225"/>
-            <a:ext cx="3108050" cy="1554025"/>
-          </a:xfrm>
-          <a:prstGeom prst="rect">
-            <a:avLst/>
-          </a:prstGeom>
-          <a:noFill/>
-          <a:ln>
-            <a:noFill/>
-          </a:ln>
-        </p:spPr>
-      </p:pic>
-    </p:spTree>
-  </p:cSld>
-  <p:clrMapOvr>
-    <a:masterClrMapping/>
-  </p:clrMapOvr>
-</p:sld>
-</file>
-
-<file path=ppt/slides/slide5.xml><?xml version="1.0" encoding="utf-8"?>
-<p:sld xmlns:a="http://schemas.openxmlformats.org/drawingml/2006/main" xmlns:r="http://schemas.openxmlformats.org/officeDocument/2006/relationships" xmlns:mc="http://schemas.openxmlformats.org/markup-compatibility/2006" xmlns:mv="urn:schemas-microsoft-com:mac:vml" xmlns:p="http://schemas.openxmlformats.org/presentationml/2006/main" xmlns:c="http://schemas.openxmlformats.org/drawingml/2006/chart" xmlns:dgm="http://schemas.openxmlformats.org/drawingml/2006/diagram" xmlns:o="urn:schemas-microsoft-com:office:office" xmlns:v="urn:schemas-microsoft-com:vml" xmlns:pvml="urn:schemas-microsoft-com:office:powerpoint" xmlns:com="http://schemas.openxmlformats.org/drawingml/2006/compatibility" xmlns:p14="http://schemas.microsoft.com/office/powerpoint/2010/main" xmlns:p15="http://schemas.microsoft.com/office/powerpoint/2012/main" xmlns:ahyp="http://schemas.microsoft.com/office/drawing/2018/hyperlinkcolor">
-  <p:cSld>
-    <p:spTree>
-      <p:nvGrpSpPr>
-        <p:cNvPr id="84" name="Shape 84"/>
-        <p:cNvGrpSpPr/>
-        <p:nvPr/>
-      </p:nvGrpSpPr>
-      <p:grpSpPr>
-        <a:xfrm>
-          <a:off x="0" y="0"/>
-          <a:ext cx="0" cy="0"/>
-          <a:chOff x="0" y="0"/>
-          <a:chExt cx="0" cy="0"/>
-        </a:xfrm>
-      </p:grpSpPr>
-      <p:sp>
-        <p:nvSpPr>
-          <p:cNvPr id="85" name="Google Shape;85;p17"/>
-          <p:cNvSpPr txBox="1"/>
-          <p:nvPr>
-            <p:ph type="title"/>
-          </p:nvPr>
-        </p:nvSpPr>
-        <p:spPr>
-          <a:xfrm>
-            <a:off x="311700" y="673625"/>
-            <a:ext cx="8520600" cy="572700"/>
-          </a:xfrm>
-          <a:prstGeom prst="rect">
-            <a:avLst/>
-          </a:prstGeom>
-        </p:spPr>
-        <p:txBody>
-          <a:bodyPr anchorCtr="0" anchor="t" bIns="91425" lIns="91425" spcFirstLastPara="1" rIns="91425" wrap="square" tIns="91425">
-            <a:noAutofit/>
-          </a:bodyPr>
-          <a:lstStyle/>
-          <a:p>
-            <a:pPr indent="0" lvl="0" marL="0" rtl="0" algn="l">
-              <a:spcBef>
-                <a:spcPts val="0"/>
-              </a:spcBef>
-              <a:spcAft>
-                <a:spcPts val="0"/>
-              </a:spcAft>
-              <a:buNone/>
-            </a:pPr>
-            <a:r>
-              <a:rPr lang="es" sz="4200"/>
-              <a:t>Sprint 2</a:t>
-            </a:r>
-            <a:endParaRPr sz="4200"/>
-          </a:p>
-        </p:txBody>
-      </p:sp>
-      <p:pic>
-        <p:nvPicPr>
-          <p:cNvPr id="86" name="Google Shape;86;p17"/>
-          <p:cNvPicPr preferRelativeResize="0"/>
-          <p:nvPr/>
-        </p:nvPicPr>
-        <p:blipFill>
-          <a:blip r:embed="rId3">
-            <a:alphaModFix/>
-          </a:blip>
-          <a:stretch>
-            <a:fillRect/>
-          </a:stretch>
-        </p:blipFill>
-        <p:spPr>
-          <a:xfrm>
-            <a:off x="100000" y="2346450"/>
-            <a:ext cx="8839201" cy="1950599"/>
-          </a:xfrm>
-          <a:prstGeom prst="rect">
-            <a:avLst/>
-          </a:prstGeom>
-          <a:noFill/>
-          <a:ln>
-            <a:noFill/>
-          </a:ln>
-        </p:spPr>
-      </p:pic>
-      <p:pic>
-        <p:nvPicPr>
-          <p:cNvPr id="87" name="Google Shape;87;p17"/>
-          <p:cNvPicPr preferRelativeResize="0"/>
-          <p:nvPr/>
-        </p:nvPicPr>
-        <p:blipFill>
-          <a:blip r:embed="rId4">
-            <a:alphaModFix/>
-          </a:blip>
-          <a:stretch>
-            <a:fillRect/>
-          </a:stretch>
-        </p:blipFill>
-        <p:spPr>
-          <a:xfrm>
-            <a:off x="5502000" y="394500"/>
-            <a:ext cx="3393000" cy="1696500"/>
-          </a:xfrm>
-          <a:prstGeom prst="rect">
-            <a:avLst/>
-          </a:prstGeom>
-          <a:noFill/>
-          <a:ln>
-            <a:noFill/>
-          </a:ln>
-        </p:spPr>
-      </p:pic>
-    </p:spTree>
-  </p:cSld>
-  <p:clrMapOvr>
-    <a:masterClrMapping/>
-  </p:clrMapOvr>
-</p:sld>
-</file>
-
-<file path=ppt/slides/slide6.xml><?xml version="1.0" encoding="utf-8"?>
-<p:sld xmlns:a="http://schemas.openxmlformats.org/drawingml/2006/main" xmlns:r="http://schemas.openxmlformats.org/officeDocument/2006/relationships" xmlns:mc="http://schemas.openxmlformats.org/markup-compatibility/2006" xmlns:mv="urn:schemas-microsoft-com:mac:vml" xmlns:p="http://schemas.openxmlformats.org/presentationml/2006/main" xmlns:c="http://schemas.openxmlformats.org/drawingml/2006/chart" xmlns:dgm="http://schemas.openxmlformats.org/drawingml/2006/diagram" xmlns:o="urn:schemas-microsoft-com:office:office" xmlns:v="urn:schemas-microsoft-com:vml" xmlns:pvml="urn:schemas-microsoft-com:office:powerpoint" xmlns:com="http://schemas.openxmlformats.org/drawingml/2006/compatibility" xmlns:p14="http://schemas.microsoft.com/office/powerpoint/2010/main" xmlns:p15="http://schemas.microsoft.com/office/powerpoint/2012/main" xmlns:ahyp="http://schemas.microsoft.com/office/drawing/2018/hyperlinkcolor">
-  <p:cSld>
-    <p:spTree>
-      <p:nvGrpSpPr>
-        <p:cNvPr id="91" name="Shape 91"/>
+        <p:cNvPr id="146" name="Shape 146"/>
         <p:cNvGrpSpPr/>
         <p:nvPr/>
       </p:nvGrpSpPr>
@@ -8502,165 +9674,7 @@
       </p:grpSpPr>
       <p:pic>
         <p:nvPicPr>
-          <p:cNvPr id="92" name="Google Shape;92;p18"/>
-          <p:cNvPicPr preferRelativeResize="0"/>
-          <p:nvPr/>
-        </p:nvPicPr>
-        <p:blipFill>
-          <a:blip r:embed="rId3">
-            <a:alphaModFix/>
-          </a:blip>
-          <a:stretch>
-            <a:fillRect/>
-          </a:stretch>
-        </p:blipFill>
-        <p:spPr>
-          <a:xfrm>
-            <a:off x="152400" y="348450"/>
-            <a:ext cx="8839199" cy="4446589"/>
-          </a:xfrm>
-          <a:prstGeom prst="rect">
-            <a:avLst/>
-          </a:prstGeom>
-          <a:noFill/>
-          <a:ln>
-            <a:noFill/>
-          </a:ln>
-        </p:spPr>
-      </p:pic>
-    </p:spTree>
-  </p:cSld>
-  <p:clrMapOvr>
-    <a:masterClrMapping/>
-  </p:clrMapOvr>
-</p:sld>
-</file>
-
-<file path=ppt/slides/slide7.xml><?xml version="1.0" encoding="utf-8"?>
-<p:sld xmlns:a="http://schemas.openxmlformats.org/drawingml/2006/main" xmlns:r="http://schemas.openxmlformats.org/officeDocument/2006/relationships" xmlns:mc="http://schemas.openxmlformats.org/markup-compatibility/2006" xmlns:mv="urn:schemas-microsoft-com:mac:vml" xmlns:p="http://schemas.openxmlformats.org/presentationml/2006/main" xmlns:c="http://schemas.openxmlformats.org/drawingml/2006/chart" xmlns:dgm="http://schemas.openxmlformats.org/drawingml/2006/diagram" xmlns:o="urn:schemas-microsoft-com:office:office" xmlns:v="urn:schemas-microsoft-com:vml" xmlns:pvml="urn:schemas-microsoft-com:office:powerpoint" xmlns:com="http://schemas.openxmlformats.org/drawingml/2006/compatibility" xmlns:p14="http://schemas.microsoft.com/office/powerpoint/2010/main" xmlns:p15="http://schemas.microsoft.com/office/powerpoint/2012/main" xmlns:ahyp="http://schemas.microsoft.com/office/drawing/2018/hyperlinkcolor">
-  <p:cSld>
-    <p:spTree>
-      <p:nvGrpSpPr>
-        <p:cNvPr id="96" name="Shape 96"/>
-        <p:cNvGrpSpPr/>
-        <p:nvPr/>
-      </p:nvGrpSpPr>
-      <p:grpSpPr>
-        <a:xfrm>
-          <a:off x="0" y="0"/>
-          <a:ext cx="0" cy="0"/>
-          <a:chOff x="0" y="0"/>
-          <a:chExt cx="0" cy="0"/>
-        </a:xfrm>
-      </p:grpSpPr>
-      <p:sp>
-        <p:nvSpPr>
-          <p:cNvPr id="97" name="Google Shape;97;p19"/>
-          <p:cNvSpPr txBox="1"/>
-          <p:nvPr>
-            <p:ph type="title"/>
-          </p:nvPr>
-        </p:nvSpPr>
-        <p:spPr>
-          <a:xfrm>
-            <a:off x="139950" y="155750"/>
-            <a:ext cx="8520600" cy="572700"/>
-          </a:xfrm>
-          <a:prstGeom prst="rect">
-            <a:avLst/>
-          </a:prstGeom>
-          <a:solidFill>
-            <a:schemeClr val="accent2"/>
-          </a:solidFill>
-        </p:spPr>
-        <p:txBody>
-          <a:bodyPr anchorCtr="0" anchor="t" bIns="91425" lIns="91425" spcFirstLastPara="1" rIns="91425" wrap="square" tIns="91425">
-            <a:normAutofit/>
-          </a:bodyPr>
-          <a:lstStyle/>
-          <a:p>
-            <a:pPr indent="0" lvl="0" marL="0" rtl="0" algn="ctr">
-              <a:spcBef>
-                <a:spcPts val="0"/>
-              </a:spcBef>
-              <a:spcAft>
-                <a:spcPts val="0"/>
-              </a:spcAft>
-              <a:buSzPts val="990"/>
-              <a:buNone/>
-            </a:pPr>
-            <a:r>
-              <a:rPr i="1" lang="es" sz="2320">
-                <a:solidFill>
-                  <a:schemeClr val="lt1"/>
-                </a:solidFill>
-              </a:rPr>
-              <a:t>Diseño de la Base de datos</a:t>
-            </a:r>
-            <a:endParaRPr i="1" sz="2320">
-              <a:solidFill>
-                <a:schemeClr val="lt1"/>
-              </a:solidFill>
-            </a:endParaRPr>
-          </a:p>
-        </p:txBody>
-      </p:sp>
-      <p:pic>
-        <p:nvPicPr>
-          <p:cNvPr id="98" name="Google Shape;98;p19"/>
-          <p:cNvPicPr preferRelativeResize="0"/>
-          <p:nvPr/>
-        </p:nvPicPr>
-        <p:blipFill>
-          <a:blip r:embed="rId3">
-            <a:alphaModFix/>
-          </a:blip>
-          <a:stretch>
-            <a:fillRect/>
-          </a:stretch>
-        </p:blipFill>
-        <p:spPr>
-          <a:xfrm>
-            <a:off x="191400" y="875275"/>
-            <a:ext cx="8469149" cy="4110249"/>
-          </a:xfrm>
-          <a:prstGeom prst="rect">
-            <a:avLst/>
-          </a:prstGeom>
-          <a:noFill/>
-          <a:ln>
-            <a:noFill/>
-          </a:ln>
-        </p:spPr>
-      </p:pic>
-    </p:spTree>
-  </p:cSld>
-  <p:clrMapOvr>
-    <a:masterClrMapping/>
-  </p:clrMapOvr>
-</p:sld>
-</file>
-
-<file path=ppt/slides/slide8.xml><?xml version="1.0" encoding="utf-8"?>
-<p:sld xmlns:a="http://schemas.openxmlformats.org/drawingml/2006/main" xmlns:r="http://schemas.openxmlformats.org/officeDocument/2006/relationships" xmlns:mc="http://schemas.openxmlformats.org/markup-compatibility/2006" xmlns:mv="urn:schemas-microsoft-com:mac:vml" xmlns:p="http://schemas.openxmlformats.org/presentationml/2006/main" xmlns:c="http://schemas.openxmlformats.org/drawingml/2006/chart" xmlns:dgm="http://schemas.openxmlformats.org/drawingml/2006/diagram" xmlns:o="urn:schemas-microsoft-com:office:office" xmlns:v="urn:schemas-microsoft-com:vml" xmlns:pvml="urn:schemas-microsoft-com:office:powerpoint" xmlns:com="http://schemas.openxmlformats.org/drawingml/2006/compatibility" xmlns:p14="http://schemas.microsoft.com/office/powerpoint/2010/main" xmlns:p15="http://schemas.microsoft.com/office/powerpoint/2012/main" xmlns:ahyp="http://schemas.microsoft.com/office/drawing/2018/hyperlinkcolor">
-  <p:cSld>
-    <p:spTree>
-      <p:nvGrpSpPr>
-        <p:cNvPr id="102" name="Shape 102"/>
-        <p:cNvGrpSpPr/>
-        <p:nvPr/>
-      </p:nvGrpSpPr>
-      <p:grpSpPr>
-        <a:xfrm>
-          <a:off x="0" y="0"/>
-          <a:ext cx="0" cy="0"/>
-          <a:chOff x="0" y="0"/>
-          <a:chExt cx="0" cy="0"/>
-        </a:xfrm>
-      </p:grpSpPr>
-      <p:pic>
-        <p:nvPicPr>
-          <p:cNvPr id="103" name="Google Shape;103;p20"/>
+          <p:cNvPr id="147" name="Google Shape;147;p22"/>
           <p:cNvPicPr preferRelativeResize="0"/>
           <p:nvPr/>
         </p:nvPicPr>
@@ -8688,7 +9702,7 @@
       </p:pic>
       <p:sp>
         <p:nvSpPr>
-          <p:cNvPr id="104" name="Google Shape;104;p20"/>
+          <p:cNvPr id="148" name="Google Shape;148;p22"/>
           <p:cNvSpPr txBox="1"/>
           <p:nvPr/>
         </p:nvSpPr>
@@ -8754,7 +9768,7 @@
       </p:sp>
       <p:sp>
         <p:nvSpPr>
-          <p:cNvPr id="105" name="Google Shape;105;p20"/>
+          <p:cNvPr id="149" name="Google Shape;149;p22"/>
           <p:cNvSpPr txBox="1"/>
           <p:nvPr/>
         </p:nvSpPr>
@@ -8804,7 +9818,7 @@
       </p:sp>
       <p:sp>
         <p:nvSpPr>
-          <p:cNvPr id="106" name="Google Shape;106;p20"/>
+          <p:cNvPr id="150" name="Google Shape;150;p22"/>
           <p:cNvSpPr txBox="1"/>
           <p:nvPr/>
         </p:nvSpPr>
@@ -8854,7 +9868,7 @@
       </p:sp>
       <p:pic>
         <p:nvPicPr>
-          <p:cNvPr id="107" name="Google Shape;107;p20"/>
+          <p:cNvPr id="151" name="Google Shape;151;p22"/>
           <p:cNvPicPr preferRelativeResize="0"/>
           <p:nvPr/>
         </p:nvPicPr>
@@ -8882,7 +9896,7 @@
       </p:pic>
       <p:sp>
         <p:nvSpPr>
-          <p:cNvPr id="108" name="Google Shape;108;p20"/>
+          <p:cNvPr id="152" name="Google Shape;152;p22"/>
           <p:cNvSpPr/>
           <p:nvPr/>
         </p:nvSpPr>
@@ -8934,7 +9948,7 @@
       </p:sp>
       <p:pic>
         <p:nvPicPr>
-          <p:cNvPr id="109" name="Google Shape;109;p20"/>
+          <p:cNvPr id="153" name="Google Shape;153;p22"/>
           <p:cNvPicPr preferRelativeResize="0"/>
           <p:nvPr/>
         </p:nvPicPr>
@@ -8962,7 +9976,7 @@
       </p:pic>
       <p:sp>
         <p:nvSpPr>
-          <p:cNvPr id="110" name="Google Shape;110;p20"/>
+          <p:cNvPr id="154" name="Google Shape;154;p22"/>
           <p:cNvSpPr/>
           <p:nvPr/>
         </p:nvSpPr>
@@ -9020,7 +10034,799 @@
 </p:sld>
 </file>
 
-<file path=ppt/slides/slide9.xml><?xml version="1.0" encoding="utf-8"?>
+<file path=ppt/slides/slide11.xml><?xml version="1.0" encoding="utf-8"?>
+<p:sld xmlns:a="http://schemas.openxmlformats.org/drawingml/2006/main" xmlns:r="http://schemas.openxmlformats.org/officeDocument/2006/relationships" xmlns:mc="http://schemas.openxmlformats.org/markup-compatibility/2006" xmlns:mv="urn:schemas-microsoft-com:mac:vml" xmlns:p="http://schemas.openxmlformats.org/presentationml/2006/main" xmlns:c="http://schemas.openxmlformats.org/drawingml/2006/chart" xmlns:dgm="http://schemas.openxmlformats.org/drawingml/2006/diagram" xmlns:o="urn:schemas-microsoft-com:office:office" xmlns:v="urn:schemas-microsoft-com:vml" xmlns:pvml="urn:schemas-microsoft-com:office:powerpoint" xmlns:com="http://schemas.openxmlformats.org/drawingml/2006/compatibility" xmlns:p14="http://schemas.microsoft.com/office/powerpoint/2010/main" xmlns:p15="http://schemas.microsoft.com/office/powerpoint/2012/main" xmlns:ahyp="http://schemas.microsoft.com/office/drawing/2018/hyperlinkcolor">
+  <p:cSld>
+    <p:spTree>
+      <p:nvGrpSpPr>
+        <p:cNvPr id="158" name="Shape 158"/>
+        <p:cNvGrpSpPr/>
+        <p:nvPr/>
+      </p:nvGrpSpPr>
+      <p:grpSpPr>
+        <a:xfrm>
+          <a:off x="0" y="0"/>
+          <a:ext cx="0" cy="0"/>
+          <a:chOff x="0" y="0"/>
+          <a:chExt cx="0" cy="0"/>
+        </a:xfrm>
+      </p:grpSpPr>
+      <p:sp>
+        <p:nvSpPr>
+          <p:cNvPr id="159" name="Google Shape;159;p23"/>
+          <p:cNvSpPr txBox="1"/>
+          <p:nvPr>
+            <p:ph type="title"/>
+          </p:nvPr>
+        </p:nvSpPr>
+        <p:spPr>
+          <a:xfrm>
+            <a:off x="729450" y="1318650"/>
+            <a:ext cx="7688700" cy="535200"/>
+          </a:xfrm>
+          <a:prstGeom prst="rect">
+            <a:avLst/>
+          </a:prstGeom>
+        </p:spPr>
+        <p:txBody>
+          <a:bodyPr anchorCtr="0" anchor="t" bIns="91425" lIns="91425" spcFirstLastPara="1" rIns="91425" wrap="square" tIns="91425">
+            <a:normAutofit fontScale="90000"/>
+          </a:bodyPr>
+          <a:lstStyle/>
+          <a:p>
+            <a:pPr indent="0" lvl="0" marL="0" rtl="0" algn="l">
+              <a:spcBef>
+                <a:spcPts val="0"/>
+              </a:spcBef>
+              <a:spcAft>
+                <a:spcPts val="0"/>
+              </a:spcAft>
+              <a:buNone/>
+            </a:pPr>
+            <a:r>
+              <a:t/>
+            </a:r>
+            <a:endParaRPr/>
+          </a:p>
+        </p:txBody>
+      </p:sp>
+      <p:sp>
+        <p:nvSpPr>
+          <p:cNvPr id="160" name="Google Shape;160;p23"/>
+          <p:cNvSpPr txBox="1"/>
+          <p:nvPr>
+            <p:ph idx="1" type="body"/>
+          </p:nvPr>
+        </p:nvSpPr>
+        <p:spPr>
+          <a:xfrm>
+            <a:off x="729450" y="2078875"/>
+            <a:ext cx="7688700" cy="2261100"/>
+          </a:xfrm>
+          <a:prstGeom prst="rect">
+            <a:avLst/>
+          </a:prstGeom>
+        </p:spPr>
+        <p:txBody>
+          <a:bodyPr anchorCtr="0" anchor="t" bIns="91425" lIns="91425" spcFirstLastPara="1" rIns="91425" wrap="square" tIns="91425">
+            <a:normAutofit/>
+          </a:bodyPr>
+          <a:lstStyle/>
+          <a:p>
+            <a:pPr indent="0" lvl="0" marL="0" rtl="0" algn="l">
+              <a:spcBef>
+                <a:spcPts val="0"/>
+              </a:spcBef>
+              <a:spcAft>
+                <a:spcPts val="1200"/>
+              </a:spcAft>
+              <a:buNone/>
+            </a:pPr>
+            <a:r>
+              <a:t/>
+            </a:r>
+            <a:endParaRPr/>
+          </a:p>
+        </p:txBody>
+      </p:sp>
+    </p:spTree>
+  </p:cSld>
+  <p:clrMapOvr>
+    <a:masterClrMapping/>
+  </p:clrMapOvr>
+</p:sld>
+</file>
+
+<file path=ppt/slides/slide12.xml><?xml version="1.0" encoding="utf-8"?>
+<p:sld xmlns:a="http://schemas.openxmlformats.org/drawingml/2006/main" xmlns:r="http://schemas.openxmlformats.org/officeDocument/2006/relationships" xmlns:mc="http://schemas.openxmlformats.org/markup-compatibility/2006" xmlns:mv="urn:schemas-microsoft-com:mac:vml" xmlns:p="http://schemas.openxmlformats.org/presentationml/2006/main" xmlns:c="http://schemas.openxmlformats.org/drawingml/2006/chart" xmlns:dgm="http://schemas.openxmlformats.org/drawingml/2006/diagram" xmlns:o="urn:schemas-microsoft-com:office:office" xmlns:v="urn:schemas-microsoft-com:vml" xmlns:pvml="urn:schemas-microsoft-com:office:powerpoint" xmlns:com="http://schemas.openxmlformats.org/drawingml/2006/compatibility" xmlns:p14="http://schemas.microsoft.com/office/powerpoint/2010/main" xmlns:p15="http://schemas.microsoft.com/office/powerpoint/2012/main" xmlns:ahyp="http://schemas.microsoft.com/office/drawing/2018/hyperlinkcolor">
+  <p:cSld>
+    <p:spTree>
+      <p:nvGrpSpPr>
+        <p:cNvPr id="164" name="Shape 164"/>
+        <p:cNvGrpSpPr/>
+        <p:nvPr/>
+      </p:nvGrpSpPr>
+      <p:grpSpPr>
+        <a:xfrm>
+          <a:off x="0" y="0"/>
+          <a:ext cx="0" cy="0"/>
+          <a:chOff x="0" y="0"/>
+          <a:chExt cx="0" cy="0"/>
+        </a:xfrm>
+      </p:grpSpPr>
+      <p:sp>
+        <p:nvSpPr>
+          <p:cNvPr id="165" name="Google Shape;165;p24"/>
+          <p:cNvSpPr txBox="1"/>
+          <p:nvPr>
+            <p:ph type="title"/>
+          </p:nvPr>
+        </p:nvSpPr>
+        <p:spPr>
+          <a:xfrm>
+            <a:off x="1058350" y="166375"/>
+            <a:ext cx="5214300" cy="745500"/>
+          </a:xfrm>
+          <a:prstGeom prst="rect">
+            <a:avLst/>
+          </a:prstGeom>
+        </p:spPr>
+        <p:txBody>
+          <a:bodyPr anchorCtr="0" anchor="ctr" bIns="91425" lIns="91425" spcFirstLastPara="1" rIns="91425" wrap="square" tIns="91425">
+            <a:noAutofit/>
+          </a:bodyPr>
+          <a:lstStyle/>
+          <a:p>
+            <a:pPr indent="0" lvl="0" marL="0" rtl="0" algn="ctr">
+              <a:spcBef>
+                <a:spcPts val="0"/>
+              </a:spcBef>
+              <a:spcAft>
+                <a:spcPts val="0"/>
+              </a:spcAft>
+              <a:buNone/>
+            </a:pPr>
+            <a:r>
+              <a:rPr lang="es" sz="3000"/>
+              <a:t>ASPECTOS A MEJORAR:</a:t>
+            </a:r>
+            <a:endParaRPr sz="7200"/>
+          </a:p>
+        </p:txBody>
+      </p:sp>
+      <p:pic>
+        <p:nvPicPr>
+          <p:cNvPr id="166" name="Google Shape;166;p24"/>
+          <p:cNvPicPr preferRelativeResize="0"/>
+          <p:nvPr/>
+        </p:nvPicPr>
+        <p:blipFill>
+          <a:blip r:embed="rId3">
+            <a:alphaModFix/>
+          </a:blip>
+          <a:stretch>
+            <a:fillRect/>
+          </a:stretch>
+        </p:blipFill>
+        <p:spPr>
+          <a:xfrm>
+            <a:off x="5726425" y="1077450"/>
+            <a:ext cx="2195700" cy="3984450"/>
+          </a:xfrm>
+          <a:prstGeom prst="rect">
+            <a:avLst/>
+          </a:prstGeom>
+          <a:noFill/>
+          <a:ln>
+            <a:noFill/>
+          </a:ln>
+        </p:spPr>
+      </p:pic>
+      <p:pic>
+        <p:nvPicPr>
+          <p:cNvPr id="167" name="Google Shape;167;p24"/>
+          <p:cNvPicPr preferRelativeResize="0"/>
+          <p:nvPr/>
+        </p:nvPicPr>
+        <p:blipFill>
+          <a:blip r:embed="rId4">
+            <a:alphaModFix/>
+          </a:blip>
+          <a:stretch>
+            <a:fillRect/>
+          </a:stretch>
+        </p:blipFill>
+        <p:spPr>
+          <a:xfrm>
+            <a:off x="376650" y="1077450"/>
+            <a:ext cx="5106460" cy="3920125"/>
+          </a:xfrm>
+          <a:prstGeom prst="rect">
+            <a:avLst/>
+          </a:prstGeom>
+          <a:noFill/>
+          <a:ln>
+            <a:noFill/>
+          </a:ln>
+        </p:spPr>
+      </p:pic>
+    </p:spTree>
+  </p:cSld>
+  <p:clrMapOvr>
+    <a:masterClrMapping/>
+  </p:clrMapOvr>
+</p:sld>
+</file>
+
+<file path=ppt/slides/slide13.xml><?xml version="1.0" encoding="utf-8"?>
+<p:sld xmlns:a="http://schemas.openxmlformats.org/drawingml/2006/main" xmlns:r="http://schemas.openxmlformats.org/officeDocument/2006/relationships" xmlns:mc="http://schemas.openxmlformats.org/markup-compatibility/2006" xmlns:mv="urn:schemas-microsoft-com:mac:vml" xmlns:p="http://schemas.openxmlformats.org/presentationml/2006/main" xmlns:c="http://schemas.openxmlformats.org/drawingml/2006/chart" xmlns:dgm="http://schemas.openxmlformats.org/drawingml/2006/diagram" xmlns:o="urn:schemas-microsoft-com:office:office" xmlns:v="urn:schemas-microsoft-com:vml" xmlns:pvml="urn:schemas-microsoft-com:office:powerpoint" xmlns:com="http://schemas.openxmlformats.org/drawingml/2006/compatibility" xmlns:p14="http://schemas.microsoft.com/office/powerpoint/2010/main" xmlns:p15="http://schemas.microsoft.com/office/powerpoint/2012/main" xmlns:ahyp="http://schemas.microsoft.com/office/drawing/2018/hyperlinkcolor">
+  <p:cSld>
+    <p:spTree>
+      <p:nvGrpSpPr>
+        <p:cNvPr id="171" name="Shape 171"/>
+        <p:cNvGrpSpPr/>
+        <p:nvPr/>
+      </p:nvGrpSpPr>
+      <p:grpSpPr>
+        <a:xfrm>
+          <a:off x="0" y="0"/>
+          <a:ext cx="0" cy="0"/>
+          <a:chOff x="0" y="0"/>
+          <a:chExt cx="0" cy="0"/>
+        </a:xfrm>
+      </p:grpSpPr>
+      <p:sp>
+        <p:nvSpPr>
+          <p:cNvPr id="172" name="Google Shape;172;p25"/>
+          <p:cNvSpPr txBox="1"/>
+          <p:nvPr>
+            <p:ph type="title"/>
+          </p:nvPr>
+        </p:nvSpPr>
+        <p:spPr>
+          <a:xfrm>
+            <a:off x="914075" y="1166950"/>
+            <a:ext cx="6848400" cy="2433000"/>
+          </a:xfrm>
+          <a:prstGeom prst="rect">
+            <a:avLst/>
+          </a:prstGeom>
+        </p:spPr>
+        <p:txBody>
+          <a:bodyPr anchorCtr="0" anchor="ctr" bIns="91425" lIns="91425" spcFirstLastPara="1" rIns="91425" wrap="square" tIns="91425">
+            <a:noAutofit/>
+          </a:bodyPr>
+          <a:lstStyle/>
+          <a:p>
+            <a:pPr indent="0" lvl="0" marL="0" rtl="0" algn="ctr">
+              <a:spcBef>
+                <a:spcPts val="0"/>
+              </a:spcBef>
+              <a:spcAft>
+                <a:spcPts val="0"/>
+              </a:spcAft>
+              <a:buNone/>
+            </a:pPr>
+            <a:r>
+              <a:rPr lang="es" sz="7200"/>
+              <a:t>GRACIAS </a:t>
+            </a:r>
+            <a:endParaRPr sz="7200"/>
+          </a:p>
+        </p:txBody>
+      </p:sp>
+    </p:spTree>
+  </p:cSld>
+  <p:clrMapOvr>
+    <a:masterClrMapping/>
+  </p:clrMapOvr>
+</p:sld>
+</file>
+
+<file path=ppt/slides/slide2.xml><?xml version="1.0" encoding="utf-8"?>
+<p:sld xmlns:a="http://schemas.openxmlformats.org/drawingml/2006/main" xmlns:r="http://schemas.openxmlformats.org/officeDocument/2006/relationships" xmlns:mc="http://schemas.openxmlformats.org/markup-compatibility/2006" xmlns:mv="urn:schemas-microsoft-com:mac:vml" xmlns:p="http://schemas.openxmlformats.org/presentationml/2006/main" xmlns:c="http://schemas.openxmlformats.org/drawingml/2006/chart" xmlns:dgm="http://schemas.openxmlformats.org/drawingml/2006/diagram" xmlns:o="urn:schemas-microsoft-com:office:office" xmlns:v="urn:schemas-microsoft-com:vml" xmlns:pvml="urn:schemas-microsoft-com:office:powerpoint" xmlns:com="http://schemas.openxmlformats.org/drawingml/2006/compatibility" xmlns:p14="http://schemas.microsoft.com/office/powerpoint/2010/main" xmlns:p15="http://schemas.microsoft.com/office/powerpoint/2012/main" xmlns:ahyp="http://schemas.microsoft.com/office/drawing/2018/hyperlinkcolor">
+  <p:cSld>
+    <p:spTree>
+      <p:nvGrpSpPr>
+        <p:cNvPr id="95" name="Shape 95"/>
+        <p:cNvGrpSpPr/>
+        <p:nvPr/>
+      </p:nvGrpSpPr>
+      <p:grpSpPr>
+        <a:xfrm>
+          <a:off x="0" y="0"/>
+          <a:ext cx="0" cy="0"/>
+          <a:chOff x="0" y="0"/>
+          <a:chExt cx="0" cy="0"/>
+        </a:xfrm>
+      </p:grpSpPr>
+      <p:sp>
+        <p:nvSpPr>
+          <p:cNvPr id="96" name="Google Shape;96;p14"/>
+          <p:cNvSpPr txBox="1"/>
+          <p:nvPr>
+            <p:ph type="ctrTitle"/>
+          </p:nvPr>
+        </p:nvSpPr>
+        <p:spPr>
+          <a:xfrm>
+            <a:off x="729450" y="1322450"/>
+            <a:ext cx="7688100" cy="1664700"/>
+          </a:xfrm>
+          <a:prstGeom prst="rect">
+            <a:avLst/>
+          </a:prstGeom>
+        </p:spPr>
+        <p:txBody>
+          <a:bodyPr anchorCtr="0" anchor="t" bIns="91425" lIns="91425" spcFirstLastPara="1" rIns="91425" wrap="square" tIns="91425">
+            <a:normAutofit fontScale="90000"/>
+          </a:bodyPr>
+          <a:lstStyle/>
+          <a:p>
+            <a:pPr indent="0" lvl="0" marL="0" rtl="0" algn="l">
+              <a:lnSpc>
+                <a:spcPct val="115000"/>
+              </a:lnSpc>
+              <a:spcBef>
+                <a:spcPts val="1400"/>
+              </a:spcBef>
+              <a:spcAft>
+                <a:spcPts val="0"/>
+              </a:spcAft>
+              <a:buNone/>
+            </a:pPr>
+            <a:r>
+              <a:rPr lang="es" sz="1300">
+                <a:solidFill>
+                  <a:srgbClr val="000000"/>
+                </a:solidFill>
+                <a:latin typeface="Arial"/>
+                <a:ea typeface="Arial"/>
+                <a:cs typeface="Arial"/>
+                <a:sym typeface="Arial"/>
+              </a:rPr>
+              <a:t>Diapositiva 1: Título</a:t>
+            </a:r>
+            <a:endParaRPr sz="1300">
+              <a:solidFill>
+                <a:srgbClr val="000000"/>
+              </a:solidFill>
+              <a:latin typeface="Arial"/>
+              <a:ea typeface="Arial"/>
+              <a:cs typeface="Arial"/>
+              <a:sym typeface="Arial"/>
+            </a:endParaRPr>
+          </a:p>
+          <a:p>
+            <a:pPr indent="-291465" lvl="0" marL="457200" rtl="0" algn="l">
+              <a:lnSpc>
+                <a:spcPct val="115000"/>
+              </a:lnSpc>
+              <a:spcBef>
+                <a:spcPts val="1200"/>
+              </a:spcBef>
+              <a:spcAft>
+                <a:spcPts val="0"/>
+              </a:spcAft>
+              <a:buClr>
+                <a:srgbClr val="000000"/>
+              </a:buClr>
+              <a:buSzPct val="100000"/>
+              <a:buFont typeface="Arial"/>
+              <a:buChar char="●"/>
+            </a:pPr>
+            <a:r>
+              <a:rPr lang="es" sz="1100">
+                <a:solidFill>
+                  <a:srgbClr val="000000"/>
+                </a:solidFill>
+                <a:latin typeface="Arial"/>
+                <a:ea typeface="Arial"/>
+                <a:cs typeface="Arial"/>
+                <a:sym typeface="Arial"/>
+              </a:rPr>
+              <a:t>Título:</a:t>
+            </a:r>
+            <a:r>
+              <a:rPr b="0" lang="es" sz="1100">
+                <a:solidFill>
+                  <a:srgbClr val="000000"/>
+                </a:solidFill>
+                <a:latin typeface="Arial"/>
+                <a:ea typeface="Arial"/>
+                <a:cs typeface="Arial"/>
+                <a:sym typeface="Arial"/>
+              </a:rPr>
+              <a:t> </a:t>
+            </a:r>
+            <a:r>
+              <a:rPr b="0" i="1" lang="es" sz="1100">
+                <a:solidFill>
+                  <a:srgbClr val="000000"/>
+                </a:solidFill>
+                <a:latin typeface="Arial"/>
+                <a:ea typeface="Arial"/>
+                <a:cs typeface="Arial"/>
+                <a:sym typeface="Arial"/>
+              </a:rPr>
+              <a:t>Desarrollo de una Aplicación Web de Entrenamiento Personal</a:t>
+            </a:r>
+            <a:endParaRPr b="0" i="1" sz="1100">
+              <a:solidFill>
+                <a:srgbClr val="000000"/>
+              </a:solidFill>
+              <a:latin typeface="Arial"/>
+              <a:ea typeface="Arial"/>
+              <a:cs typeface="Arial"/>
+              <a:sym typeface="Arial"/>
+            </a:endParaRPr>
+          </a:p>
+          <a:p>
+            <a:pPr indent="-291465" lvl="0" marL="457200" rtl="0" algn="l">
+              <a:lnSpc>
+                <a:spcPct val="115000"/>
+              </a:lnSpc>
+              <a:spcBef>
+                <a:spcPts val="0"/>
+              </a:spcBef>
+              <a:spcAft>
+                <a:spcPts val="0"/>
+              </a:spcAft>
+              <a:buClr>
+                <a:srgbClr val="000000"/>
+              </a:buClr>
+              <a:buSzPct val="100000"/>
+              <a:buFont typeface="Arial"/>
+              <a:buChar char="●"/>
+            </a:pPr>
+            <a:r>
+              <a:rPr lang="es" sz="1100">
+                <a:solidFill>
+                  <a:srgbClr val="000000"/>
+                </a:solidFill>
+                <a:latin typeface="Arial"/>
+                <a:ea typeface="Arial"/>
+                <a:cs typeface="Arial"/>
+                <a:sym typeface="Arial"/>
+              </a:rPr>
+              <a:t>Subtítulo:</a:t>
+            </a:r>
+            <a:r>
+              <a:rPr b="0" lang="es" sz="1100">
+                <a:solidFill>
+                  <a:srgbClr val="000000"/>
+                </a:solidFill>
+                <a:latin typeface="Arial"/>
+                <a:ea typeface="Arial"/>
+                <a:cs typeface="Arial"/>
+                <a:sym typeface="Arial"/>
+              </a:rPr>
+              <a:t> </a:t>
+            </a:r>
+            <a:r>
+              <a:rPr b="0" i="1" lang="es" sz="1100">
+                <a:solidFill>
+                  <a:srgbClr val="000000"/>
+                </a:solidFill>
+                <a:latin typeface="Arial"/>
+                <a:ea typeface="Arial"/>
+                <a:cs typeface="Arial"/>
+                <a:sym typeface="Arial"/>
+              </a:rPr>
+              <a:t>Planteamiento del Estudio</a:t>
+            </a:r>
+            <a:endParaRPr b="0" i="1" sz="1100">
+              <a:solidFill>
+                <a:srgbClr val="000000"/>
+              </a:solidFill>
+              <a:latin typeface="Arial"/>
+              <a:ea typeface="Arial"/>
+              <a:cs typeface="Arial"/>
+              <a:sym typeface="Arial"/>
+            </a:endParaRPr>
+          </a:p>
+          <a:p>
+            <a:pPr indent="0" lvl="0" marL="0" rtl="0" algn="l">
+              <a:spcBef>
+                <a:spcPts val="1200"/>
+              </a:spcBef>
+              <a:spcAft>
+                <a:spcPts val="0"/>
+              </a:spcAft>
+              <a:buNone/>
+            </a:pPr>
+            <a:r>
+              <a:t/>
+            </a:r>
+            <a:endParaRPr/>
+          </a:p>
+        </p:txBody>
+      </p:sp>
+      <p:sp>
+        <p:nvSpPr>
+          <p:cNvPr id="97" name="Google Shape;97;p14"/>
+          <p:cNvSpPr txBox="1"/>
+          <p:nvPr>
+            <p:ph idx="1" type="subTitle"/>
+          </p:nvPr>
+        </p:nvSpPr>
+        <p:spPr>
+          <a:xfrm>
+            <a:off x="729627" y="3172900"/>
+            <a:ext cx="7688100" cy="541200"/>
+          </a:xfrm>
+          <a:prstGeom prst="rect">
+            <a:avLst/>
+          </a:prstGeom>
+        </p:spPr>
+        <p:txBody>
+          <a:bodyPr anchorCtr="0" anchor="t" bIns="91425" lIns="91425" spcFirstLastPara="1" rIns="91425" wrap="square" tIns="91425">
+            <a:normAutofit/>
+          </a:bodyPr>
+          <a:lstStyle/>
+          <a:p>
+            <a:pPr indent="0" lvl="0" marL="0" rtl="0" algn="l">
+              <a:spcBef>
+                <a:spcPts val="0"/>
+              </a:spcBef>
+              <a:spcAft>
+                <a:spcPts val="0"/>
+              </a:spcAft>
+              <a:buNone/>
+            </a:pPr>
+            <a:r>
+              <a:t/>
+            </a:r>
+            <a:endParaRPr/>
+          </a:p>
+        </p:txBody>
+      </p:sp>
+    </p:spTree>
+  </p:cSld>
+  <p:clrMapOvr>
+    <a:masterClrMapping/>
+  </p:clrMapOvr>
+</p:sld>
+</file>
+
+<file path=ppt/slides/slide3.xml><?xml version="1.0" encoding="utf-8"?>
+<p:sld xmlns:a="http://schemas.openxmlformats.org/drawingml/2006/main" xmlns:r="http://schemas.openxmlformats.org/officeDocument/2006/relationships" xmlns:mc="http://schemas.openxmlformats.org/markup-compatibility/2006" xmlns:mv="urn:schemas-microsoft-com:mac:vml" xmlns:p="http://schemas.openxmlformats.org/presentationml/2006/main" xmlns:c="http://schemas.openxmlformats.org/drawingml/2006/chart" xmlns:dgm="http://schemas.openxmlformats.org/drawingml/2006/diagram" xmlns:o="urn:schemas-microsoft-com:office:office" xmlns:v="urn:schemas-microsoft-com:vml" xmlns:pvml="urn:schemas-microsoft-com:office:powerpoint" xmlns:com="http://schemas.openxmlformats.org/drawingml/2006/compatibility" xmlns:p14="http://schemas.microsoft.com/office/powerpoint/2010/main" xmlns:p15="http://schemas.microsoft.com/office/powerpoint/2012/main" xmlns:ahyp="http://schemas.microsoft.com/office/drawing/2018/hyperlinkcolor">
+  <p:cSld>
+    <p:spTree>
+      <p:nvGrpSpPr>
+        <p:cNvPr id="101" name="Shape 101"/>
+        <p:cNvGrpSpPr/>
+        <p:nvPr/>
+      </p:nvGrpSpPr>
+      <p:grpSpPr>
+        <a:xfrm>
+          <a:off x="0" y="0"/>
+          <a:ext cx="0" cy="0"/>
+          <a:chOff x="0" y="0"/>
+          <a:chExt cx="0" cy="0"/>
+        </a:xfrm>
+      </p:grpSpPr>
+      <p:sp>
+        <p:nvSpPr>
+          <p:cNvPr id="102" name="Google Shape;102;p15"/>
+          <p:cNvSpPr txBox="1"/>
+          <p:nvPr>
+            <p:ph type="ctrTitle"/>
+          </p:nvPr>
+        </p:nvSpPr>
+        <p:spPr>
+          <a:xfrm>
+            <a:off x="729450" y="1322450"/>
+            <a:ext cx="7688100" cy="1664700"/>
+          </a:xfrm>
+          <a:prstGeom prst="rect">
+            <a:avLst/>
+          </a:prstGeom>
+        </p:spPr>
+        <p:txBody>
+          <a:bodyPr anchorCtr="0" anchor="t" bIns="91425" lIns="91425" spcFirstLastPara="1" rIns="91425" wrap="square" tIns="91425">
+            <a:normAutofit/>
+          </a:bodyPr>
+          <a:lstStyle/>
+          <a:p>
+            <a:pPr indent="0" lvl="0" marL="0" rtl="0" algn="l">
+              <a:spcBef>
+                <a:spcPts val="0"/>
+              </a:spcBef>
+              <a:spcAft>
+                <a:spcPts val="0"/>
+              </a:spcAft>
+              <a:buNone/>
+            </a:pPr>
+            <a:r>
+              <a:rPr lang="es"/>
+              <a:t>capitulo 2</a:t>
+            </a:r>
+            <a:endParaRPr/>
+          </a:p>
+        </p:txBody>
+      </p:sp>
+      <p:sp>
+        <p:nvSpPr>
+          <p:cNvPr id="103" name="Google Shape;103;p15"/>
+          <p:cNvSpPr txBox="1"/>
+          <p:nvPr>
+            <p:ph idx="1" type="subTitle"/>
+          </p:nvPr>
+        </p:nvSpPr>
+        <p:spPr>
+          <a:xfrm>
+            <a:off x="729627" y="3172900"/>
+            <a:ext cx="7688100" cy="541200"/>
+          </a:xfrm>
+          <a:prstGeom prst="rect">
+            <a:avLst/>
+          </a:prstGeom>
+        </p:spPr>
+        <p:txBody>
+          <a:bodyPr anchorCtr="0" anchor="t" bIns="91425" lIns="91425" spcFirstLastPara="1" rIns="91425" wrap="square" tIns="91425">
+            <a:normAutofit/>
+          </a:bodyPr>
+          <a:lstStyle/>
+          <a:p>
+            <a:pPr indent="0" lvl="0" marL="0" rtl="0" algn="l">
+              <a:spcBef>
+                <a:spcPts val="0"/>
+              </a:spcBef>
+              <a:spcAft>
+                <a:spcPts val="0"/>
+              </a:spcAft>
+              <a:buNone/>
+            </a:pPr>
+            <a:r>
+              <a:rPr lang="es"/>
+              <a:t>alternativas de solución </a:t>
+            </a:r>
+            <a:endParaRPr/>
+          </a:p>
+        </p:txBody>
+      </p:sp>
+    </p:spTree>
+  </p:cSld>
+  <p:clrMapOvr>
+    <a:masterClrMapping/>
+  </p:clrMapOvr>
+</p:sld>
+</file>
+
+<file path=ppt/slides/slide4.xml><?xml version="1.0" encoding="utf-8"?>
+<p:sld xmlns:a="http://schemas.openxmlformats.org/drawingml/2006/main" xmlns:r="http://schemas.openxmlformats.org/officeDocument/2006/relationships" xmlns:mc="http://schemas.openxmlformats.org/markup-compatibility/2006" xmlns:mv="urn:schemas-microsoft-com:mac:vml" xmlns:p="http://schemas.openxmlformats.org/presentationml/2006/main" xmlns:c="http://schemas.openxmlformats.org/drawingml/2006/chart" xmlns:dgm="http://schemas.openxmlformats.org/drawingml/2006/diagram" xmlns:o="urn:schemas-microsoft-com:office:office" xmlns:v="urn:schemas-microsoft-com:vml" xmlns:pvml="urn:schemas-microsoft-com:office:powerpoint" xmlns:com="http://schemas.openxmlformats.org/drawingml/2006/compatibility" xmlns:p14="http://schemas.microsoft.com/office/powerpoint/2010/main" xmlns:p15="http://schemas.microsoft.com/office/powerpoint/2012/main" xmlns:ahyp="http://schemas.microsoft.com/office/drawing/2018/hyperlinkcolor">
+  <p:cSld>
+    <p:spTree>
+      <p:nvGrpSpPr>
+        <p:cNvPr id="107" name="Shape 107"/>
+        <p:cNvGrpSpPr/>
+        <p:nvPr/>
+      </p:nvGrpSpPr>
+      <p:grpSpPr>
+        <a:xfrm>
+          <a:off x="0" y="0"/>
+          <a:ext cx="0" cy="0"/>
+          <a:chOff x="0" y="0"/>
+          <a:chExt cx="0" cy="0"/>
+        </a:xfrm>
+      </p:grpSpPr>
+      <p:sp>
+        <p:nvSpPr>
+          <p:cNvPr id="108" name="Google Shape;108;p16"/>
+          <p:cNvSpPr txBox="1"/>
+          <p:nvPr>
+            <p:ph type="ctrTitle"/>
+          </p:nvPr>
+        </p:nvSpPr>
+        <p:spPr>
+          <a:xfrm>
+            <a:off x="311699" y="362075"/>
+            <a:ext cx="7248300" cy="875400"/>
+          </a:xfrm>
+          <a:prstGeom prst="rect">
+            <a:avLst/>
+          </a:prstGeom>
+        </p:spPr>
+        <p:txBody>
+          <a:bodyPr anchorCtr="0" anchor="t" bIns="91425" lIns="91425" spcFirstLastPara="1" rIns="91425" wrap="square" tIns="91425">
+            <a:normAutofit/>
+          </a:bodyPr>
+          <a:lstStyle/>
+          <a:p>
+            <a:pPr indent="0" lvl="0" marL="0" rtl="0" algn="l">
+              <a:spcBef>
+                <a:spcPts val="0"/>
+              </a:spcBef>
+              <a:spcAft>
+                <a:spcPts val="0"/>
+              </a:spcAft>
+              <a:buNone/>
+            </a:pPr>
+            <a:r>
+              <a:rPr b="1" lang="es" sz="3000"/>
+              <a:t>Historias de Usuario Desarrolladas</a:t>
+            </a:r>
+            <a:endParaRPr b="1" sz="3000"/>
+          </a:p>
+        </p:txBody>
+      </p:sp>
+      <p:sp>
+        <p:nvSpPr>
+          <p:cNvPr id="109" name="Google Shape;109;p16"/>
+          <p:cNvSpPr txBox="1"/>
+          <p:nvPr>
+            <p:ph idx="1" type="subTitle"/>
+          </p:nvPr>
+        </p:nvSpPr>
+        <p:spPr>
+          <a:xfrm>
+            <a:off x="729627" y="3172900"/>
+            <a:ext cx="7688100" cy="541200"/>
+          </a:xfrm>
+          <a:prstGeom prst="rect">
+            <a:avLst/>
+          </a:prstGeom>
+        </p:spPr>
+        <p:txBody>
+          <a:bodyPr anchorCtr="0" anchor="t" bIns="91425" lIns="91425" spcFirstLastPara="1" rIns="91425" wrap="square" tIns="91425">
+            <a:normAutofit/>
+          </a:bodyPr>
+          <a:lstStyle/>
+          <a:p>
+            <a:pPr indent="0" lvl="0" marL="0" rtl="0" algn="l">
+              <a:spcBef>
+                <a:spcPts val="0"/>
+              </a:spcBef>
+              <a:spcAft>
+                <a:spcPts val="0"/>
+              </a:spcAft>
+              <a:buNone/>
+            </a:pPr>
+            <a:r>
+              <a:t/>
+            </a:r>
+            <a:endParaRPr/>
+          </a:p>
+        </p:txBody>
+      </p:sp>
+      <p:pic>
+        <p:nvPicPr>
+          <p:cNvPr id="110" name="Google Shape;110;p16"/>
+          <p:cNvPicPr preferRelativeResize="0"/>
+          <p:nvPr/>
+        </p:nvPicPr>
+        <p:blipFill>
+          <a:blip r:embed="rId3">
+            <a:alphaModFix/>
+          </a:blip>
+          <a:stretch>
+            <a:fillRect/>
+          </a:stretch>
+        </p:blipFill>
+        <p:spPr>
+          <a:xfrm>
+            <a:off x="0" y="1521287"/>
+            <a:ext cx="9143999" cy="2685926"/>
+          </a:xfrm>
+          <a:prstGeom prst="rect">
+            <a:avLst/>
+          </a:prstGeom>
+          <a:noFill/>
+          <a:ln>
+            <a:noFill/>
+          </a:ln>
+        </p:spPr>
+      </p:pic>
+    </p:spTree>
+  </p:cSld>
+  <p:clrMapOvr>
+    <a:masterClrMapping/>
+  </p:clrMapOvr>
+</p:sld>
+</file>
+
+<file path=ppt/slides/slide5.xml><?xml version="1.0" encoding="utf-8"?>
 <p:sld xmlns:a="http://schemas.openxmlformats.org/drawingml/2006/main" xmlns:r="http://schemas.openxmlformats.org/officeDocument/2006/relationships" xmlns:mc="http://schemas.openxmlformats.org/markup-compatibility/2006" xmlns:mv="urn:schemas-microsoft-com:mac:vml" xmlns:p="http://schemas.openxmlformats.org/presentationml/2006/main" xmlns:c="http://schemas.openxmlformats.org/drawingml/2006/chart" xmlns:dgm="http://schemas.openxmlformats.org/drawingml/2006/diagram" xmlns:o="urn:schemas-microsoft-com:office:office" xmlns:v="urn:schemas-microsoft-com:vml" xmlns:pvml="urn:schemas-microsoft-com:office:powerpoint" xmlns:com="http://schemas.openxmlformats.org/drawingml/2006/compatibility" xmlns:p14="http://schemas.microsoft.com/office/powerpoint/2010/main" xmlns:p15="http://schemas.microsoft.com/office/powerpoint/2012/main" xmlns:ahyp="http://schemas.microsoft.com/office/drawing/2018/hyperlinkcolor">
   <p:cSld>
     <p:spTree>
@@ -9039,7 +10845,7 @@
       </p:grpSpPr>
       <p:sp>
         <p:nvSpPr>
-          <p:cNvPr id="115" name="Google Shape;115;p21"/>
+          <p:cNvPr id="115" name="Google Shape;115;p17"/>
           <p:cNvSpPr txBox="1"/>
           <p:nvPr>
             <p:ph type="title"/>
@@ -9047,7 +10853,7 @@
         </p:nvSpPr>
         <p:spPr>
           <a:xfrm>
-            <a:off x="311700" y="445025"/>
+            <a:off x="152400" y="166225"/>
             <a:ext cx="8520600" cy="572700"/>
           </a:xfrm>
           <a:prstGeom prst="rect">
@@ -9070,24 +10876,105 @@
               <a:buNone/>
             </a:pPr>
             <a:r>
-              <a:t/>
+              <a:rPr lang="es"/>
+              <a:t>BACKLOG DEL PRODUCTO</a:t>
             </a:r>
             <a:endParaRPr/>
           </a:p>
         </p:txBody>
       </p:sp>
+      <p:pic>
+        <p:nvPicPr>
+          <p:cNvPr id="116" name="Google Shape;116;p17"/>
+          <p:cNvPicPr preferRelativeResize="0"/>
+          <p:nvPr/>
+        </p:nvPicPr>
+        <p:blipFill rotWithShape="1">
+          <a:blip r:embed="rId3">
+            <a:alphaModFix/>
+          </a:blip>
+          <a:srcRect b="0" l="267" r="62029" t="0"/>
+          <a:stretch/>
+        </p:blipFill>
+        <p:spPr>
+          <a:xfrm>
+            <a:off x="342550" y="854600"/>
+            <a:ext cx="4908974" cy="1717150"/>
+          </a:xfrm>
+          <a:prstGeom prst="rect">
+            <a:avLst/>
+          </a:prstGeom>
+          <a:noFill/>
+          <a:ln>
+            <a:noFill/>
+          </a:ln>
+        </p:spPr>
+      </p:pic>
+      <p:pic>
+        <p:nvPicPr>
+          <p:cNvPr id="117" name="Google Shape;117;p17"/>
+          <p:cNvPicPr preferRelativeResize="0"/>
+          <p:nvPr/>
+        </p:nvPicPr>
+        <p:blipFill>
+          <a:blip r:embed="rId4">
+            <a:alphaModFix/>
+          </a:blip>
+          <a:stretch>
+            <a:fillRect/>
+          </a:stretch>
+        </p:blipFill>
+        <p:spPr>
+          <a:xfrm>
+            <a:off x="1281125" y="2624351"/>
+            <a:ext cx="7024725" cy="1622625"/>
+          </a:xfrm>
+          <a:prstGeom prst="rect">
+            <a:avLst/>
+          </a:prstGeom>
+          <a:noFill/>
+          <a:ln>
+            <a:noFill/>
+          </a:ln>
+        </p:spPr>
+      </p:pic>
+    </p:spTree>
+  </p:cSld>
+  <p:clrMapOvr>
+    <a:masterClrMapping/>
+  </p:clrMapOvr>
+</p:sld>
+</file>
+
+<file path=ppt/slides/slide6.xml><?xml version="1.0" encoding="utf-8"?>
+<p:sld xmlns:a="http://schemas.openxmlformats.org/drawingml/2006/main" xmlns:r="http://schemas.openxmlformats.org/officeDocument/2006/relationships" xmlns:mc="http://schemas.openxmlformats.org/markup-compatibility/2006" xmlns:mv="urn:schemas-microsoft-com:mac:vml" xmlns:p="http://schemas.openxmlformats.org/presentationml/2006/main" xmlns:c="http://schemas.openxmlformats.org/drawingml/2006/chart" xmlns:dgm="http://schemas.openxmlformats.org/drawingml/2006/diagram" xmlns:o="urn:schemas-microsoft-com:office:office" xmlns:v="urn:schemas-microsoft-com:vml" xmlns:pvml="urn:schemas-microsoft-com:office:powerpoint" xmlns:com="http://schemas.openxmlformats.org/drawingml/2006/compatibility" xmlns:p14="http://schemas.microsoft.com/office/powerpoint/2010/main" xmlns:p15="http://schemas.microsoft.com/office/powerpoint/2012/main" xmlns:ahyp="http://schemas.microsoft.com/office/drawing/2018/hyperlinkcolor">
+  <p:cSld>
+    <p:spTree>
+      <p:nvGrpSpPr>
+        <p:cNvPr id="121" name="Shape 121"/>
+        <p:cNvGrpSpPr/>
+        <p:nvPr/>
+      </p:nvGrpSpPr>
+      <p:grpSpPr>
+        <a:xfrm>
+          <a:off x="0" y="0"/>
+          <a:ext cx="0" cy="0"/>
+          <a:chOff x="0" y="0"/>
+          <a:chExt cx="0" cy="0"/>
+        </a:xfrm>
+      </p:grpSpPr>
       <p:sp>
         <p:nvSpPr>
-          <p:cNvPr id="116" name="Google Shape;116;p21"/>
+          <p:cNvPr id="122" name="Google Shape;122;p18"/>
           <p:cNvSpPr txBox="1"/>
           <p:nvPr>
-            <p:ph idx="1" type="body"/>
+            <p:ph type="title"/>
           </p:nvPr>
         </p:nvSpPr>
         <p:spPr>
           <a:xfrm>
-            <a:off x="311700" y="1152475"/>
-            <a:ext cx="8520600" cy="3416400"/>
+            <a:off x="311700" y="445025"/>
+            <a:ext cx="8520600" cy="1047600"/>
           </a:xfrm>
           <a:prstGeom prst="rect">
             <a:avLst/>
@@ -9095,26 +10982,363 @@
         </p:spPr>
         <p:txBody>
           <a:bodyPr anchorCtr="0" anchor="t" bIns="91425" lIns="91425" spcFirstLastPara="1" rIns="91425" wrap="square" tIns="91425">
+            <a:noAutofit/>
+          </a:bodyPr>
+          <a:lstStyle/>
+          <a:p>
+            <a:pPr indent="0" lvl="0" marL="0" rtl="0" algn="l">
+              <a:spcBef>
+                <a:spcPts val="0"/>
+              </a:spcBef>
+              <a:spcAft>
+                <a:spcPts val="0"/>
+              </a:spcAft>
+              <a:buSzPts val="990"/>
+              <a:buNone/>
+            </a:pPr>
+            <a:r>
+              <a:rPr lang="es" sz="4220"/>
+              <a:t>Sprint 1</a:t>
+            </a:r>
+            <a:endParaRPr sz="4220"/>
+          </a:p>
+        </p:txBody>
+      </p:sp>
+      <p:pic>
+        <p:nvPicPr>
+          <p:cNvPr id="123" name="Google Shape;123;p18"/>
+          <p:cNvPicPr preferRelativeResize="0"/>
+          <p:nvPr/>
+        </p:nvPicPr>
+        <p:blipFill>
+          <a:blip r:embed="rId3">
+            <a:alphaModFix/>
+          </a:blip>
+          <a:stretch>
+            <a:fillRect/>
+          </a:stretch>
+        </p:blipFill>
+        <p:spPr>
+          <a:xfrm>
+            <a:off x="142400" y="1956975"/>
+            <a:ext cx="8689900" cy="2350700"/>
+          </a:xfrm>
+          <a:prstGeom prst="rect">
+            <a:avLst/>
+          </a:prstGeom>
+          <a:noFill/>
+          <a:ln>
+            <a:noFill/>
+          </a:ln>
+        </p:spPr>
+      </p:pic>
+      <p:pic>
+        <p:nvPicPr>
+          <p:cNvPr id="124" name="Google Shape;124;p18"/>
+          <p:cNvPicPr preferRelativeResize="0"/>
+          <p:nvPr/>
+        </p:nvPicPr>
+        <p:blipFill>
+          <a:blip r:embed="rId4">
+            <a:alphaModFix/>
+          </a:blip>
+          <a:stretch>
+            <a:fillRect/>
+          </a:stretch>
+        </p:blipFill>
+        <p:spPr>
+          <a:xfrm>
+            <a:off x="5870950" y="110225"/>
+            <a:ext cx="3108050" cy="1554025"/>
+          </a:xfrm>
+          <a:prstGeom prst="rect">
+            <a:avLst/>
+          </a:prstGeom>
+          <a:noFill/>
+          <a:ln>
+            <a:noFill/>
+          </a:ln>
+        </p:spPr>
+      </p:pic>
+    </p:spTree>
+  </p:cSld>
+  <p:clrMapOvr>
+    <a:masterClrMapping/>
+  </p:clrMapOvr>
+</p:sld>
+</file>
+
+<file path=ppt/slides/slide7.xml><?xml version="1.0" encoding="utf-8"?>
+<p:sld xmlns:a="http://schemas.openxmlformats.org/drawingml/2006/main" xmlns:r="http://schemas.openxmlformats.org/officeDocument/2006/relationships" xmlns:mc="http://schemas.openxmlformats.org/markup-compatibility/2006" xmlns:mv="urn:schemas-microsoft-com:mac:vml" xmlns:p="http://schemas.openxmlformats.org/presentationml/2006/main" xmlns:c="http://schemas.openxmlformats.org/drawingml/2006/chart" xmlns:dgm="http://schemas.openxmlformats.org/drawingml/2006/diagram" xmlns:o="urn:schemas-microsoft-com:office:office" xmlns:v="urn:schemas-microsoft-com:vml" xmlns:pvml="urn:schemas-microsoft-com:office:powerpoint" xmlns:com="http://schemas.openxmlformats.org/drawingml/2006/compatibility" xmlns:p14="http://schemas.microsoft.com/office/powerpoint/2010/main" xmlns:p15="http://schemas.microsoft.com/office/powerpoint/2012/main" xmlns:ahyp="http://schemas.microsoft.com/office/drawing/2018/hyperlinkcolor">
+  <p:cSld>
+    <p:spTree>
+      <p:nvGrpSpPr>
+        <p:cNvPr id="128" name="Shape 128"/>
+        <p:cNvGrpSpPr/>
+        <p:nvPr/>
+      </p:nvGrpSpPr>
+      <p:grpSpPr>
+        <a:xfrm>
+          <a:off x="0" y="0"/>
+          <a:ext cx="0" cy="0"/>
+          <a:chOff x="0" y="0"/>
+          <a:chExt cx="0" cy="0"/>
+        </a:xfrm>
+      </p:grpSpPr>
+      <p:sp>
+        <p:nvSpPr>
+          <p:cNvPr id="129" name="Google Shape;129;p19"/>
+          <p:cNvSpPr txBox="1"/>
+          <p:nvPr>
+            <p:ph type="title"/>
+          </p:nvPr>
+        </p:nvSpPr>
+        <p:spPr>
+          <a:xfrm>
+            <a:off x="311700" y="673625"/>
+            <a:ext cx="8520600" cy="572700"/>
+          </a:xfrm>
+          <a:prstGeom prst="rect">
+            <a:avLst/>
+          </a:prstGeom>
+        </p:spPr>
+        <p:txBody>
+          <a:bodyPr anchorCtr="0" anchor="t" bIns="91425" lIns="91425" spcFirstLastPara="1" rIns="91425" wrap="square" tIns="91425">
+            <a:noAutofit/>
+          </a:bodyPr>
+          <a:lstStyle/>
+          <a:p>
+            <a:pPr indent="0" lvl="0" marL="0" rtl="0" algn="l">
+              <a:spcBef>
+                <a:spcPts val="0"/>
+              </a:spcBef>
+              <a:spcAft>
+                <a:spcPts val="0"/>
+              </a:spcAft>
+              <a:buNone/>
+            </a:pPr>
+            <a:r>
+              <a:rPr lang="es" sz="4200"/>
+              <a:t>Sprint 2</a:t>
+            </a:r>
+            <a:endParaRPr sz="4200"/>
+          </a:p>
+        </p:txBody>
+      </p:sp>
+      <p:pic>
+        <p:nvPicPr>
+          <p:cNvPr id="130" name="Google Shape;130;p19"/>
+          <p:cNvPicPr preferRelativeResize="0"/>
+          <p:nvPr/>
+        </p:nvPicPr>
+        <p:blipFill>
+          <a:blip r:embed="rId3">
+            <a:alphaModFix/>
+          </a:blip>
+          <a:stretch>
+            <a:fillRect/>
+          </a:stretch>
+        </p:blipFill>
+        <p:spPr>
+          <a:xfrm>
+            <a:off x="100000" y="2346450"/>
+            <a:ext cx="8839201" cy="1950599"/>
+          </a:xfrm>
+          <a:prstGeom prst="rect">
+            <a:avLst/>
+          </a:prstGeom>
+          <a:noFill/>
+          <a:ln>
+            <a:noFill/>
+          </a:ln>
+        </p:spPr>
+      </p:pic>
+      <p:pic>
+        <p:nvPicPr>
+          <p:cNvPr id="131" name="Google Shape;131;p19"/>
+          <p:cNvPicPr preferRelativeResize="0"/>
+          <p:nvPr/>
+        </p:nvPicPr>
+        <p:blipFill>
+          <a:blip r:embed="rId4">
+            <a:alphaModFix/>
+          </a:blip>
+          <a:stretch>
+            <a:fillRect/>
+          </a:stretch>
+        </p:blipFill>
+        <p:spPr>
+          <a:xfrm>
+            <a:off x="5502000" y="394500"/>
+            <a:ext cx="3393000" cy="1696500"/>
+          </a:xfrm>
+          <a:prstGeom prst="rect">
+            <a:avLst/>
+          </a:prstGeom>
+          <a:noFill/>
+          <a:ln>
+            <a:noFill/>
+          </a:ln>
+        </p:spPr>
+      </p:pic>
+    </p:spTree>
+  </p:cSld>
+  <p:clrMapOvr>
+    <a:masterClrMapping/>
+  </p:clrMapOvr>
+</p:sld>
+</file>
+
+<file path=ppt/slides/slide8.xml><?xml version="1.0" encoding="utf-8"?>
+<p:sld xmlns:a="http://schemas.openxmlformats.org/drawingml/2006/main" xmlns:r="http://schemas.openxmlformats.org/officeDocument/2006/relationships" xmlns:mc="http://schemas.openxmlformats.org/markup-compatibility/2006" xmlns:mv="urn:schemas-microsoft-com:mac:vml" xmlns:p="http://schemas.openxmlformats.org/presentationml/2006/main" xmlns:c="http://schemas.openxmlformats.org/drawingml/2006/chart" xmlns:dgm="http://schemas.openxmlformats.org/drawingml/2006/diagram" xmlns:o="urn:schemas-microsoft-com:office:office" xmlns:v="urn:schemas-microsoft-com:vml" xmlns:pvml="urn:schemas-microsoft-com:office:powerpoint" xmlns:com="http://schemas.openxmlformats.org/drawingml/2006/compatibility" xmlns:p14="http://schemas.microsoft.com/office/powerpoint/2010/main" xmlns:p15="http://schemas.microsoft.com/office/powerpoint/2012/main" xmlns:ahyp="http://schemas.microsoft.com/office/drawing/2018/hyperlinkcolor">
+  <p:cSld>
+    <p:spTree>
+      <p:nvGrpSpPr>
+        <p:cNvPr id="135" name="Shape 135"/>
+        <p:cNvGrpSpPr/>
+        <p:nvPr/>
+      </p:nvGrpSpPr>
+      <p:grpSpPr>
+        <a:xfrm>
+          <a:off x="0" y="0"/>
+          <a:ext cx="0" cy="0"/>
+          <a:chOff x="0" y="0"/>
+          <a:chExt cx="0" cy="0"/>
+        </a:xfrm>
+      </p:grpSpPr>
+      <p:pic>
+        <p:nvPicPr>
+          <p:cNvPr id="136" name="Google Shape;136;p20"/>
+          <p:cNvPicPr preferRelativeResize="0"/>
+          <p:nvPr/>
+        </p:nvPicPr>
+        <p:blipFill>
+          <a:blip r:embed="rId3">
+            <a:alphaModFix/>
+          </a:blip>
+          <a:stretch>
+            <a:fillRect/>
+          </a:stretch>
+        </p:blipFill>
+        <p:spPr>
+          <a:xfrm>
+            <a:off x="152400" y="348450"/>
+            <a:ext cx="8839199" cy="4446589"/>
+          </a:xfrm>
+          <a:prstGeom prst="rect">
+            <a:avLst/>
+          </a:prstGeom>
+          <a:noFill/>
+          <a:ln>
+            <a:noFill/>
+          </a:ln>
+        </p:spPr>
+      </p:pic>
+    </p:spTree>
+  </p:cSld>
+  <p:clrMapOvr>
+    <a:masterClrMapping/>
+  </p:clrMapOvr>
+</p:sld>
+</file>
+
+<file path=ppt/slides/slide9.xml><?xml version="1.0" encoding="utf-8"?>
+<p:sld xmlns:a="http://schemas.openxmlformats.org/drawingml/2006/main" xmlns:r="http://schemas.openxmlformats.org/officeDocument/2006/relationships" xmlns:mc="http://schemas.openxmlformats.org/markup-compatibility/2006" xmlns:mv="urn:schemas-microsoft-com:mac:vml" xmlns:p="http://schemas.openxmlformats.org/presentationml/2006/main" xmlns:c="http://schemas.openxmlformats.org/drawingml/2006/chart" xmlns:dgm="http://schemas.openxmlformats.org/drawingml/2006/diagram" xmlns:o="urn:schemas-microsoft-com:office:office" xmlns:v="urn:schemas-microsoft-com:vml" xmlns:pvml="urn:schemas-microsoft-com:office:powerpoint" xmlns:com="http://schemas.openxmlformats.org/drawingml/2006/compatibility" xmlns:p14="http://schemas.microsoft.com/office/powerpoint/2010/main" xmlns:p15="http://schemas.microsoft.com/office/powerpoint/2012/main" xmlns:ahyp="http://schemas.microsoft.com/office/drawing/2018/hyperlinkcolor">
+  <p:cSld>
+    <p:spTree>
+      <p:nvGrpSpPr>
+        <p:cNvPr id="140" name="Shape 140"/>
+        <p:cNvGrpSpPr/>
+        <p:nvPr/>
+      </p:nvGrpSpPr>
+      <p:grpSpPr>
+        <a:xfrm>
+          <a:off x="0" y="0"/>
+          <a:ext cx="0" cy="0"/>
+          <a:chOff x="0" y="0"/>
+          <a:chExt cx="0" cy="0"/>
+        </a:xfrm>
+      </p:grpSpPr>
+      <p:sp>
+        <p:nvSpPr>
+          <p:cNvPr id="141" name="Google Shape;141;p21"/>
+          <p:cNvSpPr txBox="1"/>
+          <p:nvPr>
+            <p:ph type="title"/>
+          </p:nvPr>
+        </p:nvSpPr>
+        <p:spPr>
+          <a:xfrm>
+            <a:off x="139950" y="155750"/>
+            <a:ext cx="8520600" cy="572700"/>
+          </a:xfrm>
+          <a:prstGeom prst="rect">
+            <a:avLst/>
+          </a:prstGeom>
+          <a:solidFill>
+            <a:schemeClr val="accent2"/>
+          </a:solidFill>
+        </p:spPr>
+        <p:txBody>
+          <a:bodyPr anchorCtr="0" anchor="t" bIns="91425" lIns="91425" spcFirstLastPara="1" rIns="91425" wrap="square" tIns="91425">
             <a:normAutofit/>
           </a:bodyPr>
           <a:lstStyle/>
           <a:p>
-            <a:pPr indent="0" lvl="0" marL="0" rtl="0" algn="l">
-              <a:spcBef>
-                <a:spcPts val="0"/>
-              </a:spcBef>
-              <a:spcAft>
-                <a:spcPts val="1200"/>
-              </a:spcAft>
+            <a:pPr indent="0" lvl="0" marL="0" rtl="0" algn="ctr">
+              <a:spcBef>
+                <a:spcPts val="0"/>
+              </a:spcBef>
+              <a:spcAft>
+                <a:spcPts val="0"/>
+              </a:spcAft>
+              <a:buSzPts val="990"/>
               <a:buNone/>
             </a:pPr>
             <a:r>
-              <a:t/>
+              <a:rPr i="1" lang="es" sz="2320">
+                <a:solidFill>
+                  <a:schemeClr val="lt1"/>
+                </a:solidFill>
+              </a:rPr>
+              <a:t>Diseño de la Base de datos</a:t>
             </a:r>
-            <a:endParaRPr/>
+            <a:endParaRPr i="1" sz="2320">
+              <a:solidFill>
+                <a:schemeClr val="lt1"/>
+              </a:solidFill>
+            </a:endParaRPr>
           </a:p>
         </p:txBody>
       </p:sp>
+      <p:pic>
+        <p:nvPicPr>
+          <p:cNvPr id="142" name="Google Shape;142;p21"/>
+          <p:cNvPicPr preferRelativeResize="0"/>
+          <p:nvPr/>
+        </p:nvPicPr>
+        <p:blipFill>
+          <a:blip r:embed="rId3">
+            <a:alphaModFix/>
+          </a:blip>
+          <a:stretch>
+            <a:fillRect/>
+          </a:stretch>
+        </p:blipFill>
+        <p:spPr>
+          <a:xfrm>
+            <a:off x="191400" y="875275"/>
+            <a:ext cx="8469149" cy="4110249"/>
+          </a:xfrm>
+          <a:prstGeom prst="rect">
+            <a:avLst/>
+          </a:prstGeom>
+          <a:noFill/>
+          <a:ln>
+            <a:noFill/>
+          </a:ln>
+        </p:spPr>
+      </p:pic>
     </p:spTree>
   </p:cSld>
   <p:clrMapOvr>
@@ -9124,285 +11348,6 @@
 </file>
 
 <file path=ppt/theme/theme1.xml><?xml version="1.0" encoding="utf-8"?>
-<a:theme xmlns:a="http://schemas.openxmlformats.org/drawingml/2006/main" xmlns:r="http://schemas.openxmlformats.org/officeDocument/2006/relationships" name="Simple Light">
-  <a:themeElements>
-    <a:clrScheme name="Simple Light">
-      <a:dk1>
-        <a:srgbClr val="000000"/>
-      </a:dk1>
-      <a:lt1>
-        <a:srgbClr val="FFFFFF"/>
-      </a:lt1>
-      <a:dk2>
-        <a:srgbClr val="595959"/>
-      </a:dk2>
-      <a:lt2>
-        <a:srgbClr val="EEEEEE"/>
-      </a:lt2>
-      <a:accent1>
-        <a:srgbClr val="4285F4"/>
-      </a:accent1>
-      <a:accent2>
-        <a:srgbClr val="212121"/>
-      </a:accent2>
-      <a:accent3>
-        <a:srgbClr val="78909C"/>
-      </a:accent3>
-      <a:accent4>
-        <a:srgbClr val="FFAB40"/>
-      </a:accent4>
-      <a:accent5>
-        <a:srgbClr val="0097A7"/>
-      </a:accent5>
-      <a:accent6>
-        <a:srgbClr val="EEFF41"/>
-      </a:accent6>
-      <a:hlink>
-        <a:srgbClr val="0097A7"/>
-      </a:hlink>
-      <a:folHlink>
-        <a:srgbClr val="0097A7"/>
-      </a:folHlink>
-    </a:clrScheme>
-    <a:fontScheme name="Office">
-      <a:majorFont>
-        <a:latin typeface="Arial"/>
-        <a:ea typeface=""/>
-        <a:cs typeface=""/>
-        <a:font script="Jpan" typeface="ＭＳ Ｐゴシック"/>
-        <a:font script="Hang" typeface="맑은 고딕"/>
-        <a:font script="Hans" typeface="宋体"/>
-        <a:font script="Hant" typeface="新細明體"/>
-        <a:font script="Arab" typeface="Times New Roman"/>
-        <a:font script="Hebr" typeface="Times New Roman"/>
-        <a:font script="Thai" typeface="Angsana New"/>
-        <a:font script="Ethi" typeface="Nyala"/>
-        <a:font script="Beng" typeface="Vrinda"/>
-        <a:font script="Gujr" typeface="Shruti"/>
-        <a:font script="Khmr" typeface="MoolBoran"/>
-        <a:font script="Knda" typeface="Tunga"/>
-        <a:font script="Guru" typeface="Raavi"/>
-        <a:font script="Cans" typeface="Euphemia"/>
-        <a:font script="Cher" typeface="Plantagenet Cherokee"/>
-        <a:font script="Yiii" typeface="Microsoft Yi Baiti"/>
-        <a:font script="Tibt" typeface="Microsoft Himalaya"/>
-        <a:font script="Thaa" typeface="MV Boli"/>
-        <a:font script="Deva" typeface="Mangal"/>
-        <a:font script="Telu" typeface="Gautami"/>
-        <a:font script="Taml" typeface="Latha"/>
-        <a:font script="Syrc" typeface="Estrangelo Edessa"/>
-        <a:font script="Orya" typeface="Kalinga"/>
-        <a:font script="Mlym" typeface="Kartika"/>
-        <a:font script="Laoo" typeface="DokChampa"/>
-        <a:font script="Sinh" typeface="Iskoola Pota"/>
-        <a:font script="Mong" typeface="Mongolian Baiti"/>
-        <a:font script="Viet" typeface="Times New Roman"/>
-        <a:font script="Uigh" typeface="Microsoft Uighur"/>
-        <a:font script="Geor" typeface="Sylfaen"/>
-      </a:majorFont>
-      <a:minorFont>
-        <a:latin typeface="Arial"/>
-        <a:ea typeface=""/>
-        <a:cs typeface=""/>
-        <a:font script="Jpan" typeface="ＭＳ Ｐゴシック"/>
-        <a:font script="Hang" typeface="맑은 고딕"/>
-        <a:font script="Hans" typeface="宋体"/>
-        <a:font script="Hant" typeface="新細明體"/>
-        <a:font script="Arab" typeface="Arial"/>
-        <a:font script="Hebr" typeface="Arial"/>
-        <a:font script="Thai" typeface="Cordia New"/>
-        <a:font script="Ethi" typeface="Nyala"/>
-        <a:font script="Beng" typeface="Vrinda"/>
-        <a:font script="Gujr" typeface="Shruti"/>
-        <a:font script="Khmr" typeface="DaunPenh"/>
-        <a:font script="Knda" typeface="Tunga"/>
-        <a:font script="Guru" typeface="Raavi"/>
-        <a:font script="Cans" typeface="Euphemia"/>
-        <a:font script="Cher" typeface="Plantagenet Cherokee"/>
-        <a:font script="Yiii" typeface="Microsoft Yi Baiti"/>
-        <a:font script="Tibt" typeface="Microsoft Himalaya"/>
-        <a:font script="Thaa" typeface="MV Boli"/>
-        <a:font script="Deva" typeface="Mangal"/>
-        <a:font script="Telu" typeface="Gautami"/>
-        <a:font script="Taml" typeface="Latha"/>
-        <a:font script="Syrc" typeface="Estrangelo Edessa"/>
-        <a:font script="Orya" typeface="Kalinga"/>
-        <a:font script="Mlym" typeface="Kartika"/>
-        <a:font script="Laoo" typeface="DokChampa"/>
-        <a:font script="Sinh" typeface="Iskoola Pota"/>
-        <a:font script="Mong" typeface="Mongolian Baiti"/>
-        <a:font script="Viet" typeface="Arial"/>
-        <a:font script="Uigh" typeface="Microsoft Uighur"/>
-        <a:font script="Geor" typeface="Sylfaen"/>
-      </a:minorFont>
-    </a:fontScheme>
-    <a:fmtScheme name="Office">
-      <a:fillStyleLst>
-        <a:solidFill>
-          <a:schemeClr val="phClr"/>
-        </a:solidFill>
-        <a:gradFill rotWithShape="1">
-          <a:gsLst>
-            <a:gs pos="0">
-              <a:schemeClr val="phClr">
-                <a:tint val="50000"/>
-                <a:satMod val="300000"/>
-              </a:schemeClr>
-            </a:gs>
-            <a:gs pos="35000">
-              <a:schemeClr val="phClr">
-                <a:tint val="37000"/>
-                <a:satMod val="300000"/>
-              </a:schemeClr>
-            </a:gs>
-            <a:gs pos="100000">
-              <a:schemeClr val="phClr">
-                <a:tint val="15000"/>
-                <a:satMod val="350000"/>
-              </a:schemeClr>
-            </a:gs>
-          </a:gsLst>
-          <a:lin ang="16200000" scaled="1"/>
-        </a:gradFill>
-        <a:gradFill rotWithShape="1">
-          <a:gsLst>
-            <a:gs pos="0">
-              <a:schemeClr val="phClr">
-                <a:tint val="100000"/>
-                <a:shade val="100000"/>
-                <a:satMod val="130000"/>
-              </a:schemeClr>
-            </a:gs>
-            <a:gs pos="100000">
-              <a:schemeClr val="phClr">
-                <a:tint val="50000"/>
-                <a:shade val="100000"/>
-                <a:satMod val="350000"/>
-              </a:schemeClr>
-            </a:gs>
-          </a:gsLst>
-          <a:lin ang="16200000" scaled="0"/>
-        </a:gradFill>
-      </a:fillStyleLst>
-      <a:lnStyleLst>
-        <a:ln w="9525" cap="flat" cmpd="sng" algn="ctr">
-          <a:solidFill>
-            <a:schemeClr val="phClr">
-              <a:shade val="95000"/>
-              <a:satMod val="105000"/>
-            </a:schemeClr>
-          </a:solidFill>
-          <a:prstDash val="solid"/>
-        </a:ln>
-        <a:ln w="25400" cap="flat" cmpd="sng" algn="ctr">
-          <a:solidFill>
-            <a:schemeClr val="phClr"/>
-          </a:solidFill>
-          <a:prstDash val="solid"/>
-        </a:ln>
-        <a:ln w="38100" cap="flat" cmpd="sng" algn="ctr">
-          <a:solidFill>
-            <a:schemeClr val="phClr"/>
-          </a:solidFill>
-          <a:prstDash val="solid"/>
-        </a:ln>
-      </a:lnStyleLst>
-      <a:effectStyleLst>
-        <a:effectStyle>
-          <a:effectLst>
-            <a:outerShdw blurRad="40000" dist="20000" dir="5400000" rotWithShape="0">
-              <a:srgbClr val="000000">
-                <a:alpha val="38000"/>
-              </a:srgbClr>
-            </a:outerShdw>
-          </a:effectLst>
-        </a:effectStyle>
-        <a:effectStyle>
-          <a:effectLst>
-            <a:outerShdw blurRad="40000" dist="23000" dir="5400000" rotWithShape="0">
-              <a:srgbClr val="000000">
-                <a:alpha val="35000"/>
-              </a:srgbClr>
-            </a:outerShdw>
-          </a:effectLst>
-        </a:effectStyle>
-        <a:effectStyle>
-          <a:effectLst>
-            <a:outerShdw blurRad="40000" dist="23000" dir="5400000" rotWithShape="0">
-              <a:srgbClr val="000000">
-                <a:alpha val="35000"/>
-              </a:srgbClr>
-            </a:outerShdw>
-          </a:effectLst>
-          <a:scene3d>
-            <a:camera prst="orthographicFront">
-              <a:rot lat="0" lon="0" rev="0"/>
-            </a:camera>
-            <a:lightRig rig="threePt" dir="t">
-              <a:rot lat="0" lon="0" rev="1200000"/>
-            </a:lightRig>
-          </a:scene3d>
-          <a:sp3d>
-            <a:bevelT w="63500" h="25400"/>
-          </a:sp3d>
-        </a:effectStyle>
-      </a:effectStyleLst>
-      <a:bgFillStyleLst>
-        <a:solidFill>
-          <a:schemeClr val="phClr"/>
-        </a:solidFill>
-        <a:gradFill rotWithShape="1">
-          <a:gsLst>
-            <a:gs pos="0">
-              <a:schemeClr val="phClr">
-                <a:tint val="40000"/>
-                <a:satMod val="350000"/>
-              </a:schemeClr>
-            </a:gs>
-            <a:gs pos="40000">
-              <a:schemeClr val="phClr">
-                <a:tint val="45000"/>
-                <a:shade val="99000"/>
-                <a:satMod val="350000"/>
-              </a:schemeClr>
-            </a:gs>
-            <a:gs pos="100000">
-              <a:schemeClr val="phClr">
-                <a:shade val="20000"/>
-                <a:satMod val="255000"/>
-              </a:schemeClr>
-            </a:gs>
-          </a:gsLst>
-          <a:path path="circle">
-            <a:fillToRect l="50000" t="-80000" r="50000" b="180000"/>
-          </a:path>
-        </a:gradFill>
-        <a:gradFill rotWithShape="1">
-          <a:gsLst>
-            <a:gs pos="0">
-              <a:schemeClr val="phClr">
-                <a:tint val="80000"/>
-                <a:satMod val="300000"/>
-              </a:schemeClr>
-            </a:gs>
-            <a:gs pos="100000">
-              <a:schemeClr val="phClr">
-                <a:shade val="30000"/>
-                <a:satMod val="200000"/>
-              </a:schemeClr>
-            </a:gs>
-          </a:gsLst>
-          <a:path path="circle">
-            <a:fillToRect l="50000" t="50000" r="50000" b="50000"/>
-          </a:path>
-        </a:gradFill>
-      </a:bgFillStyleLst>
-    </a:fmtScheme>
-  </a:themeElements>
-</a:theme>
-</file>
-
-<file path=ppt/theme/theme2.xml><?xml version="1.0" encoding="utf-8"?>
 <a:theme xmlns:a="http://schemas.openxmlformats.org/drawingml/2006/main" xmlns:r="http://schemas.openxmlformats.org/officeDocument/2006/relationships">
   <a:themeElements>
     <a:clrScheme name="Default">
@@ -9679,4 +11624,283 @@
     </a:fmtScheme>
   </a:themeElements>
 </a:theme>
+</file>
+
+<file path=ppt/theme/theme2.xml><?xml version="1.0" encoding="utf-8"?>
+<a:theme xmlns:a="http://schemas.openxmlformats.org/drawingml/2006/main" xmlns:r="http://schemas.openxmlformats.org/officeDocument/2006/relationships" name="Streamline">
+  <a:themeElements>
+    <a:clrScheme name="Streamline">
+      <a:dk1>
+        <a:srgbClr val="1A9988"/>
+      </a:dk1>
+      <a:lt1>
+        <a:srgbClr val="FFFFFF"/>
+      </a:lt1>
+      <a:dk2>
+        <a:srgbClr val="1A1A1A"/>
+      </a:dk2>
+      <a:lt2>
+        <a:srgbClr val="E9EDEE"/>
+      </a:lt2>
+      <a:accent1>
+        <a:srgbClr val="595959"/>
+      </a:accent1>
+      <a:accent2>
+        <a:srgbClr val="6AA4C8"/>
+      </a:accent2>
+      <a:accent3>
+        <a:srgbClr val="EB5600"/>
+      </a:accent3>
+      <a:accent4>
+        <a:srgbClr val="A2FFE8"/>
+      </a:accent4>
+      <a:accent5>
+        <a:srgbClr val="1C3678"/>
+      </a:accent5>
+      <a:accent6>
+        <a:srgbClr val="FFB8A2"/>
+      </a:accent6>
+      <a:hlink>
+        <a:srgbClr val="1C3678"/>
+      </a:hlink>
+      <a:folHlink>
+        <a:srgbClr val="1C3678"/>
+      </a:folHlink>
+    </a:clrScheme>
+    <a:fontScheme name="Office">
+      <a:majorFont>
+        <a:latin typeface="Arial"/>
+        <a:ea typeface=""/>
+        <a:cs typeface=""/>
+        <a:font script="Jpan" typeface="ＭＳ Ｐゴシック"/>
+        <a:font script="Hang" typeface="맑은 고딕"/>
+        <a:font script="Hans" typeface="宋体"/>
+        <a:font script="Hant" typeface="新細明體"/>
+        <a:font script="Arab" typeface="Times New Roman"/>
+        <a:font script="Hebr" typeface="Times New Roman"/>
+        <a:font script="Thai" typeface="Angsana New"/>
+        <a:font script="Ethi" typeface="Nyala"/>
+        <a:font script="Beng" typeface="Vrinda"/>
+        <a:font script="Gujr" typeface="Shruti"/>
+        <a:font script="Khmr" typeface="MoolBoran"/>
+        <a:font script="Knda" typeface="Tunga"/>
+        <a:font script="Guru" typeface="Raavi"/>
+        <a:font script="Cans" typeface="Euphemia"/>
+        <a:font script="Cher" typeface="Plantagenet Cherokee"/>
+        <a:font script="Yiii" typeface="Microsoft Yi Baiti"/>
+        <a:font script="Tibt" typeface="Microsoft Himalaya"/>
+        <a:font script="Thaa" typeface="MV Boli"/>
+        <a:font script="Deva" typeface="Mangal"/>
+        <a:font script="Telu" typeface="Gautami"/>
+        <a:font script="Taml" typeface="Latha"/>
+        <a:font script="Syrc" typeface="Estrangelo Edessa"/>
+        <a:font script="Orya" typeface="Kalinga"/>
+        <a:font script="Mlym" typeface="Kartika"/>
+        <a:font script="Laoo" typeface="DokChampa"/>
+        <a:font script="Sinh" typeface="Iskoola Pota"/>
+        <a:font script="Mong" typeface="Mongolian Baiti"/>
+        <a:font script="Viet" typeface="Times New Roman"/>
+        <a:font script="Uigh" typeface="Microsoft Uighur"/>
+        <a:font script="Geor" typeface="Sylfaen"/>
+      </a:majorFont>
+      <a:minorFont>
+        <a:latin typeface="Arial"/>
+        <a:ea typeface=""/>
+        <a:cs typeface=""/>
+        <a:font script="Jpan" typeface="ＭＳ Ｐゴシック"/>
+        <a:font script="Hang" typeface="맑은 고딕"/>
+        <a:font script="Hans" typeface="宋体"/>
+        <a:font script="Hant" typeface="新細明體"/>
+        <a:font script="Arab" typeface="Arial"/>
+        <a:font script="Hebr" typeface="Arial"/>
+        <a:font script="Thai" typeface="Cordia New"/>
+        <a:font script="Ethi" typeface="Nyala"/>
+        <a:font script="Beng" typeface="Vrinda"/>
+        <a:font script="Gujr" typeface="Shruti"/>
+        <a:font script="Khmr" typeface="DaunPenh"/>
+        <a:font script="Knda" typeface="Tunga"/>
+        <a:font script="Guru" typeface="Raavi"/>
+        <a:font script="Cans" typeface="Euphemia"/>
+        <a:font script="Cher" typeface="Plantagenet Cherokee"/>
+        <a:font script="Yiii" typeface="Microsoft Yi Baiti"/>
+        <a:font script="Tibt" typeface="Microsoft Himalaya"/>
+        <a:font script="Thaa" typeface="MV Boli"/>
+        <a:font script="Deva" typeface="Mangal"/>
+        <a:font script="Telu" typeface="Gautami"/>
+        <a:font script="Taml" typeface="Latha"/>
+        <a:font script="Syrc" typeface="Estrangelo Edessa"/>
+        <a:font script="Orya" typeface="Kalinga"/>
+        <a:font script="Mlym" typeface="Kartika"/>
+        <a:font script="Laoo" typeface="DokChampa"/>
+        <a:font script="Sinh" typeface="Iskoola Pota"/>
+        <a:font script="Mong" typeface="Mongolian Baiti"/>
+        <a:font script="Viet" typeface="Arial"/>
+        <a:font script="Uigh" typeface="Microsoft Uighur"/>
+        <a:font script="Geor" typeface="Sylfaen"/>
+      </a:minorFont>
+    </a:fontScheme>
+    <a:fmtScheme name="Office">
+      <a:fillStyleLst>
+        <a:solidFill>
+          <a:schemeClr val="phClr"/>
+        </a:solidFill>
+        <a:gradFill rotWithShape="1">
+          <a:gsLst>
+            <a:gs pos="0">
+              <a:schemeClr val="phClr">
+                <a:tint val="50000"/>
+                <a:satMod val="300000"/>
+              </a:schemeClr>
+            </a:gs>
+            <a:gs pos="35000">
+              <a:schemeClr val="phClr">
+                <a:tint val="37000"/>
+                <a:satMod val="300000"/>
+              </a:schemeClr>
+            </a:gs>
+            <a:gs pos="100000">
+              <a:schemeClr val="phClr">
+                <a:tint val="15000"/>
+                <a:satMod val="350000"/>
+              </a:schemeClr>
+            </a:gs>
+          </a:gsLst>
+          <a:lin ang="16200000" scaled="1"/>
+        </a:gradFill>
+        <a:gradFill rotWithShape="1">
+          <a:gsLst>
+            <a:gs pos="0">
+              <a:schemeClr val="phClr">
+                <a:tint val="100000"/>
+                <a:shade val="100000"/>
+                <a:satMod val="130000"/>
+              </a:schemeClr>
+            </a:gs>
+            <a:gs pos="100000">
+              <a:schemeClr val="phClr">
+                <a:tint val="50000"/>
+                <a:shade val="100000"/>
+                <a:satMod val="350000"/>
+              </a:schemeClr>
+            </a:gs>
+          </a:gsLst>
+          <a:lin ang="16200000" scaled="0"/>
+        </a:gradFill>
+      </a:fillStyleLst>
+      <a:lnStyleLst>
+        <a:ln w="9525" cap="flat" cmpd="sng" algn="ctr">
+          <a:solidFill>
+            <a:schemeClr val="phClr">
+              <a:shade val="95000"/>
+              <a:satMod val="105000"/>
+            </a:schemeClr>
+          </a:solidFill>
+          <a:prstDash val="solid"/>
+        </a:ln>
+        <a:ln w="25400" cap="flat" cmpd="sng" algn="ctr">
+          <a:solidFill>
+            <a:schemeClr val="phClr"/>
+          </a:solidFill>
+          <a:prstDash val="solid"/>
+        </a:ln>
+        <a:ln w="38100" cap="flat" cmpd="sng" algn="ctr">
+          <a:solidFill>
+            <a:schemeClr val="phClr"/>
+          </a:solidFill>
+          <a:prstDash val="solid"/>
+        </a:ln>
+      </a:lnStyleLst>
+      <a:effectStyleLst>
+        <a:effectStyle>
+          <a:effectLst>
+            <a:outerShdw blurRad="40000" dist="20000" dir="5400000" rotWithShape="0">
+              <a:srgbClr val="000000">
+                <a:alpha val="38000"/>
+              </a:srgbClr>
+            </a:outerShdw>
+          </a:effectLst>
+        </a:effectStyle>
+        <a:effectStyle>
+          <a:effectLst>
+            <a:outerShdw blurRad="40000" dist="23000" dir="5400000" rotWithShape="0">
+              <a:srgbClr val="000000">
+                <a:alpha val="35000"/>
+              </a:srgbClr>
+            </a:outerShdw>
+          </a:effectLst>
+        </a:effectStyle>
+        <a:effectStyle>
+          <a:effectLst>
+            <a:outerShdw blurRad="40000" dist="23000" dir="5400000" rotWithShape="0">
+              <a:srgbClr val="000000">
+                <a:alpha val="35000"/>
+              </a:srgbClr>
+            </a:outerShdw>
+          </a:effectLst>
+          <a:scene3d>
+            <a:camera prst="orthographicFront">
+              <a:rot lat="0" lon="0" rev="0"/>
+            </a:camera>
+            <a:lightRig rig="threePt" dir="t">
+              <a:rot lat="0" lon="0" rev="1200000"/>
+            </a:lightRig>
+          </a:scene3d>
+          <a:sp3d>
+            <a:bevelT w="63500" h="25400"/>
+          </a:sp3d>
+        </a:effectStyle>
+      </a:effectStyleLst>
+      <a:bgFillStyleLst>
+        <a:solidFill>
+          <a:schemeClr val="phClr"/>
+        </a:solidFill>
+        <a:gradFill rotWithShape="1">
+          <a:gsLst>
+            <a:gs pos="0">
+              <a:schemeClr val="phClr">
+                <a:tint val="40000"/>
+                <a:satMod val="350000"/>
+              </a:schemeClr>
+            </a:gs>
+            <a:gs pos="40000">
+              <a:schemeClr val="phClr">
+                <a:tint val="45000"/>
+                <a:shade val="99000"/>
+                <a:satMod val="350000"/>
+              </a:schemeClr>
+            </a:gs>
+            <a:gs pos="100000">
+              <a:schemeClr val="phClr">
+                <a:shade val="20000"/>
+                <a:satMod val="255000"/>
+              </a:schemeClr>
+            </a:gs>
+          </a:gsLst>
+          <a:path path="circle">
+            <a:fillToRect l="50000" t="-80000" r="50000" b="180000"/>
+          </a:path>
+        </a:gradFill>
+        <a:gradFill rotWithShape="1">
+          <a:gsLst>
+            <a:gs pos="0">
+              <a:schemeClr val="phClr">
+                <a:tint val="80000"/>
+                <a:satMod val="300000"/>
+              </a:schemeClr>
+            </a:gs>
+            <a:gs pos="100000">
+              <a:schemeClr val="phClr">
+                <a:shade val="30000"/>
+                <a:satMod val="200000"/>
+              </a:schemeClr>
+            </a:gs>
+          </a:gsLst>
+          <a:path path="circle">
+            <a:fillToRect l="50000" t="50000" r="50000" b="50000"/>
+          </a:path>
+        </a:gradFill>
+      </a:bgFillStyleLst>
+    </a:fmtScheme>
+  </a:themeElements>
+</a:theme>
 </file>